--- a/SessionII_Qiskit/ISMB - VQA, QML.pptx
+++ b/SessionII_Qiskit/ISMB - VQA, QML.pptx
@@ -5,23 +5,24 @@
     <p:sldMasterId id="2147483648" r:id="rId1"/>
   </p:sldMasterIdLst>
   <p:sldIdLst>
-    <p:sldId id="581" r:id="rId2"/>
-    <p:sldId id="2147375968" r:id="rId3"/>
-    <p:sldId id="2147375969" r:id="rId4"/>
-    <p:sldId id="2147375970" r:id="rId5"/>
-    <p:sldId id="2147375971" r:id="rId6"/>
-    <p:sldId id="2147375972" r:id="rId7"/>
-    <p:sldId id="2147375973" r:id="rId8"/>
-    <p:sldId id="2147375974" r:id="rId9"/>
-    <p:sldId id="2147375975" r:id="rId10"/>
-    <p:sldId id="2147375976" r:id="rId11"/>
-    <p:sldId id="2147375977" r:id="rId12"/>
-    <p:sldId id="2147375978" r:id="rId13"/>
-    <p:sldId id="2147375979" r:id="rId14"/>
-    <p:sldId id="2147375982" r:id="rId15"/>
-    <p:sldId id="2147375983" r:id="rId16"/>
-    <p:sldId id="2147375980" r:id="rId17"/>
-    <p:sldId id="2147375981" r:id="rId18"/>
+    <p:sldId id="2147375984" r:id="rId2"/>
+    <p:sldId id="2147375985" r:id="rId3"/>
+    <p:sldId id="2147375968" r:id="rId4"/>
+    <p:sldId id="2147375969" r:id="rId5"/>
+    <p:sldId id="2147375970" r:id="rId6"/>
+    <p:sldId id="2147375971" r:id="rId7"/>
+    <p:sldId id="2147375972" r:id="rId8"/>
+    <p:sldId id="2147375973" r:id="rId9"/>
+    <p:sldId id="2147375974" r:id="rId10"/>
+    <p:sldId id="2147375975" r:id="rId11"/>
+    <p:sldId id="2147375976" r:id="rId12"/>
+    <p:sldId id="2147375977" r:id="rId13"/>
+    <p:sldId id="2147375978" r:id="rId14"/>
+    <p:sldId id="2147375979" r:id="rId15"/>
+    <p:sldId id="2147375982" r:id="rId16"/>
+    <p:sldId id="2147375983" r:id="rId17"/>
+    <p:sldId id="2147375980" r:id="rId18"/>
+    <p:sldId id="2147375981" r:id="rId19"/>
   </p:sldIdLst>
   <p:sldSz cx="12192000" cy="6858000"/>
   <p:notesSz cx="6858000" cy="9144000"/>
@@ -275,7 +276,7 @@
           <a:p>
             <a:fld id="{C638D507-6C60-4999-8F96-A8BCBDA7FC05}" type="datetimeFigureOut">
               <a:rPr lang="en-US" smtClean="0"/>
-              <a:t>5/24/2024</a:t>
+              <a:t>6/20/2024</a:t>
             </a:fld>
             <a:endParaRPr lang="en-US"/>
           </a:p>
@@ -473,7 +474,7 @@
           <a:p>
             <a:fld id="{C638D507-6C60-4999-8F96-A8BCBDA7FC05}" type="datetimeFigureOut">
               <a:rPr lang="en-US" smtClean="0"/>
-              <a:t>5/24/2024</a:t>
+              <a:t>6/20/2024</a:t>
             </a:fld>
             <a:endParaRPr lang="en-US"/>
           </a:p>
@@ -681,7 +682,7 @@
           <a:p>
             <a:fld id="{C638D507-6C60-4999-8F96-A8BCBDA7FC05}" type="datetimeFigureOut">
               <a:rPr lang="en-US" smtClean="0"/>
-              <a:t>5/24/2024</a:t>
+              <a:t>6/20/2024</a:t>
             </a:fld>
             <a:endParaRPr lang="en-US"/>
           </a:p>
@@ -1304,7 +1305,7 @@
           <a:p>
             <a:fld id="{C638D507-6C60-4999-8F96-A8BCBDA7FC05}" type="datetimeFigureOut">
               <a:rPr lang="en-US" smtClean="0"/>
-              <a:t>5/24/2024</a:t>
+              <a:t>6/20/2024</a:t>
             </a:fld>
             <a:endParaRPr lang="en-US"/>
           </a:p>
@@ -1579,7 +1580,7 @@
           <a:p>
             <a:fld id="{C638D507-6C60-4999-8F96-A8BCBDA7FC05}" type="datetimeFigureOut">
               <a:rPr lang="en-US" smtClean="0"/>
-              <a:t>5/24/2024</a:t>
+              <a:t>6/20/2024</a:t>
             </a:fld>
             <a:endParaRPr lang="en-US"/>
           </a:p>
@@ -1844,7 +1845,7 @@
           <a:p>
             <a:fld id="{C638D507-6C60-4999-8F96-A8BCBDA7FC05}" type="datetimeFigureOut">
               <a:rPr lang="en-US" smtClean="0"/>
-              <a:t>5/24/2024</a:t>
+              <a:t>6/20/2024</a:t>
             </a:fld>
             <a:endParaRPr lang="en-US"/>
           </a:p>
@@ -2256,7 +2257,7 @@
           <a:p>
             <a:fld id="{C638D507-6C60-4999-8F96-A8BCBDA7FC05}" type="datetimeFigureOut">
               <a:rPr lang="en-US" smtClean="0"/>
-              <a:t>5/24/2024</a:t>
+              <a:t>6/20/2024</a:t>
             </a:fld>
             <a:endParaRPr lang="en-US"/>
           </a:p>
@@ -2397,7 +2398,7 @@
           <a:p>
             <a:fld id="{C638D507-6C60-4999-8F96-A8BCBDA7FC05}" type="datetimeFigureOut">
               <a:rPr lang="en-US" smtClean="0"/>
-              <a:t>5/24/2024</a:t>
+              <a:t>6/20/2024</a:t>
             </a:fld>
             <a:endParaRPr lang="en-US"/>
           </a:p>
@@ -2510,7 +2511,7 @@
           <a:p>
             <a:fld id="{C638D507-6C60-4999-8F96-A8BCBDA7FC05}" type="datetimeFigureOut">
               <a:rPr lang="en-US" smtClean="0"/>
-              <a:t>5/24/2024</a:t>
+              <a:t>6/20/2024</a:t>
             </a:fld>
             <a:endParaRPr lang="en-US"/>
           </a:p>
@@ -2821,7 +2822,7 @@
           <a:p>
             <a:fld id="{C638D507-6C60-4999-8F96-A8BCBDA7FC05}" type="datetimeFigureOut">
               <a:rPr lang="en-US" smtClean="0"/>
-              <a:t>5/24/2024</a:t>
+              <a:t>6/20/2024</a:t>
             </a:fld>
             <a:endParaRPr lang="en-US"/>
           </a:p>
@@ -3109,7 +3110,7 @@
           <a:p>
             <a:fld id="{C638D507-6C60-4999-8F96-A8BCBDA7FC05}" type="datetimeFigureOut">
               <a:rPr lang="en-US" smtClean="0"/>
-              <a:t>5/24/2024</a:t>
+              <a:t>6/20/2024</a:t>
             </a:fld>
             <a:endParaRPr lang="en-US"/>
           </a:p>
@@ -3350,7 +3351,7 @@
           <a:p>
             <a:fld id="{C638D507-6C60-4999-8F96-A8BCBDA7FC05}" type="datetimeFigureOut">
               <a:rPr lang="en-US" smtClean="0"/>
-              <a:t>5/24/2024</a:t>
+              <a:t>6/20/2024</a:t>
             </a:fld>
             <a:endParaRPr lang="en-US"/>
           </a:p>
@@ -3796,7 +3797,7 @@
         </p:blipFill>
         <p:spPr>
           <a:xfrm>
-            <a:off x="0" y="0"/>
+            <a:off x="0" y="893"/>
             <a:ext cx="12192000" cy="6857107"/>
           </a:xfrm>
           <a:prstGeom prst="rect">
@@ -3806,10 +3807,10 @@
       </p:pic>
       <p:pic>
         <p:nvPicPr>
-          <p:cNvPr id="4" name="Graphic 3">
-            <a:extLst>
-              <a:ext uri="{FF2B5EF4-FFF2-40B4-BE49-F238E27FC236}">
-                <a16:creationId xmlns:a16="http://schemas.microsoft.com/office/drawing/2014/main" id="{2F618286-2E4F-4A4B-1748-4004B9AC0606}"/>
+          <p:cNvPr id="3" name="Picture 2" descr="IBM 8-bar logo in black">
+            <a:extLst>
+              <a:ext uri="{FF2B5EF4-FFF2-40B4-BE49-F238E27FC236}">
+                <a16:creationId xmlns:a16="http://schemas.microsoft.com/office/drawing/2014/main" id="{0978C38A-195C-C596-61FA-FFB408FD8A2B}"/>
               </a:ext>
             </a:extLst>
           </p:cNvPr>
@@ -3819,43 +3820,7 @@
           <p:nvPr/>
         </p:nvPicPr>
         <p:blipFill>
-          <a:blip r:embed="rId3">
-            <a:extLst>
-              <a:ext uri="{96DAC541-7B7A-43D3-8B79-37D633B846F1}">
-                <asvg:svgBlip xmlns:asvg="http://schemas.microsoft.com/office/drawing/2016/SVG/main" r:embed="rId4"/>
-              </a:ext>
-            </a:extLst>
-          </a:blip>
-          <a:stretch>
-            <a:fillRect/>
-          </a:stretch>
-        </p:blipFill>
-        <p:spPr>
-          <a:xfrm>
-            <a:off x="-79501" y="-79056"/>
-            <a:ext cx="2435267" cy="936641"/>
-          </a:xfrm>
-          <a:prstGeom prst="rect">
-            <a:avLst/>
-          </a:prstGeom>
-        </p:spPr>
-      </p:pic>
-      <p:pic>
-        <p:nvPicPr>
-          <p:cNvPr id="3" name="Picture 2" descr="IBM 8-bar logo in black">
-            <a:extLst>
-              <a:ext uri="{FF2B5EF4-FFF2-40B4-BE49-F238E27FC236}">
-                <a16:creationId xmlns:a16="http://schemas.microsoft.com/office/drawing/2014/main" id="{0978C38A-195C-C596-61FA-FFB408FD8A2B}"/>
-              </a:ext>
-            </a:extLst>
-          </p:cNvPr>
-          <p:cNvPicPr>
-            <a:picLocks noChangeAspect="1"/>
-          </p:cNvPicPr>
-          <p:nvPr/>
-        </p:nvPicPr>
-        <p:blipFill>
-          <a:blip r:embed="rId5"/>
+          <a:blip r:embed="rId3"/>
           <a:stretch>
             <a:fillRect/>
           </a:stretch>
@@ -3886,8 +3851,8 @@
         </p:nvSpPr>
         <p:spPr>
           <a:xfrm>
-            <a:off x="441115" y="2008312"/>
-            <a:ext cx="10738975" cy="2088869"/>
+            <a:off x="749565" y="919104"/>
+            <a:ext cx="5934570" cy="4178016"/>
           </a:xfrm>
           <a:prstGeom prst="rect">
             <a:avLst/>
@@ -3998,7 +3963,7 @@
               <a:rPr lang="en-US" sz="7700" dirty="0">
                 <a:latin typeface="IBM Plex Sans Light" panose="020B0403050203000203" pitchFamily="34" charset="0"/>
               </a:rPr>
-              <a:t>Variational algorithm</a:t>
+              <a:t>Session 2:</a:t>
             </a:r>
           </a:p>
           <a:p>
@@ -4007,7 +3972,557 @@
               <a:rPr lang="en-US" sz="7700" dirty="0">
                 <a:latin typeface="IBM Plex Sans Light" panose="020B0403050203000203" pitchFamily="34" charset="0"/>
               </a:rPr>
-              <a:t>design</a:t>
+              <a:t>Variational algorithm design</a:t>
+            </a:r>
+          </a:p>
+        </p:txBody>
+      </p:sp>
+      <p:pic>
+        <p:nvPicPr>
+          <p:cNvPr id="6" name="Picture 2" descr="IBM Research - Innovation Toronto">
+            <a:extLst>
+              <a:ext uri="{FF2B5EF4-FFF2-40B4-BE49-F238E27FC236}">
+                <a16:creationId xmlns:a16="http://schemas.microsoft.com/office/drawing/2014/main" id="{F27A92AA-BB5D-9106-62EA-64863B67E209}"/>
+              </a:ext>
+            </a:extLst>
+          </p:cNvPr>
+          <p:cNvPicPr>
+            <a:picLocks noChangeAspect="1" noChangeArrowheads="1"/>
+          </p:cNvPicPr>
+          <p:nvPr/>
+        </p:nvPicPr>
+        <p:blipFill>
+          <a:blip r:embed="rId4">
+            <a:extLst>
+              <a:ext uri="{28A0092B-C50C-407E-A947-70E740481C1C}">
+                <a14:useLocalDpi xmlns:a14="http://schemas.microsoft.com/office/drawing/2010/main" val="0"/>
+              </a:ext>
+            </a:extLst>
+          </a:blip>
+          <a:srcRect/>
+          <a:stretch>
+            <a:fillRect/>
+          </a:stretch>
+        </p:blipFill>
+        <p:spPr bwMode="auto">
+          <a:xfrm>
+            <a:off x="121677" y="119870"/>
+            <a:ext cx="2443239" cy="293722"/>
+          </a:xfrm>
+          <a:prstGeom prst="rect">
+            <a:avLst/>
+          </a:prstGeom>
+          <a:noFill/>
+          <a:extLst>
+            <a:ext uri="{909E8E84-426E-40DD-AFC4-6F175D3DCCD1}">
+              <a14:hiddenFill xmlns:a14="http://schemas.microsoft.com/office/drawing/2010/main">
+                <a:solidFill>
+                  <a:srgbClr val="FFFFFF"/>
+                </a:solidFill>
+              </a14:hiddenFill>
+            </a:ext>
+          </a:extLst>
+        </p:spPr>
+      </p:pic>
+      <p:pic>
+        <p:nvPicPr>
+          <p:cNvPr id="7" name="Picture 2" descr="IBM Quantum">
+            <a:extLst>
+              <a:ext uri="{FF2B5EF4-FFF2-40B4-BE49-F238E27FC236}">
+                <a16:creationId xmlns:a16="http://schemas.microsoft.com/office/drawing/2014/main" id="{27CEBCAA-8E52-5ED7-56DA-D2CB7DC200EB}"/>
+              </a:ext>
+            </a:extLst>
+          </p:cNvPr>
+          <p:cNvPicPr>
+            <a:picLocks noChangeAspect="1" noChangeArrowheads="1"/>
+          </p:cNvPicPr>
+          <p:nvPr/>
+        </p:nvPicPr>
+        <p:blipFill>
+          <a:blip r:embed="rId5">
+            <a:extLst>
+              <a:ext uri="{28A0092B-C50C-407E-A947-70E740481C1C}">
+                <a14:useLocalDpi xmlns:a14="http://schemas.microsoft.com/office/drawing/2010/main" val="0"/>
+              </a:ext>
+            </a:extLst>
+          </a:blip>
+          <a:srcRect/>
+          <a:stretch>
+            <a:fillRect/>
+          </a:stretch>
+        </p:blipFill>
+        <p:spPr bwMode="auto">
+          <a:xfrm>
+            <a:off x="9073665" y="-440570"/>
+            <a:ext cx="3531621" cy="1359674"/>
+          </a:xfrm>
+          <a:prstGeom prst="rect">
+            <a:avLst/>
+          </a:prstGeom>
+          <a:noFill/>
+          <a:extLst>
+            <a:ext uri="{909E8E84-426E-40DD-AFC4-6F175D3DCCD1}">
+              <a14:hiddenFill xmlns:a14="http://schemas.microsoft.com/office/drawing/2010/main">
+                <a:solidFill>
+                  <a:srgbClr val="FFFFFF"/>
+                </a:solidFill>
+              </a14:hiddenFill>
+            </a:ext>
+          </a:extLst>
+        </p:spPr>
+      </p:pic>
+      <p:sp>
+        <p:nvSpPr>
+          <p:cNvPr id="8" name="TextBox 7">
+            <a:extLst>
+              <a:ext uri="{FF2B5EF4-FFF2-40B4-BE49-F238E27FC236}">
+                <a16:creationId xmlns:a16="http://schemas.microsoft.com/office/drawing/2014/main" id="{9B6E557B-0DED-49B8-F15C-FB673160A45C}"/>
+              </a:ext>
+            </a:extLst>
+          </p:cNvPr>
+          <p:cNvSpPr txBox="1"/>
+          <p:nvPr/>
+        </p:nvSpPr>
+        <p:spPr>
+          <a:xfrm>
+            <a:off x="9280186" y="1420547"/>
+            <a:ext cx="1926707" cy="369332"/>
+          </a:xfrm>
+          <a:prstGeom prst="rect">
+            <a:avLst/>
+          </a:prstGeom>
+          <a:noFill/>
+        </p:spPr>
+        <p:txBody>
+          <a:bodyPr wrap="square" rtlCol="0">
+            <a:spAutoFit/>
+          </a:bodyPr>
+          <a:lstStyle/>
+          <a:p>
+            <a:pPr algn="ctr"/>
+            <a:r>
+              <a:rPr lang="en-US" b="1" dirty="0"/>
+              <a:t>Organizers</a:t>
+            </a:r>
+          </a:p>
+        </p:txBody>
+      </p:sp>
+      <p:sp>
+        <p:nvSpPr>
+          <p:cNvPr id="9" name="Oval 8">
+            <a:extLst>
+              <a:ext uri="{FF2B5EF4-FFF2-40B4-BE49-F238E27FC236}">
+                <a16:creationId xmlns:a16="http://schemas.microsoft.com/office/drawing/2014/main" id="{8C1476A0-F7D2-2204-2D23-56A62BDE47DD}"/>
+              </a:ext>
+            </a:extLst>
+          </p:cNvPr>
+          <p:cNvSpPr/>
+          <p:nvPr/>
+        </p:nvSpPr>
+        <p:spPr>
+          <a:xfrm>
+            <a:off x="8429554" y="3994263"/>
+            <a:ext cx="912291" cy="870590"/>
+          </a:xfrm>
+          <a:prstGeom prst="ellipse">
+            <a:avLst/>
+          </a:prstGeom>
+          <a:blipFill>
+            <a:blip r:embed="rId6"/>
+            <a:stretch>
+              <a:fillRect/>
+            </a:stretch>
+          </a:blipFill>
+          <a:ln>
+            <a:noFill/>
+          </a:ln>
+        </p:spPr>
+        <p:style>
+          <a:lnRef idx="2">
+            <a:schemeClr val="accent1">
+              <a:shade val="15000"/>
+            </a:schemeClr>
+          </a:lnRef>
+          <a:fillRef idx="1">
+            <a:schemeClr val="accent1"/>
+          </a:fillRef>
+          <a:effectRef idx="0">
+            <a:schemeClr val="accent1"/>
+          </a:effectRef>
+          <a:fontRef idx="minor">
+            <a:schemeClr val="lt1"/>
+          </a:fontRef>
+        </p:style>
+        <p:txBody>
+          <a:bodyPr rtlCol="0" anchor="ctr"/>
+          <a:lstStyle/>
+          <a:p>
+            <a:pPr algn="ctr"/>
+            <a:endParaRPr lang="en-US" b="1" dirty="0"/>
+          </a:p>
+        </p:txBody>
+      </p:sp>
+      <p:sp>
+        <p:nvSpPr>
+          <p:cNvPr id="10" name="Oval 9">
+            <a:extLst>
+              <a:ext uri="{FF2B5EF4-FFF2-40B4-BE49-F238E27FC236}">
+                <a16:creationId xmlns:a16="http://schemas.microsoft.com/office/drawing/2014/main" id="{2481DB8E-F5C6-DF7E-A3B0-F7B46F9088C0}"/>
+              </a:ext>
+            </a:extLst>
+          </p:cNvPr>
+          <p:cNvSpPr/>
+          <p:nvPr/>
+        </p:nvSpPr>
+        <p:spPr>
+          <a:xfrm>
+            <a:off x="8429553" y="4989075"/>
+            <a:ext cx="912291" cy="870590"/>
+          </a:xfrm>
+          <a:prstGeom prst="ellipse">
+            <a:avLst/>
+          </a:prstGeom>
+          <a:blipFill>
+            <a:blip r:embed="rId7"/>
+            <a:stretch>
+              <a:fillRect/>
+            </a:stretch>
+          </a:blipFill>
+          <a:ln>
+            <a:noFill/>
+          </a:ln>
+        </p:spPr>
+        <p:style>
+          <a:lnRef idx="2">
+            <a:schemeClr val="accent1">
+              <a:shade val="15000"/>
+            </a:schemeClr>
+          </a:lnRef>
+          <a:fillRef idx="1">
+            <a:schemeClr val="accent1"/>
+          </a:fillRef>
+          <a:effectRef idx="0">
+            <a:schemeClr val="accent1"/>
+          </a:effectRef>
+          <a:fontRef idx="minor">
+            <a:schemeClr val="lt1"/>
+          </a:fontRef>
+        </p:style>
+        <p:txBody>
+          <a:bodyPr rtlCol="0" anchor="ctr"/>
+          <a:lstStyle/>
+          <a:p>
+            <a:pPr algn="ctr"/>
+            <a:endParaRPr lang="en-US" b="1" dirty="0"/>
+          </a:p>
+        </p:txBody>
+      </p:sp>
+      <p:sp>
+        <p:nvSpPr>
+          <p:cNvPr id="11" name="Oval 10">
+            <a:extLst>
+              <a:ext uri="{FF2B5EF4-FFF2-40B4-BE49-F238E27FC236}">
+                <a16:creationId xmlns:a16="http://schemas.microsoft.com/office/drawing/2014/main" id="{0C8566BD-2A64-362B-1F5E-2996457C1BE4}"/>
+              </a:ext>
+            </a:extLst>
+          </p:cNvPr>
+          <p:cNvSpPr/>
+          <p:nvPr/>
+        </p:nvSpPr>
+        <p:spPr>
+          <a:xfrm>
+            <a:off x="8429552" y="3048790"/>
+            <a:ext cx="912291" cy="870590"/>
+          </a:xfrm>
+          <a:prstGeom prst="ellipse">
+            <a:avLst/>
+          </a:prstGeom>
+          <a:blipFill>
+            <a:blip r:embed="rId8"/>
+            <a:stretch>
+              <a:fillRect/>
+            </a:stretch>
+          </a:blipFill>
+          <a:ln>
+            <a:noFill/>
+          </a:ln>
+        </p:spPr>
+        <p:style>
+          <a:lnRef idx="2">
+            <a:schemeClr val="accent1">
+              <a:shade val="15000"/>
+            </a:schemeClr>
+          </a:lnRef>
+          <a:fillRef idx="1">
+            <a:schemeClr val="accent1"/>
+          </a:fillRef>
+          <a:effectRef idx="0">
+            <a:schemeClr val="accent1"/>
+          </a:effectRef>
+          <a:fontRef idx="minor">
+            <a:schemeClr val="lt1"/>
+          </a:fontRef>
+        </p:style>
+        <p:txBody>
+          <a:bodyPr rtlCol="0" anchor="ctr"/>
+          <a:lstStyle/>
+          <a:p>
+            <a:pPr algn="ctr"/>
+            <a:endParaRPr lang="en-US" b="1" dirty="0"/>
+          </a:p>
+        </p:txBody>
+      </p:sp>
+      <p:sp>
+        <p:nvSpPr>
+          <p:cNvPr id="12" name="Oval 11">
+            <a:extLst>
+              <a:ext uri="{FF2B5EF4-FFF2-40B4-BE49-F238E27FC236}">
+                <a16:creationId xmlns:a16="http://schemas.microsoft.com/office/drawing/2014/main" id="{287D88BA-03CB-5DAC-173B-07B612B4FC54}"/>
+              </a:ext>
+            </a:extLst>
+          </p:cNvPr>
+          <p:cNvSpPr/>
+          <p:nvPr/>
+        </p:nvSpPr>
+        <p:spPr>
+          <a:xfrm>
+            <a:off x="8429553" y="2064486"/>
+            <a:ext cx="912291" cy="870590"/>
+          </a:xfrm>
+          <a:prstGeom prst="ellipse">
+            <a:avLst/>
+          </a:prstGeom>
+          <a:blipFill>
+            <a:blip r:embed="rId9"/>
+            <a:stretch>
+              <a:fillRect/>
+            </a:stretch>
+          </a:blipFill>
+          <a:ln>
+            <a:noFill/>
+          </a:ln>
+        </p:spPr>
+        <p:style>
+          <a:lnRef idx="2">
+            <a:schemeClr val="accent1">
+              <a:shade val="15000"/>
+            </a:schemeClr>
+          </a:lnRef>
+          <a:fillRef idx="1">
+            <a:schemeClr val="accent1"/>
+          </a:fillRef>
+          <a:effectRef idx="0">
+            <a:schemeClr val="accent1"/>
+          </a:effectRef>
+          <a:fontRef idx="minor">
+            <a:schemeClr val="lt1"/>
+          </a:fontRef>
+        </p:style>
+        <p:txBody>
+          <a:bodyPr rtlCol="0" anchor="ctr"/>
+          <a:lstStyle/>
+          <a:p>
+            <a:pPr algn="ctr"/>
+            <a:endParaRPr lang="en-US" b="1" dirty="0"/>
+          </a:p>
+        </p:txBody>
+      </p:sp>
+      <p:sp>
+        <p:nvSpPr>
+          <p:cNvPr id="13" name="TextBox 12">
+            <a:extLst>
+              <a:ext uri="{FF2B5EF4-FFF2-40B4-BE49-F238E27FC236}">
+                <a16:creationId xmlns:a16="http://schemas.microsoft.com/office/drawing/2014/main" id="{45958EE4-1D7D-ED8F-5E7E-905DA1D78106}"/>
+              </a:ext>
+            </a:extLst>
+          </p:cNvPr>
+          <p:cNvSpPr txBox="1"/>
+          <p:nvPr/>
+        </p:nvSpPr>
+        <p:spPr>
+          <a:xfrm>
+            <a:off x="9341843" y="2073610"/>
+            <a:ext cx="1945527" cy="646331"/>
+          </a:xfrm>
+          <a:prstGeom prst="rect">
+            <a:avLst/>
+          </a:prstGeom>
+          <a:noFill/>
+        </p:spPr>
+        <p:txBody>
+          <a:bodyPr wrap="square" rtlCol="0">
+            <a:spAutoFit/>
+          </a:bodyPr>
+          <a:lstStyle/>
+          <a:p>
+            <a:pPr algn="ctr"/>
+            <a:r>
+              <a:rPr lang="en-US" dirty="0"/>
+              <a:t>Aritra Bose, PhD</a:t>
+            </a:r>
+          </a:p>
+          <a:p>
+            <a:pPr algn="ctr"/>
+            <a:r>
+              <a:rPr lang="en-US" dirty="0"/>
+              <a:t>IBM Research</a:t>
+            </a:r>
+          </a:p>
+        </p:txBody>
+      </p:sp>
+      <p:sp>
+        <p:nvSpPr>
+          <p:cNvPr id="14" name="TextBox 13">
+            <a:extLst>
+              <a:ext uri="{FF2B5EF4-FFF2-40B4-BE49-F238E27FC236}">
+                <a16:creationId xmlns:a16="http://schemas.microsoft.com/office/drawing/2014/main" id="{920EAF8B-B68E-AE46-7273-C1865F93011A}"/>
+              </a:ext>
+            </a:extLst>
+          </p:cNvPr>
+          <p:cNvSpPr txBox="1"/>
+          <p:nvPr/>
+        </p:nvSpPr>
+        <p:spPr>
+          <a:xfrm>
+            <a:off x="9357741" y="3160919"/>
+            <a:ext cx="1983031" cy="646331"/>
+          </a:xfrm>
+          <a:prstGeom prst="rect">
+            <a:avLst/>
+          </a:prstGeom>
+          <a:noFill/>
+        </p:spPr>
+        <p:txBody>
+          <a:bodyPr wrap="square" rtlCol="0">
+            <a:spAutoFit/>
+          </a:bodyPr>
+          <a:lstStyle/>
+          <a:p>
+            <a:pPr algn="ctr"/>
+            <a:r>
+              <a:rPr lang="en-US" dirty="0"/>
+              <a:t>Laxmi </a:t>
+            </a:r>
+            <a:r>
+              <a:rPr lang="en-US" dirty="0" err="1"/>
+              <a:t>Parida</a:t>
+            </a:r>
+            <a:r>
+              <a:rPr lang="en-US" dirty="0"/>
+              <a:t>, PhD</a:t>
+            </a:r>
+          </a:p>
+          <a:p>
+            <a:pPr algn="ctr"/>
+            <a:r>
+              <a:rPr lang="en-US" dirty="0"/>
+              <a:t>IBM Research</a:t>
+            </a:r>
+          </a:p>
+        </p:txBody>
+      </p:sp>
+      <p:sp>
+        <p:nvSpPr>
+          <p:cNvPr id="15" name="TextBox 14">
+            <a:extLst>
+              <a:ext uri="{FF2B5EF4-FFF2-40B4-BE49-F238E27FC236}">
+                <a16:creationId xmlns:a16="http://schemas.microsoft.com/office/drawing/2014/main" id="{CC36AD58-69F0-C50B-BA5E-7662F0450407}"/>
+              </a:ext>
+            </a:extLst>
+          </p:cNvPr>
+          <p:cNvSpPr txBox="1"/>
+          <p:nvPr/>
+        </p:nvSpPr>
+        <p:spPr>
+          <a:xfrm>
+            <a:off x="9341843" y="4106392"/>
+            <a:ext cx="1983031" cy="646331"/>
+          </a:xfrm>
+          <a:prstGeom prst="rect">
+            <a:avLst/>
+          </a:prstGeom>
+          <a:noFill/>
+        </p:spPr>
+        <p:txBody>
+          <a:bodyPr wrap="square" rtlCol="0">
+            <a:spAutoFit/>
+          </a:bodyPr>
+          <a:lstStyle/>
+          <a:p>
+            <a:pPr algn="ctr"/>
+            <a:r>
+              <a:rPr lang="en-US" dirty="0" err="1"/>
+              <a:t>Hakan</a:t>
+            </a:r>
+            <a:r>
+              <a:rPr lang="en-US" dirty="0"/>
+              <a:t> </a:t>
+            </a:r>
+            <a:r>
+              <a:rPr lang="en-US" dirty="0" err="1"/>
+              <a:t>Doga</a:t>
+            </a:r>
+            <a:r>
+              <a:rPr lang="en-US" dirty="0"/>
+              <a:t>, PhD</a:t>
+            </a:r>
+          </a:p>
+          <a:p>
+            <a:pPr algn="ctr"/>
+            <a:r>
+              <a:rPr lang="en-US" dirty="0"/>
+              <a:t>IBM Quantum</a:t>
+            </a:r>
+          </a:p>
+        </p:txBody>
+      </p:sp>
+      <p:sp>
+        <p:nvSpPr>
+          <p:cNvPr id="16" name="TextBox 15">
+            <a:extLst>
+              <a:ext uri="{FF2B5EF4-FFF2-40B4-BE49-F238E27FC236}">
+                <a16:creationId xmlns:a16="http://schemas.microsoft.com/office/drawing/2014/main" id="{CB3E308E-0219-C680-189B-A7A4C3764D68}"/>
+              </a:ext>
+            </a:extLst>
+          </p:cNvPr>
+          <p:cNvSpPr txBox="1"/>
+          <p:nvPr/>
+        </p:nvSpPr>
+        <p:spPr>
+          <a:xfrm>
+            <a:off x="9344794" y="5101204"/>
+            <a:ext cx="1983031" cy="646331"/>
+          </a:xfrm>
+          <a:prstGeom prst="rect">
+            <a:avLst/>
+          </a:prstGeom>
+          <a:noFill/>
+        </p:spPr>
+        <p:txBody>
+          <a:bodyPr wrap="square" rtlCol="0">
+            <a:spAutoFit/>
+          </a:bodyPr>
+          <a:lstStyle/>
+          <a:p>
+            <a:pPr algn="ctr"/>
+            <a:r>
+              <a:rPr lang="en-US" dirty="0"/>
+              <a:t>Filippo </a:t>
+            </a:r>
+            <a:r>
+              <a:rPr lang="en-US" dirty="0" err="1"/>
+              <a:t>Utro</a:t>
+            </a:r>
+            <a:r>
+              <a:rPr lang="en-US" dirty="0"/>
+              <a:t>, PhD</a:t>
+            </a:r>
+          </a:p>
+          <a:p>
+            <a:pPr algn="ctr"/>
+            <a:r>
+              <a:rPr lang="en-US" dirty="0"/>
+              <a:t>IBM Research</a:t>
             </a:r>
           </a:p>
         </p:txBody>
@@ -4015,7 +4530,7 @@
     </p:spTree>
     <p:extLst>
       <p:ext uri="{BB962C8B-B14F-4D97-AF65-F5344CB8AC3E}">
-        <p14:creationId xmlns:p14="http://schemas.microsoft.com/office/powerpoint/2010/main" val="676092156"/>
+        <p14:creationId xmlns:p14="http://schemas.microsoft.com/office/powerpoint/2010/main" val="3120488265"/>
       </p:ext>
     </p:extLst>
   </p:cSld>
@@ -4045,6 +4560,52 @@
       </p:grpSpPr>
       <p:sp>
         <p:nvSpPr>
+          <p:cNvPr id="12" name="Title 1">
+            <a:extLst>
+              <a:ext uri="{FF2B5EF4-FFF2-40B4-BE49-F238E27FC236}">
+                <a16:creationId xmlns:a16="http://schemas.microsoft.com/office/drawing/2014/main" id="{F600CC51-EA69-FE94-1C46-6350D057D1A4}"/>
+              </a:ext>
+            </a:extLst>
+          </p:cNvPr>
+          <p:cNvSpPr>
+            <a:spLocks noGrp="1"/>
+          </p:cNvSpPr>
+          <p:nvPr>
+            <p:ph type="title"/>
+          </p:nvPr>
+        </p:nvSpPr>
+        <p:spPr>
+          <a:xfrm>
+            <a:off x="280415" y="268225"/>
+            <a:ext cx="10039836" cy="950972"/>
+          </a:xfrm>
+        </p:spPr>
+        <p:txBody>
+          <a:bodyPr>
+            <a:normAutofit/>
+          </a:bodyPr>
+          <a:lstStyle/>
+          <a:p>
+            <a:r>
+              <a:rPr lang="en-US" dirty="0">
+                <a:solidFill>
+                  <a:srgbClr val="0070C0"/>
+                </a:solidFill>
+                <a:latin typeface="IBM Plex Sans Light" panose="020B0403050203000203" pitchFamily="34" charset="0"/>
+              </a:rPr>
+              <a:t>How to set up a variational algorithm</a:t>
+            </a:r>
+            <a:endParaRPr lang="en-US" sz="4400" dirty="0">
+              <a:solidFill>
+                <a:srgbClr val="0070C0"/>
+              </a:solidFill>
+              <a:latin typeface="IBM Plex Sans Light" panose="020B0403050203000203" pitchFamily="34" charset="0"/>
+            </a:endParaRPr>
+          </a:p>
+        </p:txBody>
+      </p:sp>
+      <p:sp>
+        <p:nvSpPr>
           <p:cNvPr id="4" name="Slide Number Placeholder 3">
             <a:extLst>
               <a:ext uri="{FF2B5EF4-FFF2-40B4-BE49-F238E27FC236}">
@@ -4210,148 +4771,12 @@
           </a:p>
         </p:txBody>
       </p:sp>
-      <p:sp>
-        <p:nvSpPr>
-          <p:cNvPr id="3" name="Title 1">
-            <a:extLst>
-              <a:ext uri="{FF2B5EF4-FFF2-40B4-BE49-F238E27FC236}">
-                <a16:creationId xmlns:a16="http://schemas.microsoft.com/office/drawing/2014/main" id="{C20230CE-6933-D628-34A3-9E898CE2D36B}"/>
-              </a:ext>
-            </a:extLst>
-          </p:cNvPr>
-          <p:cNvSpPr txBox="1">
-            <a:spLocks/>
-          </p:cNvSpPr>
-          <p:nvPr/>
-        </p:nvSpPr>
-        <p:spPr>
-          <a:xfrm>
-            <a:off x="197700" y="201879"/>
-            <a:ext cx="10039836" cy="950972"/>
-          </a:xfrm>
-          <a:prstGeom prst="rect">
-            <a:avLst/>
-          </a:prstGeom>
-        </p:spPr>
-        <p:txBody>
-          <a:bodyPr vert="horz" lIns="91440" tIns="45720" rIns="91440" bIns="45720" rtlCol="0" anchor="ctr">
-            <a:normAutofit/>
-          </a:bodyPr>
-          <a:lstStyle>
-            <a:lvl1pPr algn="l" defTabSz="914400" rtl="0" eaLnBrk="1" latinLnBrk="0" hangingPunct="1">
-              <a:lnSpc>
-                <a:spcPct val="90000"/>
-              </a:lnSpc>
-              <a:spcBef>
-                <a:spcPct val="0"/>
-              </a:spcBef>
-              <a:buNone/>
-              <a:defRPr sz="4400" kern="1200">
-                <a:solidFill>
-                  <a:schemeClr val="tx1"/>
-                </a:solidFill>
-                <a:latin typeface="+mj-lt"/>
-                <a:ea typeface="+mj-ea"/>
-                <a:cs typeface="+mj-cs"/>
-              </a:defRPr>
-            </a:lvl1pPr>
-          </a:lstStyle>
-          <a:p>
-            <a:r>
-              <a:rPr lang="en-US" dirty="0">
-                <a:solidFill>
-                  <a:srgbClr val="0070C0"/>
-                </a:solidFill>
-                <a:latin typeface="IBM Plex Sans Light" panose="020B0403050203000203" pitchFamily="34" charset="0"/>
-              </a:rPr>
-              <a:t>How to set up a variational algorithm</a:t>
-            </a:r>
-          </a:p>
-        </p:txBody>
-      </p:sp>
-      <p:sp>
-        <p:nvSpPr>
-          <p:cNvPr id="7" name="TextBox 6">
-            <a:extLst>
-              <a:ext uri="{FF2B5EF4-FFF2-40B4-BE49-F238E27FC236}">
-                <a16:creationId xmlns:a16="http://schemas.microsoft.com/office/drawing/2014/main" id="{BA30B0B2-4E0D-67DB-D44F-7EE5A26C1F46}"/>
-              </a:ext>
-            </a:extLst>
-          </p:cNvPr>
-          <p:cNvSpPr txBox="1"/>
-          <p:nvPr/>
-        </p:nvSpPr>
-        <p:spPr>
-          <a:xfrm>
-            <a:off x="290946" y="1766455"/>
-            <a:ext cx="4438996" cy="3693319"/>
-          </a:xfrm>
-          <a:prstGeom prst="rect">
-            <a:avLst/>
-          </a:prstGeom>
-          <a:noFill/>
-        </p:spPr>
-        <p:txBody>
-          <a:bodyPr wrap="square" rtlCol="0">
-            <a:spAutoFit/>
-          </a:bodyPr>
-          <a:lstStyle/>
-          <a:p>
-            <a:pPr marL="285750" indent="-285750">
-              <a:buFont typeface="Arial" panose="020B0604020202020204" pitchFamily="34" charset="0"/>
-              <a:buChar char="•"/>
-            </a:pPr>
-            <a:r>
-              <a:rPr lang="en-US" dirty="0" err="1"/>
-              <a:t>Qiskit</a:t>
-            </a:r>
-            <a:r>
-              <a:rPr lang="en-US" dirty="0"/>
-              <a:t> library offers various ways to implement Cost functions as a sum of Pauli operators.</a:t>
-            </a:r>
-          </a:p>
-          <a:p>
-            <a:pPr marL="285750" indent="-285750">
-              <a:buFont typeface="Arial" panose="020B0604020202020204" pitchFamily="34" charset="0"/>
-              <a:buChar char="•"/>
-            </a:pPr>
-            <a:endParaRPr lang="en-US" dirty="0"/>
-          </a:p>
-          <a:p>
-            <a:pPr marL="285750" indent="-285750">
-              <a:buFont typeface="Arial" panose="020B0604020202020204" pitchFamily="34" charset="0"/>
-              <a:buChar char="•"/>
-            </a:pPr>
-            <a:r>
-              <a:rPr lang="en-US" dirty="0"/>
-              <a:t>The primitives Estimator and Sampler can be used to compute expectation values of the operators in the variational loop.</a:t>
-            </a:r>
-          </a:p>
-          <a:p>
-            <a:pPr marL="285750" indent="-285750">
-              <a:buFont typeface="Arial" panose="020B0604020202020204" pitchFamily="34" charset="0"/>
-              <a:buChar char="•"/>
-            </a:pPr>
-            <a:endParaRPr lang="en-US" dirty="0"/>
-          </a:p>
-          <a:p>
-            <a:pPr marL="285750" indent="-285750">
-              <a:buFont typeface="Arial" panose="020B0604020202020204" pitchFamily="34" charset="0"/>
-              <a:buChar char="•"/>
-            </a:pPr>
-            <a:r>
-              <a:rPr lang="en-US" dirty="0"/>
-              <a:t>Supports local and global classical optimizers. Depending on the application instance, you can choose gradient-based or gradient-free optimizers to update the parameters in the variational form.</a:t>
-            </a:r>
-          </a:p>
-        </p:txBody>
-      </p:sp>
       <p:pic>
         <p:nvPicPr>
-          <p:cNvPr id="9" name="Picture 8">
-            <a:extLst>
-              <a:ext uri="{FF2B5EF4-FFF2-40B4-BE49-F238E27FC236}">
-                <a16:creationId xmlns:a16="http://schemas.microsoft.com/office/drawing/2014/main" id="{E78EC932-D98C-42E4-B4CB-0F3E16D1E4DD}"/>
+          <p:cNvPr id="5" name="Picture 4">
+            <a:extLst>
+              <a:ext uri="{FF2B5EF4-FFF2-40B4-BE49-F238E27FC236}">
+                <a16:creationId xmlns:a16="http://schemas.microsoft.com/office/drawing/2014/main" id="{D9A9A28F-12E5-91E9-951B-69B2D1C3E8A9}"/>
               </a:ext>
             </a:extLst>
           </p:cNvPr>
@@ -4368,20 +4793,55 @@
         </p:blipFill>
         <p:spPr>
           <a:xfrm>
-            <a:off x="6219796" y="1288473"/>
-            <a:ext cx="3145118" cy="2185658"/>
+            <a:off x="280415" y="1833656"/>
+            <a:ext cx="5014380" cy="1383277"/>
           </a:xfrm>
           <a:prstGeom prst="rect">
             <a:avLst/>
           </a:prstGeom>
         </p:spPr>
       </p:pic>
+      <p:sp>
+        <p:nvSpPr>
+          <p:cNvPr id="6" name="TextBox 5">
+            <a:extLst>
+              <a:ext uri="{FF2B5EF4-FFF2-40B4-BE49-F238E27FC236}">
+                <a16:creationId xmlns:a16="http://schemas.microsoft.com/office/drawing/2014/main" id="{B7BC6E57-4B6E-B32A-314A-E57A663EEF71}"/>
+              </a:ext>
+            </a:extLst>
+          </p:cNvPr>
+          <p:cNvSpPr txBox="1"/>
+          <p:nvPr/>
+        </p:nvSpPr>
+        <p:spPr>
+          <a:xfrm>
+            <a:off x="2158537" y="1455814"/>
+            <a:ext cx="1699953" cy="369332"/>
+          </a:xfrm>
+          <a:prstGeom prst="rect">
+            <a:avLst/>
+          </a:prstGeom>
+          <a:noFill/>
+        </p:spPr>
+        <p:txBody>
+          <a:bodyPr wrap="square" rtlCol="0">
+            <a:spAutoFit/>
+          </a:bodyPr>
+          <a:lstStyle/>
+          <a:p>
+            <a:r>
+              <a:rPr lang="en-US" dirty="0"/>
+              <a:t>N-local ansatz</a:t>
+            </a:r>
+          </a:p>
+        </p:txBody>
+      </p:sp>
       <p:pic>
         <p:nvPicPr>
-          <p:cNvPr id="11" name="Picture 10">
-            <a:extLst>
-              <a:ext uri="{FF2B5EF4-FFF2-40B4-BE49-F238E27FC236}">
-                <a16:creationId xmlns:a16="http://schemas.microsoft.com/office/drawing/2014/main" id="{7BAA7DFE-711F-2F96-0877-180F19DB6E79}"/>
+          <p:cNvPr id="8" name="Picture 7">
+            <a:extLst>
+              <a:ext uri="{FF2B5EF4-FFF2-40B4-BE49-F238E27FC236}">
+                <a16:creationId xmlns:a16="http://schemas.microsoft.com/office/drawing/2014/main" id="{9B96E3D6-8C93-9873-FFB1-B500F3D717D6}"/>
               </a:ext>
             </a:extLst>
           </p:cNvPr>
@@ -4398,18 +4858,183 @@
         </p:blipFill>
         <p:spPr>
           <a:xfrm>
-            <a:off x="5630631" y="3474131"/>
-            <a:ext cx="4606905" cy="3042296"/>
+            <a:off x="697511" y="3877684"/>
+            <a:ext cx="4106287" cy="2117660"/>
           </a:xfrm>
           <a:prstGeom prst="rect">
             <a:avLst/>
           </a:prstGeom>
         </p:spPr>
       </p:pic>
+      <p:sp>
+        <p:nvSpPr>
+          <p:cNvPr id="9" name="TextBox 8">
+            <a:extLst>
+              <a:ext uri="{FF2B5EF4-FFF2-40B4-BE49-F238E27FC236}">
+                <a16:creationId xmlns:a16="http://schemas.microsoft.com/office/drawing/2014/main" id="{A8030E86-59F1-B36F-A2F4-C1D3979BD394}"/>
+              </a:ext>
+            </a:extLst>
+          </p:cNvPr>
+          <p:cNvSpPr txBox="1"/>
+          <p:nvPr/>
+        </p:nvSpPr>
+        <p:spPr>
+          <a:xfrm>
+            <a:off x="1602971" y="3641067"/>
+            <a:ext cx="2811087" cy="369332"/>
+          </a:xfrm>
+          <a:prstGeom prst="rect">
+            <a:avLst/>
+          </a:prstGeom>
+          <a:noFill/>
+        </p:spPr>
+        <p:txBody>
+          <a:bodyPr wrap="square" rtlCol="0">
+            <a:spAutoFit/>
+          </a:bodyPr>
+          <a:lstStyle/>
+          <a:p>
+            <a:r>
+              <a:rPr lang="en-US" dirty="0"/>
+              <a:t>Hardware efficient ansatz</a:t>
+            </a:r>
+          </a:p>
+        </p:txBody>
+      </p:sp>
+      <p:pic>
+        <p:nvPicPr>
+          <p:cNvPr id="11" name="Picture 10">
+            <a:extLst>
+              <a:ext uri="{FF2B5EF4-FFF2-40B4-BE49-F238E27FC236}">
+                <a16:creationId xmlns:a16="http://schemas.microsoft.com/office/drawing/2014/main" id="{811D1825-8CB3-A4D9-509D-3FC6D583E41B}"/>
+              </a:ext>
+            </a:extLst>
+          </p:cNvPr>
+          <p:cNvPicPr>
+            <a:picLocks noChangeAspect="1"/>
+          </p:cNvPicPr>
+          <p:nvPr/>
+        </p:nvPicPr>
+        <p:blipFill>
+          <a:blip r:embed="rId4"/>
+          <a:stretch>
+            <a:fillRect/>
+          </a:stretch>
+        </p:blipFill>
+        <p:spPr>
+          <a:xfrm>
+            <a:off x="5931806" y="1790637"/>
+            <a:ext cx="5466421" cy="2263214"/>
+          </a:xfrm>
+          <a:prstGeom prst="rect">
+            <a:avLst/>
+          </a:prstGeom>
+        </p:spPr>
+      </p:pic>
+      <p:sp>
+        <p:nvSpPr>
+          <p:cNvPr id="13" name="TextBox 12">
+            <a:extLst>
+              <a:ext uri="{FF2B5EF4-FFF2-40B4-BE49-F238E27FC236}">
+                <a16:creationId xmlns:a16="http://schemas.microsoft.com/office/drawing/2014/main" id="{990CE135-A485-A0B7-4152-AE3C078809AA}"/>
+              </a:ext>
+            </a:extLst>
+          </p:cNvPr>
+          <p:cNvSpPr txBox="1"/>
+          <p:nvPr/>
+        </p:nvSpPr>
+        <p:spPr>
+          <a:xfrm>
+            <a:off x="7060276" y="1455814"/>
+            <a:ext cx="4070466" cy="369332"/>
+          </a:xfrm>
+          <a:prstGeom prst="rect">
+            <a:avLst/>
+          </a:prstGeom>
+          <a:noFill/>
+        </p:spPr>
+        <p:txBody>
+          <a:bodyPr wrap="square" rtlCol="0">
+            <a:spAutoFit/>
+          </a:bodyPr>
+          <a:lstStyle/>
+          <a:p>
+            <a:r>
+              <a:rPr lang="en-US" dirty="0"/>
+              <a:t>Problem specific ansatz for optimization</a:t>
+            </a:r>
+          </a:p>
+        </p:txBody>
+      </p:sp>
+      <p:pic>
+        <p:nvPicPr>
+          <p:cNvPr id="15" name="Picture 14">
+            <a:extLst>
+              <a:ext uri="{FF2B5EF4-FFF2-40B4-BE49-F238E27FC236}">
+                <a16:creationId xmlns:a16="http://schemas.microsoft.com/office/drawing/2014/main" id="{F6DD7D61-A972-A71D-468B-C642C0614E3E}"/>
+              </a:ext>
+            </a:extLst>
+          </p:cNvPr>
+          <p:cNvPicPr>
+            <a:picLocks noChangeAspect="1"/>
+          </p:cNvPicPr>
+          <p:nvPr/>
+        </p:nvPicPr>
+        <p:blipFill>
+          <a:blip r:embed="rId5"/>
+          <a:stretch>
+            <a:fillRect/>
+          </a:stretch>
+        </p:blipFill>
+        <p:spPr>
+          <a:xfrm>
+            <a:off x="5474039" y="5054076"/>
+            <a:ext cx="6151312" cy="696220"/>
+          </a:xfrm>
+          <a:prstGeom prst="rect">
+            <a:avLst/>
+          </a:prstGeom>
+        </p:spPr>
+      </p:pic>
+      <p:sp>
+        <p:nvSpPr>
+          <p:cNvPr id="16" name="TextBox 15">
+            <a:extLst>
+              <a:ext uri="{FF2B5EF4-FFF2-40B4-BE49-F238E27FC236}">
+                <a16:creationId xmlns:a16="http://schemas.microsoft.com/office/drawing/2014/main" id="{9D5A1299-6DA6-2468-1257-F5508D32D53B}"/>
+              </a:ext>
+            </a:extLst>
+          </p:cNvPr>
+          <p:cNvSpPr txBox="1"/>
+          <p:nvPr/>
+        </p:nvSpPr>
+        <p:spPr>
+          <a:xfrm>
+            <a:off x="5986549" y="4684744"/>
+            <a:ext cx="5367251" cy="369332"/>
+          </a:xfrm>
+          <a:prstGeom prst="rect">
+            <a:avLst/>
+          </a:prstGeom>
+          <a:noFill/>
+        </p:spPr>
+        <p:txBody>
+          <a:bodyPr wrap="square" rtlCol="0">
+            <a:spAutoFit/>
+          </a:bodyPr>
+          <a:lstStyle/>
+          <a:p>
+            <a:r>
+              <a:rPr lang="en-US" dirty="0"/>
+              <a:t>Problem specific ansatz for quantum machine learning</a:t>
+            </a:r>
+          </a:p>
+        </p:txBody>
+      </p:sp>
     </p:spTree>
     <p:extLst>
       <p:ext uri="{BB962C8B-B14F-4D97-AF65-F5344CB8AC3E}">
-        <p14:creationId xmlns:p14="http://schemas.microsoft.com/office/powerpoint/2010/main" val="1219711593"/>
+        <p14:creationId xmlns:p14="http://schemas.microsoft.com/office/powerpoint/2010/main" val="3998580518"/>
       </p:ext>
     </p:extLst>
   </p:cSld>
@@ -4438,46 +5063,6 @@
       </p:grpSpPr>
       <p:sp>
         <p:nvSpPr>
-          <p:cNvPr id="12" name="Title 1">
-            <a:extLst>
-              <a:ext uri="{FF2B5EF4-FFF2-40B4-BE49-F238E27FC236}">
-                <a16:creationId xmlns:a16="http://schemas.microsoft.com/office/drawing/2014/main" id="{F600CC51-EA69-FE94-1C46-6350D057D1A4}"/>
-              </a:ext>
-            </a:extLst>
-          </p:cNvPr>
-          <p:cNvSpPr>
-            <a:spLocks noGrp="1"/>
-          </p:cNvSpPr>
-          <p:nvPr>
-            <p:ph type="title"/>
-          </p:nvPr>
-        </p:nvSpPr>
-        <p:spPr>
-          <a:xfrm>
-            <a:off x="280415" y="268225"/>
-            <a:ext cx="9310393" cy="950972"/>
-          </a:xfrm>
-        </p:spPr>
-        <p:txBody>
-          <a:bodyPr>
-            <a:normAutofit/>
-          </a:bodyPr>
-          <a:lstStyle/>
-          <a:p>
-            <a:r>
-              <a:rPr lang="en-US" sz="4400" dirty="0">
-                <a:solidFill>
-                  <a:srgbClr val="0070C0"/>
-                </a:solidFill>
-                <a:latin typeface="IBM Plex Sans Light" panose="020B0403050203000203" pitchFamily="34" charset="0"/>
-              </a:rPr>
-              <a:t>Quantum machine learning</a:t>
-            </a:r>
-          </a:p>
-        </p:txBody>
-      </p:sp>
-      <p:sp>
-        <p:nvSpPr>
           <p:cNvPr id="4" name="Slide Number Placeholder 3">
             <a:extLst>
               <a:ext uri="{FF2B5EF4-FFF2-40B4-BE49-F238E27FC236}">
@@ -4645,10 +5230,69 @@
       </p:sp>
       <p:sp>
         <p:nvSpPr>
-          <p:cNvPr id="3" name="TextBox 2">
-            <a:extLst>
-              <a:ext uri="{FF2B5EF4-FFF2-40B4-BE49-F238E27FC236}">
-                <a16:creationId xmlns:a16="http://schemas.microsoft.com/office/drawing/2014/main" id="{4A405B33-41EF-9CFA-B344-9A01B1B5DA7B}"/>
+          <p:cNvPr id="3" name="Title 1">
+            <a:extLst>
+              <a:ext uri="{FF2B5EF4-FFF2-40B4-BE49-F238E27FC236}">
+                <a16:creationId xmlns:a16="http://schemas.microsoft.com/office/drawing/2014/main" id="{C20230CE-6933-D628-34A3-9E898CE2D36B}"/>
+              </a:ext>
+            </a:extLst>
+          </p:cNvPr>
+          <p:cNvSpPr txBox="1">
+            <a:spLocks/>
+          </p:cNvSpPr>
+          <p:nvPr/>
+        </p:nvSpPr>
+        <p:spPr>
+          <a:xfrm>
+            <a:off x="197700" y="201879"/>
+            <a:ext cx="10039836" cy="950972"/>
+          </a:xfrm>
+          <a:prstGeom prst="rect">
+            <a:avLst/>
+          </a:prstGeom>
+        </p:spPr>
+        <p:txBody>
+          <a:bodyPr vert="horz" lIns="91440" tIns="45720" rIns="91440" bIns="45720" rtlCol="0" anchor="ctr">
+            <a:normAutofit/>
+          </a:bodyPr>
+          <a:lstStyle>
+            <a:lvl1pPr algn="l" defTabSz="914400" rtl="0" eaLnBrk="1" latinLnBrk="0" hangingPunct="1">
+              <a:lnSpc>
+                <a:spcPct val="90000"/>
+              </a:lnSpc>
+              <a:spcBef>
+                <a:spcPct val="0"/>
+              </a:spcBef>
+              <a:buNone/>
+              <a:defRPr sz="4400" kern="1200">
+                <a:solidFill>
+                  <a:schemeClr val="tx1"/>
+                </a:solidFill>
+                <a:latin typeface="+mj-lt"/>
+                <a:ea typeface="+mj-ea"/>
+                <a:cs typeface="+mj-cs"/>
+              </a:defRPr>
+            </a:lvl1pPr>
+          </a:lstStyle>
+          <a:p>
+            <a:r>
+              <a:rPr lang="en-US" dirty="0">
+                <a:solidFill>
+                  <a:srgbClr val="0070C0"/>
+                </a:solidFill>
+                <a:latin typeface="IBM Plex Sans Light" panose="020B0403050203000203" pitchFamily="34" charset="0"/>
+              </a:rPr>
+              <a:t>How to set up a variational algorithm</a:t>
+            </a:r>
+          </a:p>
+        </p:txBody>
+      </p:sp>
+      <p:sp>
+        <p:nvSpPr>
+          <p:cNvPr id="7" name="TextBox 6">
+            <a:extLst>
+              <a:ext uri="{FF2B5EF4-FFF2-40B4-BE49-F238E27FC236}">
+                <a16:creationId xmlns:a16="http://schemas.microsoft.com/office/drawing/2014/main" id="{BA30B0B2-4E0D-67DB-D44F-7EE5A26C1F46}"/>
               </a:ext>
             </a:extLst>
           </p:cNvPr>
@@ -4657,8 +5301,8 @@
         </p:nvSpPr>
         <p:spPr>
           <a:xfrm>
-            <a:off x="353291" y="1354975"/>
-            <a:ext cx="11159836" cy="923330"/>
+            <a:off x="290946" y="1766455"/>
+            <a:ext cx="4438996" cy="3693319"/>
           </a:xfrm>
           <a:prstGeom prst="rect">
             <a:avLst/>
@@ -4676,18 +5320,56 @@
               <a:buChar char="•"/>
             </a:pPr>
             <a:r>
+              <a:rPr lang="en-US" dirty="0" err="1"/>
+              <a:t>Qiskit</a:t>
+            </a:r>
+            <a:r>
               <a:rPr lang="en-US" dirty="0"/>
-              <a:t>Machine learning has established itself as a successful interdisciplinary field which seeks to find patterns in data. Throwing in quantum computing gives rise to interesting areas of research that aim to use the principles of quantum mechanics to augment machine learning, or vice-versa.</a:t>
+              <a:t> library offers various ways to implement Cost functions as a sum of Pauli operators.</a:t>
+            </a:r>
+          </a:p>
+          <a:p>
+            <a:pPr marL="285750" indent="-285750">
+              <a:buFont typeface="Arial" panose="020B0604020202020204" pitchFamily="34" charset="0"/>
+              <a:buChar char="•"/>
+            </a:pPr>
+            <a:endParaRPr lang="en-US" dirty="0"/>
+          </a:p>
+          <a:p>
+            <a:pPr marL="285750" indent="-285750">
+              <a:buFont typeface="Arial" panose="020B0604020202020204" pitchFamily="34" charset="0"/>
+              <a:buChar char="•"/>
+            </a:pPr>
+            <a:r>
+              <a:rPr lang="en-US" dirty="0"/>
+              <a:t>The primitives Estimator and Sampler can be used to compute expectation values of the operators in the variational loop.</a:t>
+            </a:r>
+          </a:p>
+          <a:p>
+            <a:pPr marL="285750" indent="-285750">
+              <a:buFont typeface="Arial" panose="020B0604020202020204" pitchFamily="34" charset="0"/>
+              <a:buChar char="•"/>
+            </a:pPr>
+            <a:endParaRPr lang="en-US" dirty="0"/>
+          </a:p>
+          <a:p>
+            <a:pPr marL="285750" indent="-285750">
+              <a:buFont typeface="Arial" panose="020B0604020202020204" pitchFamily="34" charset="0"/>
+              <a:buChar char="•"/>
+            </a:pPr>
+            <a:r>
+              <a:rPr lang="en-US" dirty="0"/>
+              <a:t>Supports local and global classical optimizers. Depending on the application instance, you can choose gradient-based or gradient-free optimizers to update the parameters in the variational form.</a:t>
             </a:r>
           </a:p>
         </p:txBody>
       </p:sp>
       <p:pic>
         <p:nvPicPr>
-          <p:cNvPr id="6" name="Picture 5">
-            <a:extLst>
-              <a:ext uri="{FF2B5EF4-FFF2-40B4-BE49-F238E27FC236}">
-                <a16:creationId xmlns:a16="http://schemas.microsoft.com/office/drawing/2014/main" id="{38C9946C-828B-F000-4CBC-921FFAA51A00}"/>
+          <p:cNvPr id="9" name="Picture 8">
+            <a:extLst>
+              <a:ext uri="{FF2B5EF4-FFF2-40B4-BE49-F238E27FC236}">
+                <a16:creationId xmlns:a16="http://schemas.microsoft.com/office/drawing/2014/main" id="{E78EC932-D98C-42E4-B4CB-0F3E16D1E4DD}"/>
               </a:ext>
             </a:extLst>
           </p:cNvPr>
@@ -4704,8 +5386,8 @@
         </p:blipFill>
         <p:spPr>
           <a:xfrm>
-            <a:off x="673331" y="2943586"/>
-            <a:ext cx="2897023" cy="2592689"/>
+            <a:off x="6219796" y="1288473"/>
+            <a:ext cx="3145118" cy="2185658"/>
           </a:xfrm>
           <a:prstGeom prst="rect">
             <a:avLst/>
@@ -4714,10 +5396,10 @@
       </p:pic>
       <p:pic>
         <p:nvPicPr>
-          <p:cNvPr id="8" name="Picture 7">
-            <a:extLst>
-              <a:ext uri="{FF2B5EF4-FFF2-40B4-BE49-F238E27FC236}">
-                <a16:creationId xmlns:a16="http://schemas.microsoft.com/office/drawing/2014/main" id="{845A0DF5-5C0E-494F-4345-7FB34632F4E0}"/>
+          <p:cNvPr id="11" name="Picture 10">
+            <a:extLst>
+              <a:ext uri="{FF2B5EF4-FFF2-40B4-BE49-F238E27FC236}">
+                <a16:creationId xmlns:a16="http://schemas.microsoft.com/office/drawing/2014/main" id="{7BAA7DFE-711F-2F96-0877-180F19DB6E79}"/>
               </a:ext>
             </a:extLst>
           </p:cNvPr>
@@ -4734,156 +5416,18 @@
         </p:blipFill>
         <p:spPr>
           <a:xfrm>
-            <a:off x="4497908" y="3007671"/>
-            <a:ext cx="2779885" cy="2464520"/>
+            <a:off x="5630631" y="3474131"/>
+            <a:ext cx="4606905" cy="3042296"/>
           </a:xfrm>
           <a:prstGeom prst="rect">
             <a:avLst/>
           </a:prstGeom>
         </p:spPr>
       </p:pic>
-      <p:pic>
-        <p:nvPicPr>
-          <p:cNvPr id="10" name="Picture 9">
-            <a:extLst>
-              <a:ext uri="{FF2B5EF4-FFF2-40B4-BE49-F238E27FC236}">
-                <a16:creationId xmlns:a16="http://schemas.microsoft.com/office/drawing/2014/main" id="{B7F94E82-700C-A462-5CA4-B24AFF4C64E3}"/>
-              </a:ext>
-            </a:extLst>
-          </p:cNvPr>
-          <p:cNvPicPr>
-            <a:picLocks noChangeAspect="1"/>
-          </p:cNvPicPr>
-          <p:nvPr/>
-        </p:nvPicPr>
-        <p:blipFill>
-          <a:blip r:embed="rId4"/>
-          <a:stretch>
-            <a:fillRect/>
-          </a:stretch>
-        </p:blipFill>
-        <p:spPr>
-          <a:xfrm>
-            <a:off x="8205347" y="3053687"/>
-            <a:ext cx="2653669" cy="2372486"/>
-          </a:xfrm>
-          <a:prstGeom prst="rect">
-            <a:avLst/>
-          </a:prstGeom>
-        </p:spPr>
-      </p:pic>
-      <p:sp>
-        <p:nvSpPr>
-          <p:cNvPr id="11" name="TextBox 10">
-            <a:extLst>
-              <a:ext uri="{FF2B5EF4-FFF2-40B4-BE49-F238E27FC236}">
-                <a16:creationId xmlns:a16="http://schemas.microsoft.com/office/drawing/2014/main" id="{72661F22-6723-A161-9AB4-20831D883F6F}"/>
-              </a:ext>
-            </a:extLst>
-          </p:cNvPr>
-          <p:cNvSpPr txBox="1"/>
-          <p:nvPr/>
-        </p:nvSpPr>
-        <p:spPr>
-          <a:xfrm>
-            <a:off x="1039091" y="2527069"/>
-            <a:ext cx="2236124" cy="369332"/>
-          </a:xfrm>
-          <a:prstGeom prst="rect">
-            <a:avLst/>
-          </a:prstGeom>
-          <a:noFill/>
-        </p:spPr>
-        <p:txBody>
-          <a:bodyPr wrap="square" rtlCol="0">
-            <a:spAutoFit/>
-          </a:bodyPr>
-          <a:lstStyle/>
-          <a:p>
-            <a:pPr algn="ctr"/>
-            <a:r>
-              <a:rPr lang="en-US" dirty="0"/>
-              <a:t>Supervised learning</a:t>
-            </a:r>
-          </a:p>
-        </p:txBody>
-      </p:sp>
-      <p:sp>
-        <p:nvSpPr>
-          <p:cNvPr id="13" name="TextBox 12">
-            <a:extLst>
-              <a:ext uri="{FF2B5EF4-FFF2-40B4-BE49-F238E27FC236}">
-                <a16:creationId xmlns:a16="http://schemas.microsoft.com/office/drawing/2014/main" id="{04E33612-017C-53B5-A5A6-2044DE0ADD42}"/>
-              </a:ext>
-            </a:extLst>
-          </p:cNvPr>
-          <p:cNvSpPr txBox="1"/>
-          <p:nvPr/>
-        </p:nvSpPr>
-        <p:spPr>
-          <a:xfrm>
-            <a:off x="4583776" y="2527069"/>
-            <a:ext cx="2698865" cy="369332"/>
-          </a:xfrm>
-          <a:prstGeom prst="rect">
-            <a:avLst/>
-          </a:prstGeom>
-          <a:noFill/>
-        </p:spPr>
-        <p:txBody>
-          <a:bodyPr wrap="square" rtlCol="0">
-            <a:spAutoFit/>
-          </a:bodyPr>
-          <a:lstStyle/>
-          <a:p>
-            <a:pPr algn="ctr"/>
-            <a:r>
-              <a:rPr lang="en-US" dirty="0"/>
-              <a:t>Unsupervised learning</a:t>
-            </a:r>
-          </a:p>
-        </p:txBody>
-      </p:sp>
-      <p:sp>
-        <p:nvSpPr>
-          <p:cNvPr id="14" name="TextBox 13">
-            <a:extLst>
-              <a:ext uri="{FF2B5EF4-FFF2-40B4-BE49-F238E27FC236}">
-                <a16:creationId xmlns:a16="http://schemas.microsoft.com/office/drawing/2014/main" id="{6421FAE2-F641-5ED5-2D85-0CE1C155B50A}"/>
-              </a:ext>
-            </a:extLst>
-          </p:cNvPr>
-          <p:cNvSpPr txBox="1"/>
-          <p:nvPr/>
-        </p:nvSpPr>
-        <p:spPr>
-          <a:xfrm>
-            <a:off x="8205347" y="2527069"/>
-            <a:ext cx="2698865" cy="369332"/>
-          </a:xfrm>
-          <a:prstGeom prst="rect">
-            <a:avLst/>
-          </a:prstGeom>
-          <a:noFill/>
-        </p:spPr>
-        <p:txBody>
-          <a:bodyPr wrap="square" rtlCol="0">
-            <a:spAutoFit/>
-          </a:bodyPr>
-          <a:lstStyle/>
-          <a:p>
-            <a:pPr algn="ctr"/>
-            <a:r>
-              <a:rPr lang="en-US" dirty="0"/>
-              <a:t>Reinforcement learning</a:t>
-            </a:r>
-          </a:p>
-        </p:txBody>
-      </p:sp>
     </p:spTree>
     <p:extLst>
       <p:ext uri="{BB962C8B-B14F-4D97-AF65-F5344CB8AC3E}">
-        <p14:creationId xmlns:p14="http://schemas.microsoft.com/office/powerpoint/2010/main" val="4106089000"/>
+        <p14:creationId xmlns:p14="http://schemas.microsoft.com/office/powerpoint/2010/main" val="1219711593"/>
       </p:ext>
     </p:extLst>
   </p:cSld>
@@ -5117,59 +5661,177 @@
           </a:p>
         </p:txBody>
       </p:sp>
+      <p:sp>
+        <p:nvSpPr>
+          <p:cNvPr id="3" name="TextBox 2">
+            <a:extLst>
+              <a:ext uri="{FF2B5EF4-FFF2-40B4-BE49-F238E27FC236}">
+                <a16:creationId xmlns:a16="http://schemas.microsoft.com/office/drawing/2014/main" id="{4A405B33-41EF-9CFA-B344-9A01B1B5DA7B}"/>
+              </a:ext>
+            </a:extLst>
+          </p:cNvPr>
+          <p:cNvSpPr txBox="1"/>
+          <p:nvPr/>
+        </p:nvSpPr>
+        <p:spPr>
+          <a:xfrm>
+            <a:off x="353291" y="1354975"/>
+            <a:ext cx="11159836" cy="923330"/>
+          </a:xfrm>
+          <a:prstGeom prst="rect">
+            <a:avLst/>
+          </a:prstGeom>
+          <a:noFill/>
+        </p:spPr>
+        <p:txBody>
+          <a:bodyPr wrap="square" rtlCol="0">
+            <a:spAutoFit/>
+          </a:bodyPr>
+          <a:lstStyle/>
+          <a:p>
+            <a:pPr marL="285750" indent="-285750">
+              <a:buFont typeface="Arial" panose="020B0604020202020204" pitchFamily="34" charset="0"/>
+              <a:buChar char="•"/>
+            </a:pPr>
+            <a:r>
+              <a:rPr lang="en-US" dirty="0"/>
+              <a:t>Machine learning has established itself as a successful interdisciplinary field which seeks to find patterns in data. Throwing in quantum computing gives rise to interesting areas of research that aim to use the principles of quantum mechanics to augment machine learning, or vice-versa.</a:t>
+            </a:r>
+          </a:p>
+        </p:txBody>
+      </p:sp>
       <p:pic>
         <p:nvPicPr>
-          <p:cNvPr id="3074" name="Picture 2" descr="undefined">
-            <a:extLst>
-              <a:ext uri="{FF2B5EF4-FFF2-40B4-BE49-F238E27FC236}">
-                <a16:creationId xmlns:a16="http://schemas.microsoft.com/office/drawing/2014/main" id="{6D1EBD47-3ADC-AB04-2710-A2D20CA39E2D}"/>
+          <p:cNvPr id="6" name="Picture 5">
+            <a:extLst>
+              <a:ext uri="{FF2B5EF4-FFF2-40B4-BE49-F238E27FC236}">
+                <a16:creationId xmlns:a16="http://schemas.microsoft.com/office/drawing/2014/main" id="{38C9946C-828B-F000-4CBC-921FFAA51A00}"/>
               </a:ext>
             </a:extLst>
           </p:cNvPr>
           <p:cNvPicPr>
-            <a:picLocks noChangeAspect="1" noChangeArrowheads="1"/>
+            <a:picLocks noChangeAspect="1"/>
           </p:cNvPicPr>
           <p:nvPr/>
         </p:nvPicPr>
         <p:blipFill>
-          <a:blip r:embed="rId2">
-            <a:extLst>
-              <a:ext uri="{28A0092B-C50C-407E-A947-70E740481C1C}">
-                <a14:useLocalDpi xmlns:a14="http://schemas.microsoft.com/office/drawing/2010/main" val="0"/>
-              </a:ext>
-            </a:extLst>
-          </a:blip>
-          <a:srcRect/>
+          <a:blip r:embed="rId2"/>
           <a:stretch>
             <a:fillRect/>
           </a:stretch>
         </p:blipFill>
-        <p:spPr bwMode="auto">
+        <p:spPr>
           <a:xfrm>
-            <a:off x="5769035" y="1502254"/>
-            <a:ext cx="4301144" cy="4213959"/>
+            <a:off x="673331" y="2943586"/>
+            <a:ext cx="2897023" cy="2592689"/>
+          </a:xfrm>
+          <a:prstGeom prst="rect">
+            <a:avLst/>
+          </a:prstGeom>
+        </p:spPr>
+      </p:pic>
+      <p:pic>
+        <p:nvPicPr>
+          <p:cNvPr id="8" name="Picture 7">
+            <a:extLst>
+              <a:ext uri="{FF2B5EF4-FFF2-40B4-BE49-F238E27FC236}">
+                <a16:creationId xmlns:a16="http://schemas.microsoft.com/office/drawing/2014/main" id="{845A0DF5-5C0E-494F-4345-7FB34632F4E0}"/>
+              </a:ext>
+            </a:extLst>
+          </p:cNvPr>
+          <p:cNvPicPr>
+            <a:picLocks noChangeAspect="1"/>
+          </p:cNvPicPr>
+          <p:nvPr/>
+        </p:nvPicPr>
+        <p:blipFill>
+          <a:blip r:embed="rId3"/>
+          <a:stretch>
+            <a:fillRect/>
+          </a:stretch>
+        </p:blipFill>
+        <p:spPr>
+          <a:xfrm>
+            <a:off x="4497908" y="3007671"/>
+            <a:ext cx="2779885" cy="2464520"/>
+          </a:xfrm>
+          <a:prstGeom prst="rect">
+            <a:avLst/>
+          </a:prstGeom>
+        </p:spPr>
+      </p:pic>
+      <p:pic>
+        <p:nvPicPr>
+          <p:cNvPr id="10" name="Picture 9">
+            <a:extLst>
+              <a:ext uri="{FF2B5EF4-FFF2-40B4-BE49-F238E27FC236}">
+                <a16:creationId xmlns:a16="http://schemas.microsoft.com/office/drawing/2014/main" id="{B7F94E82-700C-A462-5CA4-B24AFF4C64E3}"/>
+              </a:ext>
+            </a:extLst>
+          </p:cNvPr>
+          <p:cNvPicPr>
+            <a:picLocks noChangeAspect="1"/>
+          </p:cNvPicPr>
+          <p:nvPr/>
+        </p:nvPicPr>
+        <p:blipFill>
+          <a:blip r:embed="rId4"/>
+          <a:stretch>
+            <a:fillRect/>
+          </a:stretch>
+        </p:blipFill>
+        <p:spPr>
+          <a:xfrm>
+            <a:off x="8205347" y="3053687"/>
+            <a:ext cx="2653669" cy="2372486"/>
+          </a:xfrm>
+          <a:prstGeom prst="rect">
+            <a:avLst/>
+          </a:prstGeom>
+        </p:spPr>
+      </p:pic>
+      <p:sp>
+        <p:nvSpPr>
+          <p:cNvPr id="11" name="TextBox 10">
+            <a:extLst>
+              <a:ext uri="{FF2B5EF4-FFF2-40B4-BE49-F238E27FC236}">
+                <a16:creationId xmlns:a16="http://schemas.microsoft.com/office/drawing/2014/main" id="{72661F22-6723-A161-9AB4-20831D883F6F}"/>
+              </a:ext>
+            </a:extLst>
+          </p:cNvPr>
+          <p:cNvSpPr txBox="1"/>
+          <p:nvPr/>
+        </p:nvSpPr>
+        <p:spPr>
+          <a:xfrm>
+            <a:off x="1039091" y="2527069"/>
+            <a:ext cx="2236124" cy="369332"/>
           </a:xfrm>
           <a:prstGeom prst="rect">
             <a:avLst/>
           </a:prstGeom>
           <a:noFill/>
-          <a:extLst>
-            <a:ext uri="{909E8E84-426E-40DD-AFC4-6F175D3DCCD1}">
-              <a14:hiddenFill xmlns:a14="http://schemas.microsoft.com/office/drawing/2010/main">
-                <a:solidFill>
-                  <a:srgbClr val="FFFFFF"/>
-                </a:solidFill>
-              </a14:hiddenFill>
-            </a:ext>
-          </a:extLst>
-        </p:spPr>
-      </p:pic>
-      <p:sp>
-        <p:nvSpPr>
-          <p:cNvPr id="3" name="TextBox 2">
-            <a:extLst>
-              <a:ext uri="{FF2B5EF4-FFF2-40B4-BE49-F238E27FC236}">
-                <a16:creationId xmlns:a16="http://schemas.microsoft.com/office/drawing/2014/main" id="{DEC03F22-8D69-2B49-E73E-EC181CA4AE68}"/>
+        </p:spPr>
+        <p:txBody>
+          <a:bodyPr wrap="square" rtlCol="0">
+            <a:spAutoFit/>
+          </a:bodyPr>
+          <a:lstStyle/>
+          <a:p>
+            <a:pPr algn="ctr"/>
+            <a:r>
+              <a:rPr lang="en-US" dirty="0"/>
+              <a:t>Supervised learning</a:t>
+            </a:r>
+          </a:p>
+        </p:txBody>
+      </p:sp>
+      <p:sp>
+        <p:nvSpPr>
+          <p:cNvPr id="13" name="TextBox 12">
+            <a:extLst>
+              <a:ext uri="{FF2B5EF4-FFF2-40B4-BE49-F238E27FC236}">
+                <a16:creationId xmlns:a16="http://schemas.microsoft.com/office/drawing/2014/main" id="{04E33612-017C-53B5-A5A6-2044DE0ADD42}"/>
               </a:ext>
             </a:extLst>
           </p:cNvPr>
@@ -5178,8 +5840,8 @@
         </p:nvSpPr>
         <p:spPr>
           <a:xfrm>
-            <a:off x="469669" y="1853739"/>
-            <a:ext cx="4783975" cy="3693319"/>
+            <a:off x="4583776" y="2527069"/>
+            <a:ext cx="2698865" cy="369332"/>
           </a:xfrm>
           <a:prstGeom prst="rect">
             <a:avLst/>
@@ -5192,82 +5854,54 @@
           </a:bodyPr>
           <a:lstStyle/>
           <a:p>
-            <a:pPr marL="285750" indent="-285750">
-              <a:buFont typeface="Arial" panose="020B0604020202020204" pitchFamily="34" charset="0"/>
-              <a:buChar char="•"/>
-            </a:pPr>
-            <a:r>
-              <a:rPr lang="en-US" b="0" i="0" dirty="0">
-                <a:effectLst/>
-                <a:latin typeface="system-ui"/>
-              </a:rPr>
-              <a:t>Recently, most of the focus of </a:t>
-            </a:r>
-            <a:r>
-              <a:rPr lang="en-US" b="1" i="0" dirty="0">
-                <a:effectLst/>
-                <a:latin typeface="system-ui"/>
-              </a:rPr>
-              <a:t>CQ</a:t>
-            </a:r>
-            <a:r>
-              <a:rPr lang="en-US" b="0" i="0" dirty="0">
-                <a:effectLst/>
-                <a:latin typeface="system-ui"/>
-              </a:rPr>
-              <a:t> approaches to machine learning has been on near-term algorithms that can be executed on the current quantum devices. </a:t>
-            </a:r>
-          </a:p>
-          <a:p>
-            <a:pPr marL="285750" indent="-285750">
-              <a:buFont typeface="Arial" panose="020B0604020202020204" pitchFamily="34" charset="0"/>
-              <a:buChar char="•"/>
-            </a:pPr>
-            <a:endParaRPr lang="en-US" dirty="0">
-              <a:latin typeface="system-ui"/>
-            </a:endParaRPr>
-          </a:p>
-          <a:p>
-            <a:pPr marL="285750" indent="-285750">
-              <a:buFont typeface="Arial" panose="020B0604020202020204" pitchFamily="34" charset="0"/>
-              <a:buChar char="•"/>
-            </a:pPr>
-            <a:r>
-              <a:rPr lang="en-US" b="0" i="0" dirty="0">
-                <a:effectLst/>
-                <a:latin typeface="system-ui"/>
-              </a:rPr>
-              <a:t>Note that QML is still an active research area where we are already seeing results competitive with classical ML methods.</a:t>
-            </a:r>
-          </a:p>
-          <a:p>
-            <a:pPr marL="285750" indent="-285750">
-              <a:buFont typeface="Arial" panose="020B0604020202020204" pitchFamily="34" charset="0"/>
-              <a:buChar char="•"/>
-            </a:pPr>
-            <a:endParaRPr lang="en-US" dirty="0">
-              <a:latin typeface="system-ui"/>
-            </a:endParaRPr>
-          </a:p>
-          <a:p>
-            <a:pPr marL="285750" indent="-285750">
-              <a:buFont typeface="Arial" panose="020B0604020202020204" pitchFamily="34" charset="0"/>
-              <a:buChar char="•"/>
-            </a:pPr>
-            <a:r>
-              <a:rPr lang="en-US" dirty="0">
-                <a:latin typeface="system-ui"/>
-              </a:rPr>
-              <a:t>Many quantum algorithms have been proposed for QML, spanning all supervised, unsupervised and reinforcement learning models.</a:t>
-            </a:r>
-            <a:endParaRPr lang="en-US" dirty="0"/>
+            <a:pPr algn="ctr"/>
+            <a:r>
+              <a:rPr lang="en-US" dirty="0"/>
+              <a:t>Unsupervised learning</a:t>
+            </a:r>
+          </a:p>
+        </p:txBody>
+      </p:sp>
+      <p:sp>
+        <p:nvSpPr>
+          <p:cNvPr id="14" name="TextBox 13">
+            <a:extLst>
+              <a:ext uri="{FF2B5EF4-FFF2-40B4-BE49-F238E27FC236}">
+                <a16:creationId xmlns:a16="http://schemas.microsoft.com/office/drawing/2014/main" id="{6421FAE2-F641-5ED5-2D85-0CE1C155B50A}"/>
+              </a:ext>
+            </a:extLst>
+          </p:cNvPr>
+          <p:cNvSpPr txBox="1"/>
+          <p:nvPr/>
+        </p:nvSpPr>
+        <p:spPr>
+          <a:xfrm>
+            <a:off x="8205347" y="2527069"/>
+            <a:ext cx="2698865" cy="369332"/>
+          </a:xfrm>
+          <a:prstGeom prst="rect">
+            <a:avLst/>
+          </a:prstGeom>
+          <a:noFill/>
+        </p:spPr>
+        <p:txBody>
+          <a:bodyPr wrap="square" rtlCol="0">
+            <a:spAutoFit/>
+          </a:bodyPr>
+          <a:lstStyle/>
+          <a:p>
+            <a:pPr algn="ctr"/>
+            <a:r>
+              <a:rPr lang="en-US" dirty="0"/>
+              <a:t>Reinforcement learning</a:t>
+            </a:r>
           </a:p>
         </p:txBody>
       </p:sp>
     </p:spTree>
     <p:extLst>
       <p:ext uri="{BB962C8B-B14F-4D97-AF65-F5344CB8AC3E}">
-        <p14:creationId xmlns:p14="http://schemas.microsoft.com/office/powerpoint/2010/main" val="2755185615"/>
+        <p14:creationId xmlns:p14="http://schemas.microsoft.com/office/powerpoint/2010/main" val="4106089000"/>
       </p:ext>
     </p:extLst>
   </p:cSld>
@@ -5329,7 +5963,7 @@
                 </a:solidFill>
                 <a:latin typeface="IBM Plex Sans Light" panose="020B0403050203000203" pitchFamily="34" charset="0"/>
               </a:rPr>
-              <a:t>Data encoding</a:t>
+              <a:t>Quantum machine learning</a:t>
             </a:r>
           </a:p>
         </p:txBody>
@@ -5352,8 +5986,8 @@
         </p:nvSpPr>
         <p:spPr>
           <a:xfrm>
-            <a:off x="11292886" y="6656121"/>
-            <a:ext cx="436372" cy="174089"/>
+            <a:off x="11292886" y="6707099"/>
+            <a:ext cx="60914" cy="123111"/>
           </a:xfrm>
         </p:spPr>
         <p:txBody>
@@ -5501,27 +6135,74 @@
           </a:p>
         </p:txBody>
       </p:sp>
-      <p:sp>
-        <p:nvSpPr>
-          <p:cNvPr id="3" name="TextBox 2">
-            <a:extLst>
-              <a:ext uri="{FF2B5EF4-FFF2-40B4-BE49-F238E27FC236}">
-                <a16:creationId xmlns:a16="http://schemas.microsoft.com/office/drawing/2014/main" id="{E482FDBB-CAD9-0222-B0EF-B902B0533A72}"/>
-              </a:ext>
-            </a:extLst>
-          </p:cNvPr>
-          <p:cNvSpPr txBox="1"/>
+      <p:pic>
+        <p:nvPicPr>
+          <p:cNvPr id="3074" name="Picture 2" descr="undefined">
+            <a:extLst>
+              <a:ext uri="{FF2B5EF4-FFF2-40B4-BE49-F238E27FC236}">
+                <a16:creationId xmlns:a16="http://schemas.microsoft.com/office/drawing/2014/main" id="{6D1EBD47-3ADC-AB04-2710-A2D20CA39E2D}"/>
+              </a:ext>
+            </a:extLst>
+          </p:cNvPr>
+          <p:cNvPicPr>
+            <a:picLocks noChangeAspect="1" noChangeArrowheads="1"/>
+          </p:cNvPicPr>
           <p:nvPr/>
-        </p:nvSpPr>
-        <p:spPr>
+        </p:nvPicPr>
+        <p:blipFill>
+          <a:blip r:embed="rId2">
+            <a:extLst>
+              <a:ext uri="{28A0092B-C50C-407E-A947-70E740481C1C}">
+                <a14:useLocalDpi xmlns:a14="http://schemas.microsoft.com/office/drawing/2010/main" val="0"/>
+              </a:ext>
+            </a:extLst>
+          </a:blip>
+          <a:srcRect/>
+          <a:stretch>
+            <a:fillRect/>
+          </a:stretch>
+        </p:blipFill>
+        <p:spPr bwMode="auto">
           <a:xfrm>
-            <a:off x="349135" y="1517073"/>
-            <a:ext cx="10943751" cy="3970318"/>
+            <a:off x="5769035" y="1502254"/>
+            <a:ext cx="4301144" cy="4213959"/>
           </a:xfrm>
           <a:prstGeom prst="rect">
             <a:avLst/>
           </a:prstGeom>
           <a:noFill/>
+          <a:extLst>
+            <a:ext uri="{909E8E84-426E-40DD-AFC4-6F175D3DCCD1}">
+              <a14:hiddenFill xmlns:a14="http://schemas.microsoft.com/office/drawing/2010/main">
+                <a:solidFill>
+                  <a:srgbClr val="FFFFFF"/>
+                </a:solidFill>
+              </a14:hiddenFill>
+            </a:ext>
+          </a:extLst>
+        </p:spPr>
+      </p:pic>
+      <p:sp>
+        <p:nvSpPr>
+          <p:cNvPr id="3" name="TextBox 2">
+            <a:extLst>
+              <a:ext uri="{FF2B5EF4-FFF2-40B4-BE49-F238E27FC236}">
+                <a16:creationId xmlns:a16="http://schemas.microsoft.com/office/drawing/2014/main" id="{DEC03F22-8D69-2B49-E73E-EC181CA4AE68}"/>
+              </a:ext>
+            </a:extLst>
+          </p:cNvPr>
+          <p:cNvSpPr txBox="1"/>
+          <p:nvPr/>
+        </p:nvSpPr>
+        <p:spPr>
+          <a:xfrm>
+            <a:off x="469669" y="1853739"/>
+            <a:ext cx="4783975" cy="3693319"/>
+          </a:xfrm>
+          <a:prstGeom prst="rect">
+            <a:avLst/>
+          </a:prstGeom>
+          <a:noFill/>
         </p:spPr>
         <p:txBody>
           <a:bodyPr wrap="square" rtlCol="0">
@@ -5534,8 +6215,25 @@
               <a:buChar char="•"/>
             </a:pPr>
             <a:r>
-              <a:rPr lang="en-US" dirty="0"/>
-              <a:t>Data representation is crucial for the success of machine learning models. For classical machine learning, the problem is how to represent the data numerically, so that it can be best processed by a classical machine learning algorithm.</a:t>
+              <a:rPr lang="en-US" b="0" i="0" dirty="0">
+                <a:effectLst/>
+                <a:latin typeface="system-ui"/>
+              </a:rPr>
+              <a:t>Recently, most of the focus of </a:t>
+            </a:r>
+            <a:r>
+              <a:rPr lang="en-US" b="1" i="0" dirty="0">
+                <a:effectLst/>
+                <a:latin typeface="system-ui"/>
+              </a:rPr>
+              <a:t>CQ</a:t>
+            </a:r>
+            <a:r>
+              <a:rPr lang="en-US" b="0" i="0" dirty="0">
+                <a:effectLst/>
+                <a:latin typeface="system-ui"/>
+              </a:rPr>
+              <a:t> approaches to machine learning has been on near-term algorithms that can be executed on the current quantum devices. </a:t>
             </a:r>
           </a:p>
           <a:p>
@@ -5543,7 +6241,9 @@
               <a:buFont typeface="Arial" panose="020B0604020202020204" pitchFamily="34" charset="0"/>
               <a:buChar char="•"/>
             </a:pPr>
-            <a:endParaRPr lang="en-US" dirty="0"/>
+            <a:endParaRPr lang="en-US" dirty="0">
+              <a:latin typeface="system-ui"/>
+            </a:endParaRPr>
           </a:p>
           <a:p>
             <a:pPr marL="285750" indent="-285750">
@@ -5551,20 +6251,11 @@
               <a:buChar char="•"/>
             </a:pPr>
             <a:r>
-              <a:rPr lang="en-US" dirty="0"/>
-              <a:t>For quantum machine learning, this question is similar, but more fundamental: how to represent and efficiently input the data into a quantum system, so that it can be processed by a quantum machine learning algorithm. This is usually referred to as data encoding but is also called data </a:t>
-            </a:r>
-            <a:r>
-              <a:rPr lang="en-US" i="1" dirty="0"/>
-              <a:t>embedding </a:t>
-            </a:r>
-            <a:r>
-              <a:rPr lang="en-US" dirty="0"/>
-              <a:t>or </a:t>
-            </a:r>
-            <a:r>
-              <a:rPr lang="en-US" i="1" dirty="0"/>
-              <a:t>loading.</a:t>
+              <a:rPr lang="en-US" b="0" i="0" dirty="0">
+                <a:effectLst/>
+                <a:latin typeface="system-ui"/>
+              </a:rPr>
+              <a:t>Note that QML is still an active research area where we are already seeing results competitive with classical ML methods.</a:t>
             </a:r>
           </a:p>
           <a:p>
@@ -5572,7 +6263,9 @@
               <a:buFont typeface="Arial" panose="020B0604020202020204" pitchFamily="34" charset="0"/>
               <a:buChar char="•"/>
             </a:pPr>
-            <a:endParaRPr lang="en-US" i="1" dirty="0"/>
+            <a:endParaRPr lang="en-US" dirty="0">
+              <a:latin typeface="system-ui"/>
+            </a:endParaRPr>
           </a:p>
           <a:p>
             <a:pPr marL="285750" indent="-285750">
@@ -5580,136 +6273,19 @@
               <a:buChar char="•"/>
             </a:pPr>
             <a:r>
-              <a:rPr lang="en-US" dirty="0"/>
-              <a:t>Some common methods are:</a:t>
-            </a:r>
-          </a:p>
-          <a:p>
-            <a:pPr marL="285750" indent="-285750">
-              <a:buFont typeface="Arial" panose="020B0604020202020204" pitchFamily="34" charset="0"/>
-              <a:buChar char="•"/>
-            </a:pPr>
+              <a:rPr lang="en-US" dirty="0">
+                <a:latin typeface="system-ui"/>
+              </a:rPr>
+              <a:t>Many quantum algorithms have been proposed for QML, spanning all supervised, unsupervised and reinforcement learning models.</a:t>
+            </a:r>
             <a:endParaRPr lang="en-US" dirty="0"/>
-          </a:p>
-          <a:p>
-            <a:pPr marL="742950" lvl="1" indent="-285750">
-              <a:buFont typeface="Arial" panose="020B0604020202020204" pitchFamily="34" charset="0"/>
-              <a:buChar char="•"/>
-            </a:pPr>
-            <a:r>
-              <a:rPr lang="en-US" dirty="0"/>
-              <a:t>Basis encoding</a:t>
-            </a:r>
-          </a:p>
-          <a:p>
-            <a:pPr marL="742950" lvl="1" indent="-285750">
-              <a:buFont typeface="Arial" panose="020B0604020202020204" pitchFamily="34" charset="0"/>
-              <a:buChar char="•"/>
-            </a:pPr>
-            <a:r>
-              <a:rPr lang="en-US" dirty="0"/>
-              <a:t>Amplitude encoding</a:t>
-            </a:r>
-          </a:p>
-          <a:p>
-            <a:pPr marL="742950" lvl="1" indent="-285750">
-              <a:buFont typeface="Arial" panose="020B0604020202020204" pitchFamily="34" charset="0"/>
-              <a:buChar char="•"/>
-            </a:pPr>
-            <a:r>
-              <a:rPr lang="en-US" dirty="0"/>
-              <a:t>Angle encoding</a:t>
-            </a:r>
-          </a:p>
-          <a:p>
-            <a:pPr marL="742950" lvl="1" indent="-285750">
-              <a:buFont typeface="Arial" panose="020B0604020202020204" pitchFamily="34" charset="0"/>
-              <a:buChar char="•"/>
-            </a:pPr>
-            <a:r>
-              <a:rPr lang="en-US" dirty="0"/>
-              <a:t>Arbitrary encoding</a:t>
-            </a:r>
-          </a:p>
-        </p:txBody>
-      </p:sp>
-      <p:pic>
-        <p:nvPicPr>
-          <p:cNvPr id="6" name="Picture 5">
-            <a:extLst>
-              <a:ext uri="{FF2B5EF4-FFF2-40B4-BE49-F238E27FC236}">
-                <a16:creationId xmlns:a16="http://schemas.microsoft.com/office/drawing/2014/main" id="{36EC1E10-089E-982F-098F-78E1A446C001}"/>
-              </a:ext>
-            </a:extLst>
-          </p:cNvPr>
-          <p:cNvPicPr>
-            <a:picLocks noChangeAspect="1"/>
-          </p:cNvPicPr>
-          <p:nvPr/>
-        </p:nvPicPr>
-        <p:blipFill>
-          <a:blip r:embed="rId2"/>
-          <a:stretch>
-            <a:fillRect/>
-          </a:stretch>
-        </p:blipFill>
-        <p:spPr>
-          <a:xfrm>
-            <a:off x="5175295" y="3630511"/>
-            <a:ext cx="4588003" cy="2466734"/>
-          </a:xfrm>
-          <a:prstGeom prst="rect">
-            <a:avLst/>
-          </a:prstGeom>
-        </p:spPr>
-      </p:pic>
-      <p:sp>
-        <p:nvSpPr>
-          <p:cNvPr id="7" name="TextBox 6">
-            <a:extLst>
-              <a:ext uri="{FF2B5EF4-FFF2-40B4-BE49-F238E27FC236}">
-                <a16:creationId xmlns:a16="http://schemas.microsoft.com/office/drawing/2014/main" id="{DF9C2436-6103-EDD1-FBF8-1C319E56EE9C}"/>
-              </a:ext>
-            </a:extLst>
-          </p:cNvPr>
-          <p:cNvSpPr txBox="1"/>
-          <p:nvPr/>
-        </p:nvSpPr>
-        <p:spPr>
-          <a:xfrm>
-            <a:off x="4810298" y="6155575"/>
-            <a:ext cx="7381702" cy="230832"/>
-          </a:xfrm>
-          <a:prstGeom prst="rect">
-            <a:avLst/>
-          </a:prstGeom>
-          <a:noFill/>
-        </p:spPr>
-        <p:txBody>
-          <a:bodyPr wrap="square" rtlCol="0">
-            <a:spAutoFit/>
-          </a:bodyPr>
-          <a:lstStyle/>
-          <a:p>
-            <a:r>
-              <a:rPr lang="en-US" sz="900" dirty="0"/>
-              <a:t>Image from: Quantum Embedding Search for Quantum Machine Learning, </a:t>
-            </a:r>
-            <a:r>
-              <a:rPr lang="en-US" sz="900" dirty="0" err="1"/>
-              <a:t>NamNguyen</a:t>
-            </a:r>
-            <a:r>
-              <a:rPr lang="en-US" sz="900" dirty="0"/>
-              <a:t> and Kwang-Chen Chen, IEEE</a:t>
-            </a:r>
           </a:p>
         </p:txBody>
       </p:sp>
     </p:spTree>
     <p:extLst>
       <p:ext uri="{BB962C8B-B14F-4D97-AF65-F5344CB8AC3E}">
-        <p14:creationId xmlns:p14="http://schemas.microsoft.com/office/powerpoint/2010/main" val="2735824114"/>
+        <p14:creationId xmlns:p14="http://schemas.microsoft.com/office/powerpoint/2010/main" val="2755185615"/>
       </p:ext>
     </p:extLst>
   </p:cSld>
@@ -5943,8 +6519,450 @@
           </a:p>
         </p:txBody>
       </p:sp>
-      <mc:AlternateContent xmlns:mc="http://schemas.openxmlformats.org/markup-compatibility/2006">
-        <mc:Choice xmlns:a14="http://schemas.microsoft.com/office/drawing/2010/main" Requires="a14">
+      <p:sp>
+        <p:nvSpPr>
+          <p:cNvPr id="3" name="TextBox 2">
+            <a:extLst>
+              <a:ext uri="{FF2B5EF4-FFF2-40B4-BE49-F238E27FC236}">
+                <a16:creationId xmlns:a16="http://schemas.microsoft.com/office/drawing/2014/main" id="{E482FDBB-CAD9-0222-B0EF-B902B0533A72}"/>
+              </a:ext>
+            </a:extLst>
+          </p:cNvPr>
+          <p:cNvSpPr txBox="1"/>
+          <p:nvPr/>
+        </p:nvSpPr>
+        <p:spPr>
+          <a:xfrm>
+            <a:off x="349135" y="1517073"/>
+            <a:ext cx="10943751" cy="3970318"/>
+          </a:xfrm>
+          <a:prstGeom prst="rect">
+            <a:avLst/>
+          </a:prstGeom>
+          <a:noFill/>
+        </p:spPr>
+        <p:txBody>
+          <a:bodyPr wrap="square" rtlCol="0">
+            <a:spAutoFit/>
+          </a:bodyPr>
+          <a:lstStyle/>
+          <a:p>
+            <a:pPr marL="285750" indent="-285750">
+              <a:buFont typeface="Arial" panose="020B0604020202020204" pitchFamily="34" charset="0"/>
+              <a:buChar char="•"/>
+            </a:pPr>
+            <a:r>
+              <a:rPr lang="en-US" dirty="0"/>
+              <a:t>Data representation is crucial for the success of machine learning models. For classical machine learning, the problem is how to represent the data numerically, so that it can be best processed by a classical machine learning algorithm.</a:t>
+            </a:r>
+          </a:p>
+          <a:p>
+            <a:pPr marL="285750" indent="-285750">
+              <a:buFont typeface="Arial" panose="020B0604020202020204" pitchFamily="34" charset="0"/>
+              <a:buChar char="•"/>
+            </a:pPr>
+            <a:endParaRPr lang="en-US" dirty="0"/>
+          </a:p>
+          <a:p>
+            <a:pPr marL="285750" indent="-285750">
+              <a:buFont typeface="Arial" panose="020B0604020202020204" pitchFamily="34" charset="0"/>
+              <a:buChar char="•"/>
+            </a:pPr>
+            <a:r>
+              <a:rPr lang="en-US" dirty="0"/>
+              <a:t>For quantum machine learning, this question is similar, but more fundamental: how to represent and efficiently input the data into a quantum system, so that it can be processed by a quantum machine learning algorithm. This is usually referred to as data encoding but is also called data </a:t>
+            </a:r>
+            <a:r>
+              <a:rPr lang="en-US" i="1" dirty="0"/>
+              <a:t>embedding </a:t>
+            </a:r>
+            <a:r>
+              <a:rPr lang="en-US" dirty="0"/>
+              <a:t>or </a:t>
+            </a:r>
+            <a:r>
+              <a:rPr lang="en-US" i="1" dirty="0"/>
+              <a:t>loading.</a:t>
+            </a:r>
+          </a:p>
+          <a:p>
+            <a:pPr marL="285750" indent="-285750">
+              <a:buFont typeface="Arial" panose="020B0604020202020204" pitchFamily="34" charset="0"/>
+              <a:buChar char="•"/>
+            </a:pPr>
+            <a:endParaRPr lang="en-US" i="1" dirty="0"/>
+          </a:p>
+          <a:p>
+            <a:pPr marL="285750" indent="-285750">
+              <a:buFont typeface="Arial" panose="020B0604020202020204" pitchFamily="34" charset="0"/>
+              <a:buChar char="•"/>
+            </a:pPr>
+            <a:r>
+              <a:rPr lang="en-US" dirty="0"/>
+              <a:t>Some common methods are:</a:t>
+            </a:r>
+          </a:p>
+          <a:p>
+            <a:pPr marL="285750" indent="-285750">
+              <a:buFont typeface="Arial" panose="020B0604020202020204" pitchFamily="34" charset="0"/>
+              <a:buChar char="•"/>
+            </a:pPr>
+            <a:endParaRPr lang="en-US" dirty="0"/>
+          </a:p>
+          <a:p>
+            <a:pPr marL="742950" lvl="1" indent="-285750">
+              <a:buFont typeface="Arial" panose="020B0604020202020204" pitchFamily="34" charset="0"/>
+              <a:buChar char="•"/>
+            </a:pPr>
+            <a:r>
+              <a:rPr lang="en-US" dirty="0"/>
+              <a:t>Basis encoding</a:t>
+            </a:r>
+          </a:p>
+          <a:p>
+            <a:pPr marL="742950" lvl="1" indent="-285750">
+              <a:buFont typeface="Arial" panose="020B0604020202020204" pitchFamily="34" charset="0"/>
+              <a:buChar char="•"/>
+            </a:pPr>
+            <a:r>
+              <a:rPr lang="en-US" dirty="0"/>
+              <a:t>Amplitude encoding</a:t>
+            </a:r>
+          </a:p>
+          <a:p>
+            <a:pPr marL="742950" lvl="1" indent="-285750">
+              <a:buFont typeface="Arial" panose="020B0604020202020204" pitchFamily="34" charset="0"/>
+              <a:buChar char="•"/>
+            </a:pPr>
+            <a:r>
+              <a:rPr lang="en-US" dirty="0"/>
+              <a:t>Angle encoding</a:t>
+            </a:r>
+          </a:p>
+          <a:p>
+            <a:pPr marL="742950" lvl="1" indent="-285750">
+              <a:buFont typeface="Arial" panose="020B0604020202020204" pitchFamily="34" charset="0"/>
+              <a:buChar char="•"/>
+            </a:pPr>
+            <a:r>
+              <a:rPr lang="en-US" dirty="0"/>
+              <a:t>Arbitrary encoding</a:t>
+            </a:r>
+          </a:p>
+        </p:txBody>
+      </p:sp>
+      <p:pic>
+        <p:nvPicPr>
+          <p:cNvPr id="6" name="Picture 5">
+            <a:extLst>
+              <a:ext uri="{FF2B5EF4-FFF2-40B4-BE49-F238E27FC236}">
+                <a16:creationId xmlns:a16="http://schemas.microsoft.com/office/drawing/2014/main" id="{36EC1E10-089E-982F-098F-78E1A446C001}"/>
+              </a:ext>
+            </a:extLst>
+          </p:cNvPr>
+          <p:cNvPicPr>
+            <a:picLocks noChangeAspect="1"/>
+          </p:cNvPicPr>
+          <p:nvPr/>
+        </p:nvPicPr>
+        <p:blipFill>
+          <a:blip r:embed="rId2"/>
+          <a:stretch>
+            <a:fillRect/>
+          </a:stretch>
+        </p:blipFill>
+        <p:spPr>
+          <a:xfrm>
+            <a:off x="5175295" y="3630511"/>
+            <a:ext cx="4588003" cy="2466734"/>
+          </a:xfrm>
+          <a:prstGeom prst="rect">
+            <a:avLst/>
+          </a:prstGeom>
+        </p:spPr>
+      </p:pic>
+      <p:sp>
+        <p:nvSpPr>
+          <p:cNvPr id="7" name="TextBox 6">
+            <a:extLst>
+              <a:ext uri="{FF2B5EF4-FFF2-40B4-BE49-F238E27FC236}">
+                <a16:creationId xmlns:a16="http://schemas.microsoft.com/office/drawing/2014/main" id="{DF9C2436-6103-EDD1-FBF8-1C319E56EE9C}"/>
+              </a:ext>
+            </a:extLst>
+          </p:cNvPr>
+          <p:cNvSpPr txBox="1"/>
+          <p:nvPr/>
+        </p:nvSpPr>
+        <p:spPr>
+          <a:xfrm>
+            <a:off x="4810298" y="6155575"/>
+            <a:ext cx="7381702" cy="230832"/>
+          </a:xfrm>
+          <a:prstGeom prst="rect">
+            <a:avLst/>
+          </a:prstGeom>
+          <a:noFill/>
+        </p:spPr>
+        <p:txBody>
+          <a:bodyPr wrap="square" rtlCol="0">
+            <a:spAutoFit/>
+          </a:bodyPr>
+          <a:lstStyle/>
+          <a:p>
+            <a:r>
+              <a:rPr lang="en-US" sz="900" dirty="0"/>
+              <a:t>Image from: Quantum Embedding Search for Quantum Machine Learning, </a:t>
+            </a:r>
+            <a:r>
+              <a:rPr lang="en-US" sz="900" dirty="0" err="1"/>
+              <a:t>NamNguyen</a:t>
+            </a:r>
+            <a:r>
+              <a:rPr lang="en-US" sz="900" dirty="0"/>
+              <a:t> and Kwang-Chen Chen, IEEE</a:t>
+            </a:r>
+          </a:p>
+        </p:txBody>
+      </p:sp>
+    </p:spTree>
+    <p:extLst>
+      <p:ext uri="{BB962C8B-B14F-4D97-AF65-F5344CB8AC3E}">
+        <p14:creationId xmlns:p14="http://schemas.microsoft.com/office/powerpoint/2010/main" val="2735824114"/>
+      </p:ext>
+    </p:extLst>
+  </p:cSld>
+  <p:clrMapOvr>
+    <a:masterClrMapping/>
+  </p:clrMapOvr>
+</p:sld>
+</file>
+
+<file path=ppt/slides/slide15.xml><?xml version="1.0" encoding="utf-8"?>
+<p:sld xmlns:a="http://schemas.openxmlformats.org/drawingml/2006/main" xmlns:r="http://schemas.openxmlformats.org/officeDocument/2006/relationships" xmlns:p="http://schemas.openxmlformats.org/presentationml/2006/main">
+  <p:cSld>
+    <p:spTree>
+      <p:nvGrpSpPr>
+        <p:cNvPr id="1" name=""/>
+        <p:cNvGrpSpPr/>
+        <p:nvPr/>
+      </p:nvGrpSpPr>
+      <p:grpSpPr>
+        <a:xfrm>
+          <a:off x="0" y="0"/>
+          <a:ext cx="0" cy="0"/>
+          <a:chOff x="0" y="0"/>
+          <a:chExt cx="0" cy="0"/>
+        </a:xfrm>
+      </p:grpSpPr>
+      <p:sp>
+        <p:nvSpPr>
+          <p:cNvPr id="12" name="Title 1">
+            <a:extLst>
+              <a:ext uri="{FF2B5EF4-FFF2-40B4-BE49-F238E27FC236}">
+                <a16:creationId xmlns:a16="http://schemas.microsoft.com/office/drawing/2014/main" id="{F600CC51-EA69-FE94-1C46-6350D057D1A4}"/>
+              </a:ext>
+            </a:extLst>
+          </p:cNvPr>
+          <p:cNvSpPr>
+            <a:spLocks noGrp="1"/>
+          </p:cNvSpPr>
+          <p:nvPr>
+            <p:ph type="title"/>
+          </p:nvPr>
+        </p:nvSpPr>
+        <p:spPr>
+          <a:xfrm>
+            <a:off x="280415" y="268225"/>
+            <a:ext cx="9310393" cy="950972"/>
+          </a:xfrm>
+        </p:spPr>
+        <p:txBody>
+          <a:bodyPr>
+            <a:normAutofit/>
+          </a:bodyPr>
+          <a:lstStyle/>
+          <a:p>
+            <a:r>
+              <a:rPr lang="en-US" sz="4400" dirty="0">
+                <a:solidFill>
+                  <a:srgbClr val="0070C0"/>
+                </a:solidFill>
+                <a:latin typeface="IBM Plex Sans Light" panose="020B0403050203000203" pitchFamily="34" charset="0"/>
+              </a:rPr>
+              <a:t>Data encoding</a:t>
+            </a:r>
+          </a:p>
+        </p:txBody>
+      </p:sp>
+      <p:sp>
+        <p:nvSpPr>
+          <p:cNvPr id="4" name="Slide Number Placeholder 3">
+            <a:extLst>
+              <a:ext uri="{FF2B5EF4-FFF2-40B4-BE49-F238E27FC236}">
+                <a16:creationId xmlns:a16="http://schemas.microsoft.com/office/drawing/2014/main" id="{38D4585E-21EC-FF4F-B0F2-2FAAC44D6C9F}"/>
+              </a:ext>
+            </a:extLst>
+          </p:cNvPr>
+          <p:cNvSpPr>
+            <a:spLocks noGrp="1"/>
+          </p:cNvSpPr>
+          <p:nvPr>
+            <p:ph type="sldNum" sz="quarter" idx="11"/>
+          </p:nvPr>
+        </p:nvSpPr>
+        <p:spPr>
+          <a:xfrm>
+            <a:off x="11292886" y="6656121"/>
+            <a:ext cx="436372" cy="174089"/>
+          </a:xfrm>
+        </p:spPr>
+        <p:txBody>
+          <a:bodyPr/>
+          <a:lstStyle/>
+          <a:p>
+            <a:fld id="{59395FB3-9C97-154F-86B2-7E381B951268}" type="slidenum">
+              <a:rPr lang="en-US" smtClean="0">
+                <a:latin typeface="+mn-lt"/>
+              </a:rPr>
+              <a:pPr/>
+              <a:t>15</a:t>
+            </a:fld>
+            <a:endParaRPr lang="en-US" dirty="0">
+              <a:latin typeface="+mn-lt"/>
+            </a:endParaRPr>
+          </a:p>
+        </p:txBody>
+      </p:sp>
+      <p:sp>
+        <p:nvSpPr>
+          <p:cNvPr id="2" name="Footer Placeholder 1">
+            <a:extLst>
+              <a:ext uri="{FF2B5EF4-FFF2-40B4-BE49-F238E27FC236}">
+                <a16:creationId xmlns:a16="http://schemas.microsoft.com/office/drawing/2014/main" id="{F2D21A02-2F24-ECF4-B652-66F62D3FD7F4}"/>
+              </a:ext>
+            </a:extLst>
+          </p:cNvPr>
+          <p:cNvSpPr txBox="1">
+            <a:spLocks/>
+          </p:cNvSpPr>
+          <p:nvPr/>
+        </p:nvSpPr>
+        <p:spPr>
+          <a:xfrm>
+            <a:off x="197700" y="6523428"/>
+            <a:ext cx="4106287" cy="132693"/>
+          </a:xfrm>
+          <a:prstGeom prst="rect">
+            <a:avLst/>
+          </a:prstGeom>
+        </p:spPr>
+        <p:txBody>
+          <a:bodyPr/>
+          <a:lstStyle>
+            <a:defPPr>
+              <a:defRPr lang="en-US"/>
+            </a:defPPr>
+            <a:lvl1pPr marL="0" algn="l" defTabSz="1829379" rtl="0" eaLnBrk="1" latinLnBrk="0" hangingPunct="1">
+              <a:defRPr sz="3600" kern="1200">
+                <a:solidFill>
+                  <a:schemeClr val="tx1"/>
+                </a:solidFill>
+                <a:latin typeface="+mn-lt"/>
+                <a:ea typeface="+mn-ea"/>
+                <a:cs typeface="+mn-cs"/>
+              </a:defRPr>
+            </a:lvl1pPr>
+            <a:lvl2pPr marL="914688" algn="l" defTabSz="1829379" rtl="0" eaLnBrk="1" latinLnBrk="0" hangingPunct="1">
+              <a:defRPr sz="3600" kern="1200">
+                <a:solidFill>
+                  <a:schemeClr val="tx1"/>
+                </a:solidFill>
+                <a:latin typeface="+mn-lt"/>
+                <a:ea typeface="+mn-ea"/>
+                <a:cs typeface="+mn-cs"/>
+              </a:defRPr>
+            </a:lvl2pPr>
+            <a:lvl3pPr marL="1829379" algn="l" defTabSz="1829379" rtl="0" eaLnBrk="1" latinLnBrk="0" hangingPunct="1">
+              <a:defRPr sz="3600" kern="1200">
+                <a:solidFill>
+                  <a:schemeClr val="tx1"/>
+                </a:solidFill>
+                <a:latin typeface="+mn-lt"/>
+                <a:ea typeface="+mn-ea"/>
+                <a:cs typeface="+mn-cs"/>
+              </a:defRPr>
+            </a:lvl3pPr>
+            <a:lvl4pPr marL="2744068" algn="l" defTabSz="1829379" rtl="0" eaLnBrk="1" latinLnBrk="0" hangingPunct="1">
+              <a:defRPr sz="3600" kern="1200">
+                <a:solidFill>
+                  <a:schemeClr val="tx1"/>
+                </a:solidFill>
+                <a:latin typeface="+mn-lt"/>
+                <a:ea typeface="+mn-ea"/>
+                <a:cs typeface="+mn-cs"/>
+              </a:defRPr>
+            </a:lvl4pPr>
+            <a:lvl5pPr marL="3658759" algn="l" defTabSz="1829379" rtl="0" eaLnBrk="1" latinLnBrk="0" hangingPunct="1">
+              <a:defRPr sz="3600" kern="1200">
+                <a:solidFill>
+                  <a:schemeClr val="tx1"/>
+                </a:solidFill>
+                <a:latin typeface="+mn-lt"/>
+                <a:ea typeface="+mn-ea"/>
+                <a:cs typeface="+mn-cs"/>
+              </a:defRPr>
+            </a:lvl5pPr>
+            <a:lvl6pPr marL="4573447" algn="l" defTabSz="1829379" rtl="0" eaLnBrk="1" latinLnBrk="0" hangingPunct="1">
+              <a:defRPr sz="3600" kern="1200">
+                <a:solidFill>
+                  <a:schemeClr val="tx1"/>
+                </a:solidFill>
+                <a:latin typeface="+mn-lt"/>
+                <a:ea typeface="+mn-ea"/>
+                <a:cs typeface="+mn-cs"/>
+              </a:defRPr>
+            </a:lvl6pPr>
+            <a:lvl7pPr marL="5488138" algn="l" defTabSz="1829379" rtl="0" eaLnBrk="1" latinLnBrk="0" hangingPunct="1">
+              <a:defRPr sz="3600" kern="1200">
+                <a:solidFill>
+                  <a:schemeClr val="tx1"/>
+                </a:solidFill>
+                <a:latin typeface="+mn-lt"/>
+                <a:ea typeface="+mn-ea"/>
+                <a:cs typeface="+mn-cs"/>
+              </a:defRPr>
+            </a:lvl7pPr>
+            <a:lvl8pPr marL="6402827" algn="l" defTabSz="1829379" rtl="0" eaLnBrk="1" latinLnBrk="0" hangingPunct="1">
+              <a:defRPr sz="3600" kern="1200">
+                <a:solidFill>
+                  <a:schemeClr val="tx1"/>
+                </a:solidFill>
+                <a:latin typeface="+mn-lt"/>
+                <a:ea typeface="+mn-ea"/>
+                <a:cs typeface="+mn-cs"/>
+              </a:defRPr>
+            </a:lvl8pPr>
+            <a:lvl9pPr marL="7317518" algn="l" defTabSz="1829379" rtl="0" eaLnBrk="1" latinLnBrk="0" hangingPunct="1">
+              <a:defRPr sz="3600" kern="1200">
+                <a:solidFill>
+                  <a:schemeClr val="tx1"/>
+                </a:solidFill>
+                <a:latin typeface="+mn-lt"/>
+                <a:ea typeface="+mn-ea"/>
+                <a:cs typeface="+mn-cs"/>
+              </a:defRPr>
+            </a:lvl9pPr>
+          </a:lstStyle>
+          <a:p>
+            <a:r>
+              <a:rPr lang="en-US" sz="1200" dirty="0"/>
+              <a:t>IBM Quantum</a:t>
+            </a:r>
+          </a:p>
+        </p:txBody>
+      </p:sp>
+      <mc:AlternateContent xmlns:mc="http://schemas.openxmlformats.org/markup-compatibility/2006" xmlns:a14="http://schemas.microsoft.com/office/drawing/2010/main">
+        <mc:Choice Requires="a14">
           <p:sp>
             <p:nvSpPr>
               <p:cNvPr id="3" name="TextBox 2">
@@ -6134,7 +7152,7 @@
             </p:txBody>
           </p:sp>
         </mc:Choice>
-        <mc:Fallback>
+        <mc:Fallback xmlns="">
           <p:sp>
             <p:nvSpPr>
               <p:cNvPr id="3" name="TextBox 2">
@@ -6179,8 +7197,8 @@
           </p:sp>
         </mc:Fallback>
       </mc:AlternateContent>
-      <mc:AlternateContent xmlns:mc="http://schemas.openxmlformats.org/markup-compatibility/2006">
-        <mc:Choice xmlns:a14="http://schemas.microsoft.com/office/drawing/2010/main" Requires="a14">
+      <mc:AlternateContent xmlns:mc="http://schemas.openxmlformats.org/markup-compatibility/2006" xmlns:a14="http://schemas.microsoft.com/office/drawing/2010/main">
+        <mc:Choice Requires="a14">
           <p:sp>
             <p:nvSpPr>
               <p:cNvPr id="5" name="TextBox 4">
@@ -6559,6 +7577,7 @@
                 <a:endParaRPr lang="en-US" dirty="0"/>
               </a:p>
               <a:p>
+                <a:pPr/>
                 <a14:m>
                   <m:oMathPara xmlns:m="http://schemas.openxmlformats.org/officeDocument/2006/math">
                     <m:oMathParaPr>
@@ -6723,7 +7742,7 @@
             </p:txBody>
           </p:sp>
         </mc:Choice>
-        <mc:Fallback>
+        <mc:Fallback xmlns="">
           <p:sp>
             <p:nvSpPr>
               <p:cNvPr id="5" name="TextBox 4">
@@ -6804,8 +7823,8 @@
           </a:fontRef>
         </p:style>
       </p:cxnSp>
-      <mc:AlternateContent xmlns:mc="http://schemas.openxmlformats.org/markup-compatibility/2006">
-        <mc:Choice xmlns:a14="http://schemas.microsoft.com/office/drawing/2010/main" Requires="a14">
+      <mc:AlternateContent xmlns:mc="http://schemas.openxmlformats.org/markup-compatibility/2006" xmlns:a14="http://schemas.microsoft.com/office/drawing/2010/main">
+        <mc:Choice Requires="a14">
           <p:sp>
             <p:nvSpPr>
               <p:cNvPr id="10" name="TextBox 9">
@@ -6898,6 +7917,7 @@
                 <a:endParaRPr lang="en-US" dirty="0"/>
               </a:p>
               <a:p>
+                <a:pPr/>
                 <a14:m>
                   <m:oMathPara xmlns:m="http://schemas.openxmlformats.org/officeDocument/2006/math">
                     <m:oMathParaPr>
@@ -7234,6 +8254,7 @@
                 </a:r>
               </a:p>
               <a:p>
+                <a:pPr/>
                 <a14:m>
                   <m:oMathPara xmlns:m="http://schemas.openxmlformats.org/officeDocument/2006/math">
                     <m:oMathParaPr>
@@ -7366,7 +8387,7 @@
             </p:txBody>
           </p:sp>
         </mc:Choice>
-        <mc:Fallback>
+        <mc:Fallback xmlns="">
           <p:sp>
             <p:nvSpPr>
               <p:cNvPr id="10" name="TextBox 9">
@@ -7424,7 +8445,7 @@
 </p:sld>
 </file>
 
-<file path=ppt/slides/slide15.xml><?xml version="1.0" encoding="utf-8"?>
+<file path=ppt/slides/slide16.xml><?xml version="1.0" encoding="utf-8"?>
 <p:sld xmlns:a="http://schemas.openxmlformats.org/drawingml/2006/main" xmlns:r="http://schemas.openxmlformats.org/officeDocument/2006/relationships" xmlns:p="http://schemas.openxmlformats.org/presentationml/2006/main">
   <p:cSld>
     <p:spTree>
@@ -7512,7 +8533,7 @@
                 <a:latin typeface="+mn-lt"/>
               </a:rPr>
               <a:pPr/>
-              <a:t>15</a:t>
+              <a:t>16</a:t>
             </a:fld>
             <a:endParaRPr lang="en-US" dirty="0">
               <a:latin typeface="+mn-lt"/>
@@ -7648,8 +8669,8 @@
           </a:p>
         </p:txBody>
       </p:sp>
-      <mc:AlternateContent xmlns:mc="http://schemas.openxmlformats.org/markup-compatibility/2006">
-        <mc:Choice xmlns:a14="http://schemas.microsoft.com/office/drawing/2010/main" Requires="a14">
+      <mc:AlternateContent xmlns:mc="http://schemas.openxmlformats.org/markup-compatibility/2006" xmlns:a14="http://schemas.microsoft.com/office/drawing/2010/main">
+        <mc:Choice Requires="a14">
           <p:sp>
             <p:nvSpPr>
               <p:cNvPr id="3" name="TextBox 2">
@@ -7839,7 +8860,7 @@
             </p:txBody>
           </p:sp>
         </mc:Choice>
-        <mc:Fallback>
+        <mc:Fallback xmlns="">
           <p:sp>
             <p:nvSpPr>
               <p:cNvPr id="3" name="TextBox 2">
@@ -7884,8 +8905,8 @@
           </p:sp>
         </mc:Fallback>
       </mc:AlternateContent>
-      <mc:AlternateContent xmlns:mc="http://schemas.openxmlformats.org/markup-compatibility/2006">
-        <mc:Choice xmlns:a14="http://schemas.microsoft.com/office/drawing/2010/main" Requires="a14">
+      <mc:AlternateContent xmlns:mc="http://schemas.openxmlformats.org/markup-compatibility/2006" xmlns:a14="http://schemas.microsoft.com/office/drawing/2010/main">
+        <mc:Choice Requires="a14">
           <p:sp>
             <p:nvSpPr>
               <p:cNvPr id="5" name="TextBox 4">
@@ -8524,7 +9545,7 @@
             </p:txBody>
           </p:sp>
         </mc:Choice>
-        <mc:Fallback>
+        <mc:Fallback xmlns="">
           <p:sp>
             <p:nvSpPr>
               <p:cNvPr id="5" name="TextBox 4">
@@ -8651,354 +9672,6 @@
 </p:sld>
 </file>
 
-<file path=ppt/slides/slide16.xml><?xml version="1.0" encoding="utf-8"?>
-<p:sld xmlns:a="http://schemas.openxmlformats.org/drawingml/2006/main" xmlns:r="http://schemas.openxmlformats.org/officeDocument/2006/relationships" xmlns:p="http://schemas.openxmlformats.org/presentationml/2006/main">
-  <p:cSld>
-    <p:spTree>
-      <p:nvGrpSpPr>
-        <p:cNvPr id="1" name=""/>
-        <p:cNvGrpSpPr/>
-        <p:nvPr/>
-      </p:nvGrpSpPr>
-      <p:grpSpPr>
-        <a:xfrm>
-          <a:off x="0" y="0"/>
-          <a:ext cx="0" cy="0"/>
-          <a:chOff x="0" y="0"/>
-          <a:chExt cx="0" cy="0"/>
-        </a:xfrm>
-      </p:grpSpPr>
-      <p:sp>
-        <p:nvSpPr>
-          <p:cNvPr id="12" name="Title 1">
-            <a:extLst>
-              <a:ext uri="{FF2B5EF4-FFF2-40B4-BE49-F238E27FC236}">
-                <a16:creationId xmlns:a16="http://schemas.microsoft.com/office/drawing/2014/main" id="{F600CC51-EA69-FE94-1C46-6350D057D1A4}"/>
-              </a:ext>
-            </a:extLst>
-          </p:cNvPr>
-          <p:cNvSpPr>
-            <a:spLocks noGrp="1"/>
-          </p:cNvSpPr>
-          <p:nvPr>
-            <p:ph type="title"/>
-          </p:nvPr>
-        </p:nvSpPr>
-        <p:spPr>
-          <a:xfrm>
-            <a:off x="280415" y="268225"/>
-            <a:ext cx="10052305" cy="950972"/>
-          </a:xfrm>
-        </p:spPr>
-        <p:txBody>
-          <a:bodyPr>
-            <a:normAutofit fontScale="90000"/>
-          </a:bodyPr>
-          <a:lstStyle/>
-          <a:p>
-            <a:r>
-              <a:rPr lang="en-US" sz="4400" dirty="0">
-                <a:solidFill>
-                  <a:srgbClr val="0070C0"/>
-                </a:solidFill>
-                <a:latin typeface="IBM Plex Sans Light" panose="020B0403050203000203" pitchFamily="34" charset="0"/>
-              </a:rPr>
-              <a:t>Quantum Support Vector Classifier (QSVC)</a:t>
-            </a:r>
-          </a:p>
-        </p:txBody>
-      </p:sp>
-      <p:sp>
-        <p:nvSpPr>
-          <p:cNvPr id="4" name="Slide Number Placeholder 3">
-            <a:extLst>
-              <a:ext uri="{FF2B5EF4-FFF2-40B4-BE49-F238E27FC236}">
-                <a16:creationId xmlns:a16="http://schemas.microsoft.com/office/drawing/2014/main" id="{38D4585E-21EC-FF4F-B0F2-2FAAC44D6C9F}"/>
-              </a:ext>
-            </a:extLst>
-          </p:cNvPr>
-          <p:cNvSpPr>
-            <a:spLocks noGrp="1"/>
-          </p:cNvSpPr>
-          <p:nvPr>
-            <p:ph type="sldNum" sz="quarter" idx="11"/>
-          </p:nvPr>
-        </p:nvSpPr>
-        <p:spPr>
-          <a:xfrm>
-            <a:off x="11292886" y="6707099"/>
-            <a:ext cx="60914" cy="123111"/>
-          </a:xfrm>
-        </p:spPr>
-        <p:txBody>
-          <a:bodyPr/>
-          <a:lstStyle/>
-          <a:p>
-            <a:fld id="{59395FB3-9C97-154F-86B2-7E381B951268}" type="slidenum">
-              <a:rPr lang="en-US" smtClean="0">
-                <a:latin typeface="+mn-lt"/>
-              </a:rPr>
-              <a:pPr/>
-              <a:t>16</a:t>
-            </a:fld>
-            <a:endParaRPr lang="en-US" dirty="0">
-              <a:latin typeface="+mn-lt"/>
-            </a:endParaRPr>
-          </a:p>
-        </p:txBody>
-      </p:sp>
-      <p:sp>
-        <p:nvSpPr>
-          <p:cNvPr id="2" name="Footer Placeholder 1">
-            <a:extLst>
-              <a:ext uri="{FF2B5EF4-FFF2-40B4-BE49-F238E27FC236}">
-                <a16:creationId xmlns:a16="http://schemas.microsoft.com/office/drawing/2014/main" id="{F2D21A02-2F24-ECF4-B652-66F62D3FD7F4}"/>
-              </a:ext>
-            </a:extLst>
-          </p:cNvPr>
-          <p:cNvSpPr txBox="1">
-            <a:spLocks/>
-          </p:cNvSpPr>
-          <p:nvPr/>
-        </p:nvSpPr>
-        <p:spPr>
-          <a:xfrm>
-            <a:off x="197700" y="6523428"/>
-            <a:ext cx="4106287" cy="132693"/>
-          </a:xfrm>
-          <a:prstGeom prst="rect">
-            <a:avLst/>
-          </a:prstGeom>
-        </p:spPr>
-        <p:txBody>
-          <a:bodyPr/>
-          <a:lstStyle>
-            <a:defPPr>
-              <a:defRPr lang="en-US"/>
-            </a:defPPr>
-            <a:lvl1pPr marL="0" algn="l" defTabSz="1829379" rtl="0" eaLnBrk="1" latinLnBrk="0" hangingPunct="1">
-              <a:defRPr sz="3600" kern="1200">
-                <a:solidFill>
-                  <a:schemeClr val="tx1"/>
-                </a:solidFill>
-                <a:latin typeface="+mn-lt"/>
-                <a:ea typeface="+mn-ea"/>
-                <a:cs typeface="+mn-cs"/>
-              </a:defRPr>
-            </a:lvl1pPr>
-            <a:lvl2pPr marL="914688" algn="l" defTabSz="1829379" rtl="0" eaLnBrk="1" latinLnBrk="0" hangingPunct="1">
-              <a:defRPr sz="3600" kern="1200">
-                <a:solidFill>
-                  <a:schemeClr val="tx1"/>
-                </a:solidFill>
-                <a:latin typeface="+mn-lt"/>
-                <a:ea typeface="+mn-ea"/>
-                <a:cs typeface="+mn-cs"/>
-              </a:defRPr>
-            </a:lvl2pPr>
-            <a:lvl3pPr marL="1829379" algn="l" defTabSz="1829379" rtl="0" eaLnBrk="1" latinLnBrk="0" hangingPunct="1">
-              <a:defRPr sz="3600" kern="1200">
-                <a:solidFill>
-                  <a:schemeClr val="tx1"/>
-                </a:solidFill>
-                <a:latin typeface="+mn-lt"/>
-                <a:ea typeface="+mn-ea"/>
-                <a:cs typeface="+mn-cs"/>
-              </a:defRPr>
-            </a:lvl3pPr>
-            <a:lvl4pPr marL="2744068" algn="l" defTabSz="1829379" rtl="0" eaLnBrk="1" latinLnBrk="0" hangingPunct="1">
-              <a:defRPr sz="3600" kern="1200">
-                <a:solidFill>
-                  <a:schemeClr val="tx1"/>
-                </a:solidFill>
-                <a:latin typeface="+mn-lt"/>
-                <a:ea typeface="+mn-ea"/>
-                <a:cs typeface="+mn-cs"/>
-              </a:defRPr>
-            </a:lvl4pPr>
-            <a:lvl5pPr marL="3658759" algn="l" defTabSz="1829379" rtl="0" eaLnBrk="1" latinLnBrk="0" hangingPunct="1">
-              <a:defRPr sz="3600" kern="1200">
-                <a:solidFill>
-                  <a:schemeClr val="tx1"/>
-                </a:solidFill>
-                <a:latin typeface="+mn-lt"/>
-                <a:ea typeface="+mn-ea"/>
-                <a:cs typeface="+mn-cs"/>
-              </a:defRPr>
-            </a:lvl5pPr>
-            <a:lvl6pPr marL="4573447" algn="l" defTabSz="1829379" rtl="0" eaLnBrk="1" latinLnBrk="0" hangingPunct="1">
-              <a:defRPr sz="3600" kern="1200">
-                <a:solidFill>
-                  <a:schemeClr val="tx1"/>
-                </a:solidFill>
-                <a:latin typeface="+mn-lt"/>
-                <a:ea typeface="+mn-ea"/>
-                <a:cs typeface="+mn-cs"/>
-              </a:defRPr>
-            </a:lvl6pPr>
-            <a:lvl7pPr marL="5488138" algn="l" defTabSz="1829379" rtl="0" eaLnBrk="1" latinLnBrk="0" hangingPunct="1">
-              <a:defRPr sz="3600" kern="1200">
-                <a:solidFill>
-                  <a:schemeClr val="tx1"/>
-                </a:solidFill>
-                <a:latin typeface="+mn-lt"/>
-                <a:ea typeface="+mn-ea"/>
-                <a:cs typeface="+mn-cs"/>
-              </a:defRPr>
-            </a:lvl7pPr>
-            <a:lvl8pPr marL="6402827" algn="l" defTabSz="1829379" rtl="0" eaLnBrk="1" latinLnBrk="0" hangingPunct="1">
-              <a:defRPr sz="3600" kern="1200">
-                <a:solidFill>
-                  <a:schemeClr val="tx1"/>
-                </a:solidFill>
-                <a:latin typeface="+mn-lt"/>
-                <a:ea typeface="+mn-ea"/>
-                <a:cs typeface="+mn-cs"/>
-              </a:defRPr>
-            </a:lvl8pPr>
-            <a:lvl9pPr marL="7317518" algn="l" defTabSz="1829379" rtl="0" eaLnBrk="1" latinLnBrk="0" hangingPunct="1">
-              <a:defRPr sz="3600" kern="1200">
-                <a:solidFill>
-                  <a:schemeClr val="tx1"/>
-                </a:solidFill>
-                <a:latin typeface="+mn-lt"/>
-                <a:ea typeface="+mn-ea"/>
-                <a:cs typeface="+mn-cs"/>
-              </a:defRPr>
-            </a:lvl9pPr>
-          </a:lstStyle>
-          <a:p>
-            <a:r>
-              <a:rPr lang="en-US" sz="1200" dirty="0"/>
-              <a:t>IBM Quantum</a:t>
-            </a:r>
-          </a:p>
-        </p:txBody>
-      </p:sp>
-      <p:sp>
-        <p:nvSpPr>
-          <p:cNvPr id="5" name="TextBox 4">
-            <a:extLst>
-              <a:ext uri="{FF2B5EF4-FFF2-40B4-BE49-F238E27FC236}">
-                <a16:creationId xmlns:a16="http://schemas.microsoft.com/office/drawing/2014/main" id="{65741438-9137-77E0-332C-16E87FE65285}"/>
-              </a:ext>
-            </a:extLst>
-          </p:cNvPr>
-          <p:cNvSpPr txBox="1"/>
-          <p:nvPr/>
-        </p:nvSpPr>
-        <p:spPr>
-          <a:xfrm>
-            <a:off x="361604" y="1517073"/>
-            <a:ext cx="10810701" cy="2862322"/>
-          </a:xfrm>
-          <a:prstGeom prst="rect">
-            <a:avLst/>
-          </a:prstGeom>
-          <a:noFill/>
-        </p:spPr>
-        <p:txBody>
-          <a:bodyPr wrap="square" rtlCol="0">
-            <a:spAutoFit/>
-          </a:bodyPr>
-          <a:lstStyle/>
-          <a:p>
-            <a:pPr marL="285750" indent="-285750">
-              <a:buFont typeface="Arial" panose="020B0604020202020204" pitchFamily="34" charset="0"/>
-              <a:buChar char="•"/>
-            </a:pPr>
-            <a:r>
-              <a:rPr lang="en-US" dirty="0"/>
-              <a:t>Variational quantum classifier (VQC) is the simplest classifier available in </a:t>
-            </a:r>
-            <a:r>
-              <a:rPr lang="en-US" dirty="0" err="1"/>
-              <a:t>Qiskit</a:t>
-            </a:r>
-            <a:r>
-              <a:rPr lang="en-US" dirty="0"/>
-              <a:t> Machine Learning and is a good starting point for newcomers to quantum machine learning who have a background in classical machine learning.</a:t>
-            </a:r>
-          </a:p>
-          <a:p>
-            <a:pPr marL="285750" indent="-285750">
-              <a:buFont typeface="Arial" panose="020B0604020202020204" pitchFamily="34" charset="0"/>
-              <a:buChar char="•"/>
-            </a:pPr>
-            <a:endParaRPr lang="en-US" dirty="0"/>
-          </a:p>
-          <a:p>
-            <a:pPr marL="285750" indent="-285750">
-              <a:buFont typeface="Arial" panose="020B0604020202020204" pitchFamily="34" charset="0"/>
-              <a:buChar char="•"/>
-            </a:pPr>
-            <a:r>
-              <a:rPr lang="en-US" dirty="0"/>
-              <a:t> Two of its central elements are the feature map and ansatz.</a:t>
-            </a:r>
-          </a:p>
-          <a:p>
-            <a:pPr marL="285750" indent="-285750">
-              <a:buFont typeface="Arial" panose="020B0604020202020204" pitchFamily="34" charset="0"/>
-              <a:buChar char="•"/>
-            </a:pPr>
-            <a:endParaRPr lang="en-US" dirty="0"/>
-          </a:p>
-          <a:p>
-            <a:pPr marL="285750" indent="-285750">
-              <a:buFont typeface="Arial" panose="020B0604020202020204" pitchFamily="34" charset="0"/>
-              <a:buChar char="•"/>
-            </a:pPr>
-            <a:r>
-              <a:rPr lang="en-US" dirty="0"/>
-              <a:t>Our data is classical, meaning it consists of a set of bits, not qubits. We need a way to encode the data as qubits. This process is crucial if we want to obtain an effective quantum model. This is the role of the feature map. While feature mapping is a common ML mechanism, this process of loading data into quantum states does not appear in classical machine learning as that only operates in the classical world.</a:t>
-            </a:r>
-          </a:p>
-        </p:txBody>
-      </p:sp>
-      <p:pic>
-        <p:nvPicPr>
-          <p:cNvPr id="6" name="Picture 5">
-            <a:extLst>
-              <a:ext uri="{FF2B5EF4-FFF2-40B4-BE49-F238E27FC236}">
-                <a16:creationId xmlns:a16="http://schemas.microsoft.com/office/drawing/2014/main" id="{93E896B3-3847-9211-EBB3-AA799781652D}"/>
-              </a:ext>
-            </a:extLst>
-          </p:cNvPr>
-          <p:cNvPicPr>
-            <a:picLocks noChangeAspect="1"/>
-          </p:cNvPicPr>
-          <p:nvPr/>
-        </p:nvPicPr>
-        <p:blipFill>
-          <a:blip r:embed="rId2"/>
-          <a:stretch>
-            <a:fillRect/>
-          </a:stretch>
-        </p:blipFill>
-        <p:spPr>
-          <a:xfrm>
-            <a:off x="3128962" y="4431009"/>
-            <a:ext cx="4821399" cy="2040804"/>
-          </a:xfrm>
-          <a:prstGeom prst="rect">
-            <a:avLst/>
-          </a:prstGeom>
-        </p:spPr>
-      </p:pic>
-    </p:spTree>
-    <p:extLst>
-      <p:ext uri="{BB962C8B-B14F-4D97-AF65-F5344CB8AC3E}">
-        <p14:creationId xmlns:p14="http://schemas.microsoft.com/office/powerpoint/2010/main" val="3822194519"/>
-      </p:ext>
-    </p:extLst>
-  </p:cSld>
-  <p:clrMapOvr>
-    <a:masterClrMapping/>
-  </p:clrMapOvr>
-</p:sld>
-</file>
-
 <file path=ppt/slides/slide17.xml><?xml version="1.0" encoding="utf-8"?>
 <p:sld xmlns:a="http://schemas.openxmlformats.org/drawingml/2006/main" xmlns:r="http://schemas.openxmlformats.org/officeDocument/2006/relationships" xmlns:p="http://schemas.openxmlformats.org/presentationml/2006/main">
   <p:cSld>
@@ -9035,12 +9708,12 @@
         <p:spPr>
           <a:xfrm>
             <a:off x="280415" y="268225"/>
-            <a:ext cx="9310393" cy="950972"/>
+            <a:ext cx="10052305" cy="950972"/>
           </a:xfrm>
         </p:spPr>
         <p:txBody>
           <a:bodyPr>
-            <a:normAutofit/>
+            <a:normAutofit fontScale="90000"/>
           </a:bodyPr>
           <a:lstStyle/>
           <a:p>
@@ -9051,7 +9724,7 @@
                 </a:solidFill>
                 <a:latin typeface="IBM Plex Sans Light" panose="020B0403050203000203" pitchFamily="34" charset="0"/>
               </a:rPr>
-              <a:t>Variational quantum classifier</a:t>
+              <a:t>Quantum Support Vector Classifier (QSVC)</a:t>
             </a:r>
           </a:p>
         </p:txBody>
@@ -9088,6 +9761,354 @@
               </a:rPr>
               <a:pPr/>
               <a:t>17</a:t>
+            </a:fld>
+            <a:endParaRPr lang="en-US" dirty="0">
+              <a:latin typeface="+mn-lt"/>
+            </a:endParaRPr>
+          </a:p>
+        </p:txBody>
+      </p:sp>
+      <p:sp>
+        <p:nvSpPr>
+          <p:cNvPr id="2" name="Footer Placeholder 1">
+            <a:extLst>
+              <a:ext uri="{FF2B5EF4-FFF2-40B4-BE49-F238E27FC236}">
+                <a16:creationId xmlns:a16="http://schemas.microsoft.com/office/drawing/2014/main" id="{F2D21A02-2F24-ECF4-B652-66F62D3FD7F4}"/>
+              </a:ext>
+            </a:extLst>
+          </p:cNvPr>
+          <p:cNvSpPr txBox="1">
+            <a:spLocks/>
+          </p:cNvSpPr>
+          <p:nvPr/>
+        </p:nvSpPr>
+        <p:spPr>
+          <a:xfrm>
+            <a:off x="197700" y="6523428"/>
+            <a:ext cx="4106287" cy="132693"/>
+          </a:xfrm>
+          <a:prstGeom prst="rect">
+            <a:avLst/>
+          </a:prstGeom>
+        </p:spPr>
+        <p:txBody>
+          <a:bodyPr/>
+          <a:lstStyle>
+            <a:defPPr>
+              <a:defRPr lang="en-US"/>
+            </a:defPPr>
+            <a:lvl1pPr marL="0" algn="l" defTabSz="1829379" rtl="0" eaLnBrk="1" latinLnBrk="0" hangingPunct="1">
+              <a:defRPr sz="3600" kern="1200">
+                <a:solidFill>
+                  <a:schemeClr val="tx1"/>
+                </a:solidFill>
+                <a:latin typeface="+mn-lt"/>
+                <a:ea typeface="+mn-ea"/>
+                <a:cs typeface="+mn-cs"/>
+              </a:defRPr>
+            </a:lvl1pPr>
+            <a:lvl2pPr marL="914688" algn="l" defTabSz="1829379" rtl="0" eaLnBrk="1" latinLnBrk="0" hangingPunct="1">
+              <a:defRPr sz="3600" kern="1200">
+                <a:solidFill>
+                  <a:schemeClr val="tx1"/>
+                </a:solidFill>
+                <a:latin typeface="+mn-lt"/>
+                <a:ea typeface="+mn-ea"/>
+                <a:cs typeface="+mn-cs"/>
+              </a:defRPr>
+            </a:lvl2pPr>
+            <a:lvl3pPr marL="1829379" algn="l" defTabSz="1829379" rtl="0" eaLnBrk="1" latinLnBrk="0" hangingPunct="1">
+              <a:defRPr sz="3600" kern="1200">
+                <a:solidFill>
+                  <a:schemeClr val="tx1"/>
+                </a:solidFill>
+                <a:latin typeface="+mn-lt"/>
+                <a:ea typeface="+mn-ea"/>
+                <a:cs typeface="+mn-cs"/>
+              </a:defRPr>
+            </a:lvl3pPr>
+            <a:lvl4pPr marL="2744068" algn="l" defTabSz="1829379" rtl="0" eaLnBrk="1" latinLnBrk="0" hangingPunct="1">
+              <a:defRPr sz="3600" kern="1200">
+                <a:solidFill>
+                  <a:schemeClr val="tx1"/>
+                </a:solidFill>
+                <a:latin typeface="+mn-lt"/>
+                <a:ea typeface="+mn-ea"/>
+                <a:cs typeface="+mn-cs"/>
+              </a:defRPr>
+            </a:lvl4pPr>
+            <a:lvl5pPr marL="3658759" algn="l" defTabSz="1829379" rtl="0" eaLnBrk="1" latinLnBrk="0" hangingPunct="1">
+              <a:defRPr sz="3600" kern="1200">
+                <a:solidFill>
+                  <a:schemeClr val="tx1"/>
+                </a:solidFill>
+                <a:latin typeface="+mn-lt"/>
+                <a:ea typeface="+mn-ea"/>
+                <a:cs typeface="+mn-cs"/>
+              </a:defRPr>
+            </a:lvl5pPr>
+            <a:lvl6pPr marL="4573447" algn="l" defTabSz="1829379" rtl="0" eaLnBrk="1" latinLnBrk="0" hangingPunct="1">
+              <a:defRPr sz="3600" kern="1200">
+                <a:solidFill>
+                  <a:schemeClr val="tx1"/>
+                </a:solidFill>
+                <a:latin typeface="+mn-lt"/>
+                <a:ea typeface="+mn-ea"/>
+                <a:cs typeface="+mn-cs"/>
+              </a:defRPr>
+            </a:lvl6pPr>
+            <a:lvl7pPr marL="5488138" algn="l" defTabSz="1829379" rtl="0" eaLnBrk="1" latinLnBrk="0" hangingPunct="1">
+              <a:defRPr sz="3600" kern="1200">
+                <a:solidFill>
+                  <a:schemeClr val="tx1"/>
+                </a:solidFill>
+                <a:latin typeface="+mn-lt"/>
+                <a:ea typeface="+mn-ea"/>
+                <a:cs typeface="+mn-cs"/>
+              </a:defRPr>
+            </a:lvl7pPr>
+            <a:lvl8pPr marL="6402827" algn="l" defTabSz="1829379" rtl="0" eaLnBrk="1" latinLnBrk="0" hangingPunct="1">
+              <a:defRPr sz="3600" kern="1200">
+                <a:solidFill>
+                  <a:schemeClr val="tx1"/>
+                </a:solidFill>
+                <a:latin typeface="+mn-lt"/>
+                <a:ea typeface="+mn-ea"/>
+                <a:cs typeface="+mn-cs"/>
+              </a:defRPr>
+            </a:lvl8pPr>
+            <a:lvl9pPr marL="7317518" algn="l" defTabSz="1829379" rtl="0" eaLnBrk="1" latinLnBrk="0" hangingPunct="1">
+              <a:defRPr sz="3600" kern="1200">
+                <a:solidFill>
+                  <a:schemeClr val="tx1"/>
+                </a:solidFill>
+                <a:latin typeface="+mn-lt"/>
+                <a:ea typeface="+mn-ea"/>
+                <a:cs typeface="+mn-cs"/>
+              </a:defRPr>
+            </a:lvl9pPr>
+          </a:lstStyle>
+          <a:p>
+            <a:r>
+              <a:rPr lang="en-US" sz="1200" dirty="0"/>
+              <a:t>IBM Quantum</a:t>
+            </a:r>
+          </a:p>
+        </p:txBody>
+      </p:sp>
+      <p:sp>
+        <p:nvSpPr>
+          <p:cNvPr id="5" name="TextBox 4">
+            <a:extLst>
+              <a:ext uri="{FF2B5EF4-FFF2-40B4-BE49-F238E27FC236}">
+                <a16:creationId xmlns:a16="http://schemas.microsoft.com/office/drawing/2014/main" id="{65741438-9137-77E0-332C-16E87FE65285}"/>
+              </a:ext>
+            </a:extLst>
+          </p:cNvPr>
+          <p:cNvSpPr txBox="1"/>
+          <p:nvPr/>
+        </p:nvSpPr>
+        <p:spPr>
+          <a:xfrm>
+            <a:off x="361604" y="1517073"/>
+            <a:ext cx="10810701" cy="2862322"/>
+          </a:xfrm>
+          <a:prstGeom prst="rect">
+            <a:avLst/>
+          </a:prstGeom>
+          <a:noFill/>
+        </p:spPr>
+        <p:txBody>
+          <a:bodyPr wrap="square" rtlCol="0">
+            <a:spAutoFit/>
+          </a:bodyPr>
+          <a:lstStyle/>
+          <a:p>
+            <a:pPr marL="285750" indent="-285750">
+              <a:buFont typeface="Arial" panose="020B0604020202020204" pitchFamily="34" charset="0"/>
+              <a:buChar char="•"/>
+            </a:pPr>
+            <a:r>
+              <a:rPr lang="en-US" dirty="0"/>
+              <a:t>Variational quantum classifier (VQC) is the simplest classifier available in </a:t>
+            </a:r>
+            <a:r>
+              <a:rPr lang="en-US" dirty="0" err="1"/>
+              <a:t>Qiskit</a:t>
+            </a:r>
+            <a:r>
+              <a:rPr lang="en-US" dirty="0"/>
+              <a:t> Machine Learning and is a good starting point for newcomers to quantum machine learning who have a background in classical machine learning.</a:t>
+            </a:r>
+          </a:p>
+          <a:p>
+            <a:pPr marL="285750" indent="-285750">
+              <a:buFont typeface="Arial" panose="020B0604020202020204" pitchFamily="34" charset="0"/>
+              <a:buChar char="•"/>
+            </a:pPr>
+            <a:endParaRPr lang="en-US" dirty="0"/>
+          </a:p>
+          <a:p>
+            <a:pPr marL="285750" indent="-285750">
+              <a:buFont typeface="Arial" panose="020B0604020202020204" pitchFamily="34" charset="0"/>
+              <a:buChar char="•"/>
+            </a:pPr>
+            <a:r>
+              <a:rPr lang="en-US" dirty="0"/>
+              <a:t> Two of its central elements are the feature map and ansatz.</a:t>
+            </a:r>
+          </a:p>
+          <a:p>
+            <a:pPr marL="285750" indent="-285750">
+              <a:buFont typeface="Arial" panose="020B0604020202020204" pitchFamily="34" charset="0"/>
+              <a:buChar char="•"/>
+            </a:pPr>
+            <a:endParaRPr lang="en-US" dirty="0"/>
+          </a:p>
+          <a:p>
+            <a:pPr marL="285750" indent="-285750">
+              <a:buFont typeface="Arial" panose="020B0604020202020204" pitchFamily="34" charset="0"/>
+              <a:buChar char="•"/>
+            </a:pPr>
+            <a:r>
+              <a:rPr lang="en-US" dirty="0"/>
+              <a:t>Our data is classical, meaning it consists of a set of bits, not qubits. We need a way to encode the data as qubits. This process is crucial if we want to obtain an effective quantum model. This is the role of the feature map. While feature mapping is a common ML mechanism, this process of loading data into quantum states does not appear in classical machine learning as that only operates in the classical world.</a:t>
+            </a:r>
+          </a:p>
+        </p:txBody>
+      </p:sp>
+      <p:pic>
+        <p:nvPicPr>
+          <p:cNvPr id="6" name="Picture 5">
+            <a:extLst>
+              <a:ext uri="{FF2B5EF4-FFF2-40B4-BE49-F238E27FC236}">
+                <a16:creationId xmlns:a16="http://schemas.microsoft.com/office/drawing/2014/main" id="{93E896B3-3847-9211-EBB3-AA799781652D}"/>
+              </a:ext>
+            </a:extLst>
+          </p:cNvPr>
+          <p:cNvPicPr>
+            <a:picLocks noChangeAspect="1"/>
+          </p:cNvPicPr>
+          <p:nvPr/>
+        </p:nvPicPr>
+        <p:blipFill>
+          <a:blip r:embed="rId2"/>
+          <a:stretch>
+            <a:fillRect/>
+          </a:stretch>
+        </p:blipFill>
+        <p:spPr>
+          <a:xfrm>
+            <a:off x="3128962" y="4431009"/>
+            <a:ext cx="4821399" cy="2040804"/>
+          </a:xfrm>
+          <a:prstGeom prst="rect">
+            <a:avLst/>
+          </a:prstGeom>
+        </p:spPr>
+      </p:pic>
+    </p:spTree>
+    <p:extLst>
+      <p:ext uri="{BB962C8B-B14F-4D97-AF65-F5344CB8AC3E}">
+        <p14:creationId xmlns:p14="http://schemas.microsoft.com/office/powerpoint/2010/main" val="3822194519"/>
+      </p:ext>
+    </p:extLst>
+  </p:cSld>
+  <p:clrMapOvr>
+    <a:masterClrMapping/>
+  </p:clrMapOvr>
+</p:sld>
+</file>
+
+<file path=ppt/slides/slide18.xml><?xml version="1.0" encoding="utf-8"?>
+<p:sld xmlns:a="http://schemas.openxmlformats.org/drawingml/2006/main" xmlns:r="http://schemas.openxmlformats.org/officeDocument/2006/relationships" xmlns:p="http://schemas.openxmlformats.org/presentationml/2006/main">
+  <p:cSld>
+    <p:spTree>
+      <p:nvGrpSpPr>
+        <p:cNvPr id="1" name=""/>
+        <p:cNvGrpSpPr/>
+        <p:nvPr/>
+      </p:nvGrpSpPr>
+      <p:grpSpPr>
+        <a:xfrm>
+          <a:off x="0" y="0"/>
+          <a:ext cx="0" cy="0"/>
+          <a:chOff x="0" y="0"/>
+          <a:chExt cx="0" cy="0"/>
+        </a:xfrm>
+      </p:grpSpPr>
+      <p:sp>
+        <p:nvSpPr>
+          <p:cNvPr id="12" name="Title 1">
+            <a:extLst>
+              <a:ext uri="{FF2B5EF4-FFF2-40B4-BE49-F238E27FC236}">
+                <a16:creationId xmlns:a16="http://schemas.microsoft.com/office/drawing/2014/main" id="{F600CC51-EA69-FE94-1C46-6350D057D1A4}"/>
+              </a:ext>
+            </a:extLst>
+          </p:cNvPr>
+          <p:cNvSpPr>
+            <a:spLocks noGrp="1"/>
+          </p:cNvSpPr>
+          <p:nvPr>
+            <p:ph type="title"/>
+          </p:nvPr>
+        </p:nvSpPr>
+        <p:spPr>
+          <a:xfrm>
+            <a:off x="280415" y="268225"/>
+            <a:ext cx="9310393" cy="950972"/>
+          </a:xfrm>
+        </p:spPr>
+        <p:txBody>
+          <a:bodyPr>
+            <a:normAutofit/>
+          </a:bodyPr>
+          <a:lstStyle/>
+          <a:p>
+            <a:r>
+              <a:rPr lang="en-US" sz="4400" dirty="0">
+                <a:solidFill>
+                  <a:srgbClr val="0070C0"/>
+                </a:solidFill>
+                <a:latin typeface="IBM Plex Sans Light" panose="020B0403050203000203" pitchFamily="34" charset="0"/>
+              </a:rPr>
+              <a:t>Variational quantum classifier</a:t>
+            </a:r>
+          </a:p>
+        </p:txBody>
+      </p:sp>
+      <p:sp>
+        <p:nvSpPr>
+          <p:cNvPr id="4" name="Slide Number Placeholder 3">
+            <a:extLst>
+              <a:ext uri="{FF2B5EF4-FFF2-40B4-BE49-F238E27FC236}">
+                <a16:creationId xmlns:a16="http://schemas.microsoft.com/office/drawing/2014/main" id="{38D4585E-21EC-FF4F-B0F2-2FAAC44D6C9F}"/>
+              </a:ext>
+            </a:extLst>
+          </p:cNvPr>
+          <p:cNvSpPr>
+            <a:spLocks noGrp="1"/>
+          </p:cNvSpPr>
+          <p:nvPr>
+            <p:ph type="sldNum" sz="quarter" idx="11"/>
+          </p:nvPr>
+        </p:nvSpPr>
+        <p:spPr>
+          <a:xfrm>
+            <a:off x="11292886" y="6707099"/>
+            <a:ext cx="60914" cy="123111"/>
+          </a:xfrm>
+        </p:spPr>
+        <p:txBody>
+          <a:bodyPr/>
+          <a:lstStyle/>
+          <a:p>
+            <a:fld id="{59395FB3-9C97-154F-86B2-7E381B951268}" type="slidenum">
+              <a:rPr lang="en-US" smtClean="0">
+                <a:latin typeface="+mn-lt"/>
+              </a:rPr>
+              <a:pPr/>
+              <a:t>18</a:t>
             </a:fld>
             <a:endParaRPr lang="en-US" dirty="0">
               <a:latin typeface="+mn-lt"/>
@@ -9380,7 +10401,7 @@
         </p:spPr>
         <p:txBody>
           <a:bodyPr>
-            <a:normAutofit fontScale="90000"/>
+            <a:normAutofit/>
           </a:bodyPr>
           <a:lstStyle/>
           <a:p>
@@ -9391,7 +10412,7 @@
                 </a:solidFill>
                 <a:latin typeface="IBM Plex Sans Light" panose="020B0403050203000203" pitchFamily="34" charset="0"/>
               </a:rPr>
-              <a:t>Variational quantum algorithms (VQA)</a:t>
+              <a:t>Learning outcomes of Session 2</a:t>
             </a:r>
           </a:p>
         </p:txBody>
@@ -9577,8 +10598,8 @@
         </p:nvSpPr>
         <p:spPr>
           <a:xfrm>
-            <a:off x="347595" y="1720840"/>
-            <a:ext cx="10393680" cy="3416320"/>
+            <a:off x="280415" y="1983348"/>
+            <a:ext cx="10393680" cy="3139321"/>
           </a:xfrm>
           <a:prstGeom prst="rect">
             <a:avLst/>
@@ -9601,16 +10622,8 @@
                 <a:ea typeface="IBM Plex Sans" charset="0"/>
                 <a:cs typeface="Arial" panose="020B0604020202020204" pitchFamily="34" charset="0"/>
               </a:rPr>
-              <a:t>Near-term hybrid quantum-classical algorithms based on the variational theorem of quantum mechanics</a:t>
-            </a:r>
-          </a:p>
-          <a:p>
-            <a:pPr algn="l"/>
-            <a:endParaRPr lang="en-US" dirty="0">
-              <a:latin typeface="IBM Plex Sans Light" panose="020B0403050203000203" pitchFamily="34" charset="0"/>
-              <a:ea typeface="IBM Plex Sans" charset="0"/>
-              <a:cs typeface="Arial" panose="020B0604020202020204" pitchFamily="34" charset="0"/>
-            </a:endParaRPr>
+              <a:t>Learning different transpilation strategies for quantum circuits</a:t>
+            </a:r>
           </a:p>
           <a:p>
             <a:pPr marL="285750" indent="-285750" algn="l">
@@ -9623,16 +10636,8 @@
                 <a:ea typeface="IBM Plex Sans" charset="0"/>
                 <a:cs typeface="Arial" panose="020B0604020202020204" pitchFamily="34" charset="0"/>
               </a:rPr>
-              <a:t>These algorithms can leverage the utility provided by today's non-fault-tolerant quantum computers, making them ideal candidates to achieve quantum advantage</a:t>
-            </a:r>
-          </a:p>
-          <a:p>
-            <a:pPr algn="l"/>
-            <a:endParaRPr lang="en-US" dirty="0">
-              <a:latin typeface="IBM Plex Sans Light" panose="020B0403050203000203" pitchFamily="34" charset="0"/>
-              <a:ea typeface="IBM Plex Sans" charset="0"/>
-              <a:cs typeface="Arial" panose="020B0604020202020204" pitchFamily="34" charset="0"/>
-            </a:endParaRPr>
+              <a:t>Running noiseless simulations with the primitives</a:t>
+            </a:r>
           </a:p>
           <a:p>
             <a:pPr marL="285750" indent="-285750" algn="l">
@@ -9645,7 +10650,91 @@
                 <a:ea typeface="IBM Plex Sans" charset="0"/>
                 <a:cs typeface="Arial" panose="020B0604020202020204" pitchFamily="34" charset="0"/>
               </a:rPr>
-              <a:t>Variational algorithms are very commonly used in near term quantum optimization and quantum machine learning (QML) algorithms in various forms.</a:t>
+              <a:t>Learning how to submit a job to a quantum backend</a:t>
+            </a:r>
+          </a:p>
+          <a:p>
+            <a:pPr marL="285750" indent="-285750" algn="l">
+              <a:buFont typeface="Arial" panose="020B0604020202020204" pitchFamily="34" charset="0"/>
+              <a:buChar char="•"/>
+            </a:pPr>
+            <a:r>
+              <a:rPr lang="en-US" dirty="0">
+                <a:latin typeface="IBM Plex Sans Light" panose="020B0403050203000203" pitchFamily="34" charset="0"/>
+                <a:ea typeface="IBM Plex Sans" charset="0"/>
+                <a:cs typeface="Arial" panose="020B0604020202020204" pitchFamily="34" charset="0"/>
+              </a:rPr>
+              <a:t>Learning the overall structure of variational quantum algorithms (VQAs)</a:t>
+            </a:r>
+          </a:p>
+          <a:p>
+            <a:pPr marL="285750" indent="-285750" algn="l">
+              <a:buFont typeface="Arial" panose="020B0604020202020204" pitchFamily="34" charset="0"/>
+              <a:buChar char="•"/>
+            </a:pPr>
+            <a:r>
+              <a:rPr lang="en-US" dirty="0">
+                <a:latin typeface="IBM Plex Sans Light" panose="020B0403050203000203" pitchFamily="34" charset="0"/>
+                <a:ea typeface="IBM Plex Sans" charset="0"/>
+                <a:cs typeface="Arial" panose="020B0604020202020204" pitchFamily="34" charset="0"/>
+              </a:rPr>
+              <a:t>Analyzing the individual components for problem-specific VQAs</a:t>
+            </a:r>
+          </a:p>
+          <a:p>
+            <a:pPr marL="285750" indent="-285750" algn="l">
+              <a:buFont typeface="Arial" panose="020B0604020202020204" pitchFamily="34" charset="0"/>
+              <a:buChar char="•"/>
+            </a:pPr>
+            <a:r>
+              <a:rPr lang="en-US" dirty="0">
+                <a:latin typeface="IBM Plex Sans Light" panose="020B0403050203000203" pitchFamily="34" charset="0"/>
+                <a:ea typeface="IBM Plex Sans" charset="0"/>
+                <a:cs typeface="Arial" panose="020B0604020202020204" pitchFamily="34" charset="0"/>
+              </a:rPr>
+              <a:t>Learning and proving the variational theorem of quantum mechanics</a:t>
+            </a:r>
+          </a:p>
+          <a:p>
+            <a:pPr marL="285750" indent="-285750" algn="l">
+              <a:buFont typeface="Arial" panose="020B0604020202020204" pitchFamily="34" charset="0"/>
+              <a:buChar char="•"/>
+            </a:pPr>
+            <a:r>
+              <a:rPr lang="en-US" dirty="0">
+                <a:latin typeface="IBM Plex Sans Light" panose="020B0403050203000203" pitchFamily="34" charset="0"/>
+                <a:ea typeface="IBM Plex Sans" charset="0"/>
+                <a:cs typeface="Arial" panose="020B0604020202020204" pitchFamily="34" charset="0"/>
+              </a:rPr>
+              <a:t>Understanding how to train parametrized circuits for quantum machine learning applications</a:t>
+            </a:r>
+          </a:p>
+          <a:p>
+            <a:pPr marL="285750" indent="-285750" algn="l">
+              <a:buFont typeface="Arial" panose="020B0604020202020204" pitchFamily="34" charset="0"/>
+              <a:buChar char="•"/>
+            </a:pPr>
+            <a:r>
+              <a:rPr lang="en-US" dirty="0">
+                <a:latin typeface="IBM Plex Sans Light" panose="020B0403050203000203" pitchFamily="34" charset="0"/>
+                <a:ea typeface="IBM Plex Sans" charset="0"/>
+                <a:cs typeface="Arial" panose="020B0604020202020204" pitchFamily="34" charset="0"/>
+              </a:rPr>
+              <a:t>Different encoding methods for data loading</a:t>
+            </a:r>
+          </a:p>
+          <a:p>
+            <a:pPr marL="285750" indent="-285750" algn="l">
+              <a:buFont typeface="Arial" panose="020B0604020202020204" pitchFamily="34" charset="0"/>
+              <a:buChar char="•"/>
+            </a:pPr>
+            <a:r>
+              <a:rPr lang="en-US" dirty="0">
+                <a:latin typeface="IBM Plex Sans Light" panose="020B0403050203000203" pitchFamily="34" charset="0"/>
+                <a:ea typeface="IBM Plex Sans" charset="0"/>
+                <a:cs typeface="Arial" panose="020B0604020202020204" pitchFamily="34" charset="0"/>
+              </a:rPr>
+              <a:t>More in-depth discussion about implementing quantum support vector classifiers (QSVC)</a:t>
             </a:r>
           </a:p>
           <a:p>
@@ -9660,24 +10749,7 @@
             </a:endParaRPr>
           </a:p>
           <a:p>
-            <a:pPr marL="285750" indent="-285750" algn="l">
-              <a:buFont typeface="Arial" panose="020B0604020202020204" pitchFamily="34" charset="0"/>
-              <a:buChar char="•"/>
-            </a:pPr>
-            <a:r>
-              <a:rPr lang="en-US" dirty="0">
-                <a:latin typeface="IBM Plex Sans Light" panose="020B0403050203000203" pitchFamily="34" charset="0"/>
-                <a:ea typeface="IBM Plex Sans" charset="0"/>
-                <a:cs typeface="Arial" panose="020B0604020202020204" pitchFamily="34" charset="0"/>
-              </a:rPr>
-              <a:t>Variational algorithms include several modular components that can be combined and optimized based on algorithm, software, and hardware advancements</a:t>
-            </a:r>
-          </a:p>
-          <a:p>
-            <a:pPr marL="285750" indent="-285750" algn="l">
-              <a:buFont typeface="Arial" panose="020B0604020202020204" pitchFamily="34" charset="0"/>
-              <a:buChar char="•"/>
-            </a:pPr>
+            <a:pPr algn="l"/>
             <a:endParaRPr lang="en-US" dirty="0">
               <a:latin typeface="IBM Plex Sans Light" panose="020B0403050203000203" pitchFamily="34" charset="0"/>
               <a:ea typeface="IBM Plex Sans" charset="0"/>
@@ -9689,7 +10761,7 @@
     </p:spTree>
     <p:extLst>
       <p:ext uri="{BB962C8B-B14F-4D97-AF65-F5344CB8AC3E}">
-        <p14:creationId xmlns:p14="http://schemas.microsoft.com/office/powerpoint/2010/main" val="3515196348"/>
+        <p14:creationId xmlns:p14="http://schemas.microsoft.com/office/powerpoint/2010/main" val="2037003642"/>
       </p:ext>
     </p:extLst>
   </p:cSld>
@@ -9740,7 +10812,7 @@
         </p:spPr>
         <p:txBody>
           <a:bodyPr>
-            <a:normAutofit/>
+            <a:normAutofit fontScale="90000"/>
           </a:bodyPr>
           <a:lstStyle/>
           <a:p>
@@ -9751,7 +10823,7 @@
                 </a:solidFill>
                 <a:latin typeface="IBM Plex Sans Light" panose="020B0403050203000203" pitchFamily="34" charset="0"/>
               </a:rPr>
-              <a:t>A typical simplified hybrid workflow</a:t>
+              <a:t>Variational quantum algorithms (VQA)</a:t>
             </a:r>
           </a:p>
         </p:txBody>
@@ -9923,318 +10995,133 @@
           </a:p>
         </p:txBody>
       </p:sp>
-      <p:pic>
-        <p:nvPicPr>
-          <p:cNvPr id="9" name="Picture 8">
-            <a:extLst>
-              <a:ext uri="{FF2B5EF4-FFF2-40B4-BE49-F238E27FC236}">
-                <a16:creationId xmlns:a16="http://schemas.microsoft.com/office/drawing/2014/main" id="{C0DAB86F-7CCD-1BAF-8C26-4463EADF5EA5}"/>
-              </a:ext>
-            </a:extLst>
-          </p:cNvPr>
-          <p:cNvPicPr>
-            <a:picLocks noChangeAspect="1"/>
-          </p:cNvPicPr>
+      <p:sp>
+        <p:nvSpPr>
+          <p:cNvPr id="6" name="TextBox 5">
+            <a:extLst>
+              <a:ext uri="{FF2B5EF4-FFF2-40B4-BE49-F238E27FC236}">
+                <a16:creationId xmlns:a16="http://schemas.microsoft.com/office/drawing/2014/main" id="{47238DBA-1FCA-806B-0BE0-96781DBE31DF}"/>
+              </a:ext>
+            </a:extLst>
+          </p:cNvPr>
+          <p:cNvSpPr txBox="1"/>
           <p:nvPr/>
-        </p:nvPicPr>
-        <p:blipFill>
-          <a:blip r:embed="rId2"/>
-          <a:stretch>
-            <a:fillRect/>
-          </a:stretch>
-        </p:blipFill>
+        </p:nvSpPr>
         <p:spPr>
           <a:xfrm>
-            <a:off x="280415" y="1261980"/>
-            <a:ext cx="5182323" cy="2438740"/>
+            <a:off x="347595" y="1720840"/>
+            <a:ext cx="10393680" cy="3416320"/>
           </a:xfrm>
           <a:prstGeom prst="rect">
             <a:avLst/>
           </a:prstGeom>
-        </p:spPr>
-      </p:pic>
-      <p:pic>
-        <p:nvPicPr>
-          <p:cNvPr id="11" name="Picture 10">
-            <a:extLst>
-              <a:ext uri="{FF2B5EF4-FFF2-40B4-BE49-F238E27FC236}">
-                <a16:creationId xmlns:a16="http://schemas.microsoft.com/office/drawing/2014/main" id="{989B121D-88BA-AAFC-847E-B7AB942FE00D}"/>
-              </a:ext>
-            </a:extLst>
-          </p:cNvPr>
-          <p:cNvPicPr>
-            <a:picLocks noChangeAspect="1"/>
-          </p:cNvPicPr>
-          <p:nvPr/>
-        </p:nvPicPr>
-        <p:blipFill rotWithShape="1">
-          <a:blip r:embed="rId3"/>
-          <a:srcRect t="2591"/>
-          <a:stretch/>
-        </p:blipFill>
-        <p:spPr>
-          <a:xfrm>
-            <a:off x="6243530" y="1262147"/>
-            <a:ext cx="5371364" cy="2438573"/>
-          </a:xfrm>
-          <a:prstGeom prst="rect">
-            <a:avLst/>
-          </a:prstGeom>
-        </p:spPr>
-      </p:pic>
-      <p:pic>
-        <p:nvPicPr>
-          <p:cNvPr id="14" name="Picture 13">
-            <a:extLst>
-              <a:ext uri="{FF2B5EF4-FFF2-40B4-BE49-F238E27FC236}">
-                <a16:creationId xmlns:a16="http://schemas.microsoft.com/office/drawing/2014/main" id="{11445EDD-30F4-9CB4-C336-A36BD568AFD2}"/>
-              </a:ext>
-            </a:extLst>
-          </p:cNvPr>
-          <p:cNvPicPr>
-            <a:picLocks noChangeAspect="1"/>
-          </p:cNvPicPr>
-          <p:nvPr/>
-        </p:nvPicPr>
-        <p:blipFill>
-          <a:blip r:embed="rId4"/>
-          <a:stretch>
-            <a:fillRect/>
-          </a:stretch>
-        </p:blipFill>
-        <p:spPr>
-          <a:xfrm>
-            <a:off x="6243529" y="3890992"/>
-            <a:ext cx="5371363" cy="2356387"/>
-          </a:xfrm>
-          <a:prstGeom prst="rect">
-            <a:avLst/>
-          </a:prstGeom>
-        </p:spPr>
-      </p:pic>
-      <p:pic>
-        <p:nvPicPr>
-          <p:cNvPr id="16" name="Picture 15">
-            <a:extLst>
-              <a:ext uri="{FF2B5EF4-FFF2-40B4-BE49-F238E27FC236}">
-                <a16:creationId xmlns:a16="http://schemas.microsoft.com/office/drawing/2014/main" id="{BA71A470-6698-5186-EABE-4E34DFBF9146}"/>
-              </a:ext>
-            </a:extLst>
-          </p:cNvPr>
-          <p:cNvPicPr>
-            <a:picLocks noChangeAspect="1"/>
-          </p:cNvPicPr>
-          <p:nvPr/>
-        </p:nvPicPr>
-        <p:blipFill rotWithShape="1">
-          <a:blip r:embed="rId5"/>
-          <a:srcRect t="1874"/>
-          <a:stretch/>
-        </p:blipFill>
-        <p:spPr>
-          <a:xfrm>
-            <a:off x="280415" y="3890992"/>
-            <a:ext cx="5168005" cy="2356389"/>
-          </a:xfrm>
-          <a:prstGeom prst="rect">
-            <a:avLst/>
-          </a:prstGeom>
-        </p:spPr>
-      </p:pic>
-      <p:cxnSp>
-        <p:nvCxnSpPr>
-          <p:cNvPr id="18" name="Straight Arrow Connector 17">
-            <a:extLst>
-              <a:ext uri="{FF2B5EF4-FFF2-40B4-BE49-F238E27FC236}">
-                <a16:creationId xmlns:a16="http://schemas.microsoft.com/office/drawing/2014/main" id="{EB6F11AF-8006-6854-291B-2CFB3A175126}"/>
-              </a:ext>
-            </a:extLst>
-          </p:cNvPr>
-          <p:cNvCxnSpPr>
-            <a:cxnSpLocks/>
-          </p:cNvCxnSpPr>
-          <p:nvPr/>
-        </p:nvCxnSpPr>
-        <p:spPr>
-          <a:xfrm>
-            <a:off x="5274425" y="2556164"/>
-            <a:ext cx="1155470" cy="0"/>
-          </a:xfrm>
-          <a:prstGeom prst="straightConnector1">
-            <a:avLst/>
-          </a:prstGeom>
-          <a:ln>
-            <a:tailEnd type="triangle"/>
-          </a:ln>
-        </p:spPr>
-        <p:style>
-          <a:lnRef idx="1">
-            <a:schemeClr val="accent1"/>
-          </a:lnRef>
-          <a:fillRef idx="0">
-            <a:schemeClr val="accent1"/>
-          </a:fillRef>
-          <a:effectRef idx="0">
-            <a:schemeClr val="accent1"/>
-          </a:effectRef>
-          <a:fontRef idx="minor">
-            <a:schemeClr val="tx1"/>
-          </a:fontRef>
-        </p:style>
-      </p:cxnSp>
-      <p:cxnSp>
-        <p:nvCxnSpPr>
-          <p:cNvPr id="21" name="Straight Arrow Connector 20">
-            <a:extLst>
-              <a:ext uri="{FF2B5EF4-FFF2-40B4-BE49-F238E27FC236}">
-                <a16:creationId xmlns:a16="http://schemas.microsoft.com/office/drawing/2014/main" id="{2097CD42-1670-AFCE-5A0D-D8FD5E904865}"/>
-              </a:ext>
-            </a:extLst>
-          </p:cNvPr>
-          <p:cNvCxnSpPr/>
-          <p:nvPr/>
-        </p:nvCxnSpPr>
-        <p:spPr>
-          <a:xfrm>
-            <a:off x="8948651" y="3383280"/>
-            <a:ext cx="0" cy="814647"/>
-          </a:xfrm>
-          <a:prstGeom prst="straightConnector1">
-            <a:avLst/>
-          </a:prstGeom>
-          <a:ln>
-            <a:tailEnd type="triangle"/>
-          </a:ln>
-        </p:spPr>
-        <p:style>
-          <a:lnRef idx="1">
-            <a:schemeClr val="accent1"/>
-          </a:lnRef>
-          <a:fillRef idx="0">
-            <a:schemeClr val="accent1"/>
-          </a:fillRef>
-          <a:effectRef idx="0">
-            <a:schemeClr val="accent1"/>
-          </a:effectRef>
-          <a:fontRef idx="minor">
-            <a:schemeClr val="tx1"/>
-          </a:fontRef>
-        </p:style>
-      </p:cxnSp>
-      <p:cxnSp>
-        <p:nvCxnSpPr>
-          <p:cNvPr id="23" name="Straight Arrow Connector 22">
-            <a:extLst>
-              <a:ext uri="{FF2B5EF4-FFF2-40B4-BE49-F238E27FC236}">
-                <a16:creationId xmlns:a16="http://schemas.microsoft.com/office/drawing/2014/main" id="{2109D485-C396-2F32-6E82-9F86326D0B82}"/>
-              </a:ext>
-            </a:extLst>
-          </p:cNvPr>
-          <p:cNvCxnSpPr/>
-          <p:nvPr/>
-        </p:nvCxnSpPr>
-        <p:spPr>
-          <a:xfrm flipH="1">
-            <a:off x="5237018" y="5016730"/>
-            <a:ext cx="1192877" cy="0"/>
-          </a:xfrm>
-          <a:prstGeom prst="straightConnector1">
-            <a:avLst/>
-          </a:prstGeom>
-          <a:ln>
-            <a:tailEnd type="triangle"/>
-          </a:ln>
-        </p:spPr>
-        <p:style>
-          <a:lnRef idx="1">
-            <a:schemeClr val="accent1"/>
-          </a:lnRef>
-          <a:fillRef idx="0">
-            <a:schemeClr val="accent1"/>
-          </a:fillRef>
-          <a:effectRef idx="0">
-            <a:schemeClr val="accent1"/>
-          </a:effectRef>
-          <a:fontRef idx="minor">
-            <a:schemeClr val="tx1"/>
-          </a:fontRef>
-        </p:style>
-      </p:cxnSp>
-      <p:cxnSp>
-        <p:nvCxnSpPr>
-          <p:cNvPr id="25" name="Straight Arrow Connector 24">
-            <a:extLst>
-              <a:ext uri="{FF2B5EF4-FFF2-40B4-BE49-F238E27FC236}">
-                <a16:creationId xmlns:a16="http://schemas.microsoft.com/office/drawing/2014/main" id="{F211FD3C-0FD1-276E-F2F0-7D3916B6A331}"/>
-              </a:ext>
-            </a:extLst>
-          </p:cNvPr>
-          <p:cNvCxnSpPr>
-            <a:cxnSpLocks/>
-          </p:cNvCxnSpPr>
-          <p:nvPr/>
-        </p:nvCxnSpPr>
-        <p:spPr>
-          <a:xfrm flipV="1">
-            <a:off x="5349289" y="3509360"/>
-            <a:ext cx="1146003" cy="1071413"/>
-          </a:xfrm>
-          <a:prstGeom prst="straightConnector1">
-            <a:avLst/>
-          </a:prstGeom>
-          <a:ln>
-            <a:tailEnd type="triangle"/>
-          </a:ln>
-        </p:spPr>
-        <p:style>
-          <a:lnRef idx="1">
-            <a:schemeClr val="accent1"/>
-          </a:lnRef>
-          <a:fillRef idx="0">
-            <a:schemeClr val="accent1"/>
-          </a:fillRef>
-          <a:effectRef idx="0">
-            <a:schemeClr val="accent1"/>
-          </a:effectRef>
-          <a:fontRef idx="minor">
-            <a:schemeClr val="tx1"/>
-          </a:fontRef>
-        </p:style>
-      </p:cxnSp>
-      <p:pic>
-        <p:nvPicPr>
-          <p:cNvPr id="27" name="Picture 26">
-            <a:extLst>
-              <a:ext uri="{FF2B5EF4-FFF2-40B4-BE49-F238E27FC236}">
-                <a16:creationId xmlns:a16="http://schemas.microsoft.com/office/drawing/2014/main" id="{B72A9A98-310A-42D2-7191-1B3C612070D0}"/>
-              </a:ext>
-            </a:extLst>
-          </p:cNvPr>
-          <p:cNvPicPr>
-            <a:picLocks noChangeAspect="1"/>
-          </p:cNvPicPr>
-          <p:nvPr/>
-        </p:nvPicPr>
-        <p:blipFill>
-          <a:blip r:embed="rId6"/>
-          <a:stretch>
-            <a:fillRect/>
-          </a:stretch>
-        </p:blipFill>
-        <p:spPr>
-          <a:xfrm>
-            <a:off x="5538865" y="3113446"/>
-            <a:ext cx="589182" cy="720111"/>
-          </a:xfrm>
-          <a:prstGeom prst="rect">
-            <a:avLst/>
-          </a:prstGeom>
-        </p:spPr>
-      </p:pic>
+          <a:noFill/>
+        </p:spPr>
+        <p:txBody>
+          <a:bodyPr wrap="square" rtlCol="0">
+            <a:spAutoFit/>
+          </a:bodyPr>
+          <a:lstStyle/>
+          <a:p>
+            <a:pPr marL="285750" indent="-285750" algn="l">
+              <a:buFont typeface="Arial" panose="020B0604020202020204" pitchFamily="34" charset="0"/>
+              <a:buChar char="•"/>
+            </a:pPr>
+            <a:r>
+              <a:rPr lang="en-US" dirty="0">
+                <a:latin typeface="IBM Plex Sans Light" panose="020B0403050203000203" pitchFamily="34" charset="0"/>
+                <a:ea typeface="IBM Plex Sans" charset="0"/>
+                <a:cs typeface="Arial" panose="020B0604020202020204" pitchFamily="34" charset="0"/>
+              </a:rPr>
+              <a:t>Near-term hybrid quantum-classical algorithms based on the variational theorem of quantum mechanics</a:t>
+            </a:r>
+          </a:p>
+          <a:p>
+            <a:pPr algn="l"/>
+            <a:endParaRPr lang="en-US" dirty="0">
+              <a:latin typeface="IBM Plex Sans Light" panose="020B0403050203000203" pitchFamily="34" charset="0"/>
+              <a:ea typeface="IBM Plex Sans" charset="0"/>
+              <a:cs typeface="Arial" panose="020B0604020202020204" pitchFamily="34" charset="0"/>
+            </a:endParaRPr>
+          </a:p>
+          <a:p>
+            <a:pPr marL="285750" indent="-285750" algn="l">
+              <a:buFont typeface="Arial" panose="020B0604020202020204" pitchFamily="34" charset="0"/>
+              <a:buChar char="•"/>
+            </a:pPr>
+            <a:r>
+              <a:rPr lang="en-US" dirty="0">
+                <a:latin typeface="IBM Plex Sans Light" panose="020B0403050203000203" pitchFamily="34" charset="0"/>
+                <a:ea typeface="IBM Plex Sans" charset="0"/>
+                <a:cs typeface="Arial" panose="020B0604020202020204" pitchFamily="34" charset="0"/>
+              </a:rPr>
+              <a:t>These algorithms can leverage the utility provided by today's non-fault-tolerant quantum computers, making them ideal candidates to achieve quantum advantage</a:t>
+            </a:r>
+          </a:p>
+          <a:p>
+            <a:pPr algn="l"/>
+            <a:endParaRPr lang="en-US" dirty="0">
+              <a:latin typeface="IBM Plex Sans Light" panose="020B0403050203000203" pitchFamily="34" charset="0"/>
+              <a:ea typeface="IBM Plex Sans" charset="0"/>
+              <a:cs typeface="Arial" panose="020B0604020202020204" pitchFamily="34" charset="0"/>
+            </a:endParaRPr>
+          </a:p>
+          <a:p>
+            <a:pPr marL="285750" indent="-285750" algn="l">
+              <a:buFont typeface="Arial" panose="020B0604020202020204" pitchFamily="34" charset="0"/>
+              <a:buChar char="•"/>
+            </a:pPr>
+            <a:r>
+              <a:rPr lang="en-US" dirty="0">
+                <a:latin typeface="IBM Plex Sans Light" panose="020B0403050203000203" pitchFamily="34" charset="0"/>
+                <a:ea typeface="IBM Plex Sans" charset="0"/>
+                <a:cs typeface="Arial" panose="020B0604020202020204" pitchFamily="34" charset="0"/>
+              </a:rPr>
+              <a:t>Variational algorithms are very commonly used in near term quantum optimization and quantum machine learning (QML) algorithms in various forms.</a:t>
+            </a:r>
+          </a:p>
+          <a:p>
+            <a:pPr marL="285750" indent="-285750" algn="l">
+              <a:buFont typeface="Arial" panose="020B0604020202020204" pitchFamily="34" charset="0"/>
+              <a:buChar char="•"/>
+            </a:pPr>
+            <a:endParaRPr lang="en-US" dirty="0">
+              <a:latin typeface="IBM Plex Sans Light" panose="020B0403050203000203" pitchFamily="34" charset="0"/>
+              <a:ea typeface="IBM Plex Sans" charset="0"/>
+              <a:cs typeface="Arial" panose="020B0604020202020204" pitchFamily="34" charset="0"/>
+            </a:endParaRPr>
+          </a:p>
+          <a:p>
+            <a:pPr marL="285750" indent="-285750" algn="l">
+              <a:buFont typeface="Arial" panose="020B0604020202020204" pitchFamily="34" charset="0"/>
+              <a:buChar char="•"/>
+            </a:pPr>
+            <a:r>
+              <a:rPr lang="en-US" dirty="0">
+                <a:latin typeface="IBM Plex Sans Light" panose="020B0403050203000203" pitchFamily="34" charset="0"/>
+                <a:ea typeface="IBM Plex Sans" charset="0"/>
+                <a:cs typeface="Arial" panose="020B0604020202020204" pitchFamily="34" charset="0"/>
+              </a:rPr>
+              <a:t>Variational algorithms include several modular components that can be combined and optimized based on algorithm, software, and hardware advancements</a:t>
+            </a:r>
+          </a:p>
+          <a:p>
+            <a:pPr marL="285750" indent="-285750" algn="l">
+              <a:buFont typeface="Arial" panose="020B0604020202020204" pitchFamily="34" charset="0"/>
+              <a:buChar char="•"/>
+            </a:pPr>
+            <a:endParaRPr lang="en-US" dirty="0">
+              <a:latin typeface="IBM Plex Sans Light" panose="020B0403050203000203" pitchFamily="34" charset="0"/>
+              <a:ea typeface="IBM Plex Sans" charset="0"/>
+              <a:cs typeface="Arial" panose="020B0604020202020204" pitchFamily="34" charset="0"/>
+            </a:endParaRPr>
+          </a:p>
+        </p:txBody>
+      </p:sp>
     </p:spTree>
     <p:extLst>
       <p:ext uri="{BB962C8B-B14F-4D97-AF65-F5344CB8AC3E}">
-        <p14:creationId xmlns:p14="http://schemas.microsoft.com/office/powerpoint/2010/main" val="897371958"/>
+        <p14:creationId xmlns:p14="http://schemas.microsoft.com/office/powerpoint/2010/main" val="3515196348"/>
       </p:ext>
     </p:extLst>
   </p:cSld>
@@ -10296,7 +11183,7 @@
                 </a:solidFill>
                 <a:latin typeface="IBM Plex Sans Light" panose="020B0403050203000203" pitchFamily="34" charset="0"/>
               </a:rPr>
-              <a:t>Components of VQA</a:t>
+              <a:t>A typical simplified hybrid workflow</a:t>
             </a:r>
           </a:p>
         </p:txBody>
@@ -10468,133 +11355,318 @@
           </a:p>
         </p:txBody>
       </p:sp>
-      <p:sp>
-        <p:nvSpPr>
-          <p:cNvPr id="3" name="TextBox 2">
-            <a:extLst>
-              <a:ext uri="{FF2B5EF4-FFF2-40B4-BE49-F238E27FC236}">
-                <a16:creationId xmlns:a16="http://schemas.microsoft.com/office/drawing/2014/main" id="{B5AC1AB9-B0E8-4162-C797-835CE8C128F8}"/>
-              </a:ext>
-            </a:extLst>
-          </p:cNvPr>
-          <p:cNvSpPr txBox="1"/>
+      <p:pic>
+        <p:nvPicPr>
+          <p:cNvPr id="9" name="Picture 8">
+            <a:extLst>
+              <a:ext uri="{FF2B5EF4-FFF2-40B4-BE49-F238E27FC236}">
+                <a16:creationId xmlns:a16="http://schemas.microsoft.com/office/drawing/2014/main" id="{C0DAB86F-7CCD-1BAF-8C26-4463EADF5EA5}"/>
+              </a:ext>
+            </a:extLst>
+          </p:cNvPr>
+          <p:cNvPicPr>
+            <a:picLocks noChangeAspect="1"/>
+          </p:cNvPicPr>
           <p:nvPr/>
-        </p:nvSpPr>
+        </p:nvPicPr>
+        <p:blipFill>
+          <a:blip r:embed="rId2"/>
+          <a:stretch>
+            <a:fillRect/>
+          </a:stretch>
+        </p:blipFill>
         <p:spPr>
           <a:xfrm>
-            <a:off x="482139" y="1753986"/>
-            <a:ext cx="10565476" cy="3416320"/>
+            <a:off x="280415" y="1261980"/>
+            <a:ext cx="5182323" cy="2438740"/>
           </a:xfrm>
           <a:prstGeom prst="rect">
             <a:avLst/>
           </a:prstGeom>
-          <a:noFill/>
-        </p:spPr>
-        <p:txBody>
-          <a:bodyPr wrap="square" rtlCol="0">
-            <a:spAutoFit/>
-          </a:bodyPr>
-          <a:lstStyle/>
-          <a:p>
-            <a:r>
-              <a:rPr lang="en-US" dirty="0"/>
-              <a:t>Most common components are:</a:t>
-            </a:r>
-          </a:p>
-          <a:p>
-            <a:endParaRPr lang="en-US" dirty="0"/>
-          </a:p>
-          <a:p>
-            <a:pPr marL="285750" indent="-285750">
-              <a:buFont typeface="Arial" panose="020B0604020202020204" pitchFamily="34" charset="0"/>
-              <a:buChar char="•"/>
-            </a:pPr>
-            <a:r>
-              <a:rPr lang="en-US" dirty="0"/>
-              <a:t>A </a:t>
-            </a:r>
-            <a:r>
-              <a:rPr lang="en-US" b="1" dirty="0"/>
-              <a:t>cost function </a:t>
-            </a:r>
-            <a:r>
-              <a:rPr lang="en-US" dirty="0"/>
-              <a:t>that describes a specific problem with a set of parameters,</a:t>
-            </a:r>
-          </a:p>
-          <a:p>
-            <a:pPr marL="285750" indent="-285750">
-              <a:buFont typeface="Arial" panose="020B0604020202020204" pitchFamily="34" charset="0"/>
-              <a:buChar char="•"/>
-            </a:pPr>
-            <a:endParaRPr lang="en-US" dirty="0"/>
-          </a:p>
-          <a:p>
-            <a:pPr marL="285750" indent="-285750">
-              <a:buFont typeface="Arial" panose="020B0604020202020204" pitchFamily="34" charset="0"/>
-              <a:buChar char="•"/>
-            </a:pPr>
-            <a:r>
-              <a:rPr lang="en-US" dirty="0"/>
-              <a:t>An </a:t>
-            </a:r>
-            <a:r>
-              <a:rPr lang="en-US" b="1" dirty="0"/>
-              <a:t>ansatz</a:t>
-            </a:r>
-            <a:r>
-              <a:rPr lang="en-US" dirty="0"/>
-              <a:t> to express the search space with these parameters,</a:t>
-            </a:r>
-          </a:p>
-          <a:p>
-            <a:pPr marL="285750" indent="-285750">
-              <a:buFont typeface="Arial" panose="020B0604020202020204" pitchFamily="34" charset="0"/>
-              <a:buChar char="•"/>
-            </a:pPr>
-            <a:endParaRPr lang="en-US" dirty="0"/>
-          </a:p>
-          <a:p>
-            <a:pPr marL="285750" indent="-285750">
-              <a:buFont typeface="Arial" panose="020B0604020202020204" pitchFamily="34" charset="0"/>
-              <a:buChar char="•"/>
-            </a:pPr>
-            <a:r>
-              <a:rPr lang="en-US" dirty="0"/>
-              <a:t>An </a:t>
-            </a:r>
-            <a:r>
-              <a:rPr lang="en-US" b="1" dirty="0"/>
-              <a:t>optimizer</a:t>
-            </a:r>
-            <a:r>
-              <a:rPr lang="en-US" dirty="0"/>
-              <a:t> to iteratively explore the search space.</a:t>
-            </a:r>
-          </a:p>
-          <a:p>
-            <a:pPr marL="285750" indent="-285750">
-              <a:buFont typeface="Arial" panose="020B0604020202020204" pitchFamily="34" charset="0"/>
-              <a:buChar char="•"/>
-            </a:pPr>
-            <a:endParaRPr lang="en-US" dirty="0"/>
-          </a:p>
-          <a:p>
-            <a:pPr marL="285750" indent="-285750">
-              <a:buFont typeface="Arial" panose="020B0604020202020204" pitchFamily="34" charset="0"/>
-              <a:buChar char="•"/>
-            </a:pPr>
-            <a:r>
-              <a:rPr lang="en-US" dirty="0"/>
-              <a:t>During each iteration, the optimizer evaluates the cost function with the current parameters and selects the next iteration's parameters until it converges on an optimal solution. The hybrid nature of this family of algorithms comes from the fact that the cost functions are evaluated using quantum resources and optimized through classical ones.</a:t>
-            </a:r>
-          </a:p>
-        </p:txBody>
-      </p:sp>
+        </p:spPr>
+      </p:pic>
+      <p:pic>
+        <p:nvPicPr>
+          <p:cNvPr id="11" name="Picture 10">
+            <a:extLst>
+              <a:ext uri="{FF2B5EF4-FFF2-40B4-BE49-F238E27FC236}">
+                <a16:creationId xmlns:a16="http://schemas.microsoft.com/office/drawing/2014/main" id="{989B121D-88BA-AAFC-847E-B7AB942FE00D}"/>
+              </a:ext>
+            </a:extLst>
+          </p:cNvPr>
+          <p:cNvPicPr>
+            <a:picLocks noChangeAspect="1"/>
+          </p:cNvPicPr>
+          <p:nvPr/>
+        </p:nvPicPr>
+        <p:blipFill rotWithShape="1">
+          <a:blip r:embed="rId3"/>
+          <a:srcRect t="2591"/>
+          <a:stretch/>
+        </p:blipFill>
+        <p:spPr>
+          <a:xfrm>
+            <a:off x="6243530" y="1262147"/>
+            <a:ext cx="5371364" cy="2438573"/>
+          </a:xfrm>
+          <a:prstGeom prst="rect">
+            <a:avLst/>
+          </a:prstGeom>
+        </p:spPr>
+      </p:pic>
+      <p:pic>
+        <p:nvPicPr>
+          <p:cNvPr id="14" name="Picture 13">
+            <a:extLst>
+              <a:ext uri="{FF2B5EF4-FFF2-40B4-BE49-F238E27FC236}">
+                <a16:creationId xmlns:a16="http://schemas.microsoft.com/office/drawing/2014/main" id="{11445EDD-30F4-9CB4-C336-A36BD568AFD2}"/>
+              </a:ext>
+            </a:extLst>
+          </p:cNvPr>
+          <p:cNvPicPr>
+            <a:picLocks noChangeAspect="1"/>
+          </p:cNvPicPr>
+          <p:nvPr/>
+        </p:nvPicPr>
+        <p:blipFill>
+          <a:blip r:embed="rId4"/>
+          <a:stretch>
+            <a:fillRect/>
+          </a:stretch>
+        </p:blipFill>
+        <p:spPr>
+          <a:xfrm>
+            <a:off x="6243529" y="3890992"/>
+            <a:ext cx="5371363" cy="2356387"/>
+          </a:xfrm>
+          <a:prstGeom prst="rect">
+            <a:avLst/>
+          </a:prstGeom>
+        </p:spPr>
+      </p:pic>
+      <p:pic>
+        <p:nvPicPr>
+          <p:cNvPr id="16" name="Picture 15">
+            <a:extLst>
+              <a:ext uri="{FF2B5EF4-FFF2-40B4-BE49-F238E27FC236}">
+                <a16:creationId xmlns:a16="http://schemas.microsoft.com/office/drawing/2014/main" id="{BA71A470-6698-5186-EABE-4E34DFBF9146}"/>
+              </a:ext>
+            </a:extLst>
+          </p:cNvPr>
+          <p:cNvPicPr>
+            <a:picLocks noChangeAspect="1"/>
+          </p:cNvPicPr>
+          <p:nvPr/>
+        </p:nvPicPr>
+        <p:blipFill rotWithShape="1">
+          <a:blip r:embed="rId5"/>
+          <a:srcRect t="1874"/>
+          <a:stretch/>
+        </p:blipFill>
+        <p:spPr>
+          <a:xfrm>
+            <a:off x="280415" y="3890992"/>
+            <a:ext cx="5168005" cy="2356389"/>
+          </a:xfrm>
+          <a:prstGeom prst="rect">
+            <a:avLst/>
+          </a:prstGeom>
+        </p:spPr>
+      </p:pic>
+      <p:cxnSp>
+        <p:nvCxnSpPr>
+          <p:cNvPr id="18" name="Straight Arrow Connector 17">
+            <a:extLst>
+              <a:ext uri="{FF2B5EF4-FFF2-40B4-BE49-F238E27FC236}">
+                <a16:creationId xmlns:a16="http://schemas.microsoft.com/office/drawing/2014/main" id="{EB6F11AF-8006-6854-291B-2CFB3A175126}"/>
+              </a:ext>
+            </a:extLst>
+          </p:cNvPr>
+          <p:cNvCxnSpPr>
+            <a:cxnSpLocks/>
+          </p:cNvCxnSpPr>
+          <p:nvPr/>
+        </p:nvCxnSpPr>
+        <p:spPr>
+          <a:xfrm>
+            <a:off x="5274425" y="2556164"/>
+            <a:ext cx="1155470" cy="0"/>
+          </a:xfrm>
+          <a:prstGeom prst="straightConnector1">
+            <a:avLst/>
+          </a:prstGeom>
+          <a:ln>
+            <a:tailEnd type="triangle"/>
+          </a:ln>
+        </p:spPr>
+        <p:style>
+          <a:lnRef idx="1">
+            <a:schemeClr val="accent1"/>
+          </a:lnRef>
+          <a:fillRef idx="0">
+            <a:schemeClr val="accent1"/>
+          </a:fillRef>
+          <a:effectRef idx="0">
+            <a:schemeClr val="accent1"/>
+          </a:effectRef>
+          <a:fontRef idx="minor">
+            <a:schemeClr val="tx1"/>
+          </a:fontRef>
+        </p:style>
+      </p:cxnSp>
+      <p:cxnSp>
+        <p:nvCxnSpPr>
+          <p:cNvPr id="21" name="Straight Arrow Connector 20">
+            <a:extLst>
+              <a:ext uri="{FF2B5EF4-FFF2-40B4-BE49-F238E27FC236}">
+                <a16:creationId xmlns:a16="http://schemas.microsoft.com/office/drawing/2014/main" id="{2097CD42-1670-AFCE-5A0D-D8FD5E904865}"/>
+              </a:ext>
+            </a:extLst>
+          </p:cNvPr>
+          <p:cNvCxnSpPr/>
+          <p:nvPr/>
+        </p:nvCxnSpPr>
+        <p:spPr>
+          <a:xfrm>
+            <a:off x="8948651" y="3383280"/>
+            <a:ext cx="0" cy="814647"/>
+          </a:xfrm>
+          <a:prstGeom prst="straightConnector1">
+            <a:avLst/>
+          </a:prstGeom>
+          <a:ln>
+            <a:tailEnd type="triangle"/>
+          </a:ln>
+        </p:spPr>
+        <p:style>
+          <a:lnRef idx="1">
+            <a:schemeClr val="accent1"/>
+          </a:lnRef>
+          <a:fillRef idx="0">
+            <a:schemeClr val="accent1"/>
+          </a:fillRef>
+          <a:effectRef idx="0">
+            <a:schemeClr val="accent1"/>
+          </a:effectRef>
+          <a:fontRef idx="minor">
+            <a:schemeClr val="tx1"/>
+          </a:fontRef>
+        </p:style>
+      </p:cxnSp>
+      <p:cxnSp>
+        <p:nvCxnSpPr>
+          <p:cNvPr id="23" name="Straight Arrow Connector 22">
+            <a:extLst>
+              <a:ext uri="{FF2B5EF4-FFF2-40B4-BE49-F238E27FC236}">
+                <a16:creationId xmlns:a16="http://schemas.microsoft.com/office/drawing/2014/main" id="{2109D485-C396-2F32-6E82-9F86326D0B82}"/>
+              </a:ext>
+            </a:extLst>
+          </p:cNvPr>
+          <p:cNvCxnSpPr/>
+          <p:nvPr/>
+        </p:nvCxnSpPr>
+        <p:spPr>
+          <a:xfrm flipH="1">
+            <a:off x="5237018" y="5016730"/>
+            <a:ext cx="1192877" cy="0"/>
+          </a:xfrm>
+          <a:prstGeom prst="straightConnector1">
+            <a:avLst/>
+          </a:prstGeom>
+          <a:ln>
+            <a:tailEnd type="triangle"/>
+          </a:ln>
+        </p:spPr>
+        <p:style>
+          <a:lnRef idx="1">
+            <a:schemeClr val="accent1"/>
+          </a:lnRef>
+          <a:fillRef idx="0">
+            <a:schemeClr val="accent1"/>
+          </a:fillRef>
+          <a:effectRef idx="0">
+            <a:schemeClr val="accent1"/>
+          </a:effectRef>
+          <a:fontRef idx="minor">
+            <a:schemeClr val="tx1"/>
+          </a:fontRef>
+        </p:style>
+      </p:cxnSp>
+      <p:cxnSp>
+        <p:nvCxnSpPr>
+          <p:cNvPr id="25" name="Straight Arrow Connector 24">
+            <a:extLst>
+              <a:ext uri="{FF2B5EF4-FFF2-40B4-BE49-F238E27FC236}">
+                <a16:creationId xmlns:a16="http://schemas.microsoft.com/office/drawing/2014/main" id="{F211FD3C-0FD1-276E-F2F0-7D3916B6A331}"/>
+              </a:ext>
+            </a:extLst>
+          </p:cNvPr>
+          <p:cNvCxnSpPr>
+            <a:cxnSpLocks/>
+          </p:cNvCxnSpPr>
+          <p:nvPr/>
+        </p:nvCxnSpPr>
+        <p:spPr>
+          <a:xfrm flipV="1">
+            <a:off x="5349289" y="3509360"/>
+            <a:ext cx="1146003" cy="1071413"/>
+          </a:xfrm>
+          <a:prstGeom prst="straightConnector1">
+            <a:avLst/>
+          </a:prstGeom>
+          <a:ln>
+            <a:tailEnd type="triangle"/>
+          </a:ln>
+        </p:spPr>
+        <p:style>
+          <a:lnRef idx="1">
+            <a:schemeClr val="accent1"/>
+          </a:lnRef>
+          <a:fillRef idx="0">
+            <a:schemeClr val="accent1"/>
+          </a:fillRef>
+          <a:effectRef idx="0">
+            <a:schemeClr val="accent1"/>
+          </a:effectRef>
+          <a:fontRef idx="minor">
+            <a:schemeClr val="tx1"/>
+          </a:fontRef>
+        </p:style>
+      </p:cxnSp>
+      <p:pic>
+        <p:nvPicPr>
+          <p:cNvPr id="27" name="Picture 26">
+            <a:extLst>
+              <a:ext uri="{FF2B5EF4-FFF2-40B4-BE49-F238E27FC236}">
+                <a16:creationId xmlns:a16="http://schemas.microsoft.com/office/drawing/2014/main" id="{B72A9A98-310A-42D2-7191-1B3C612070D0}"/>
+              </a:ext>
+            </a:extLst>
+          </p:cNvPr>
+          <p:cNvPicPr>
+            <a:picLocks noChangeAspect="1"/>
+          </p:cNvPicPr>
+          <p:nvPr/>
+        </p:nvPicPr>
+        <p:blipFill>
+          <a:blip r:embed="rId6"/>
+          <a:stretch>
+            <a:fillRect/>
+          </a:stretch>
+        </p:blipFill>
+        <p:spPr>
+          <a:xfrm>
+            <a:off x="5538865" y="3113446"/>
+            <a:ext cx="589182" cy="720111"/>
+          </a:xfrm>
+          <a:prstGeom prst="rect">
+            <a:avLst/>
+          </a:prstGeom>
+        </p:spPr>
+      </p:pic>
     </p:spTree>
     <p:extLst>
       <p:ext uri="{BB962C8B-B14F-4D97-AF65-F5344CB8AC3E}">
-        <p14:creationId xmlns:p14="http://schemas.microsoft.com/office/powerpoint/2010/main" val="64744316"/>
+        <p14:creationId xmlns:p14="http://schemas.microsoft.com/office/powerpoint/2010/main" val="897371958"/>
       </p:ext>
     </p:extLst>
   </p:cSld>
@@ -10656,7 +11728,7 @@
                 </a:solidFill>
                 <a:latin typeface="IBM Plex Sans Light" panose="020B0403050203000203" pitchFamily="34" charset="0"/>
               </a:rPr>
-              <a:t>Variational quantum algorithms</a:t>
+              <a:t>Components of VQA</a:t>
             </a:r>
           </a:p>
         </p:txBody>
@@ -10693,6 +11765,366 @@
               </a:rPr>
               <a:pPr/>
               <a:t>5</a:t>
+            </a:fld>
+            <a:endParaRPr lang="en-US" dirty="0">
+              <a:latin typeface="+mn-lt"/>
+            </a:endParaRPr>
+          </a:p>
+        </p:txBody>
+      </p:sp>
+      <p:sp>
+        <p:nvSpPr>
+          <p:cNvPr id="2" name="Footer Placeholder 1">
+            <a:extLst>
+              <a:ext uri="{FF2B5EF4-FFF2-40B4-BE49-F238E27FC236}">
+                <a16:creationId xmlns:a16="http://schemas.microsoft.com/office/drawing/2014/main" id="{F2D21A02-2F24-ECF4-B652-66F62D3FD7F4}"/>
+              </a:ext>
+            </a:extLst>
+          </p:cNvPr>
+          <p:cNvSpPr txBox="1">
+            <a:spLocks/>
+          </p:cNvSpPr>
+          <p:nvPr/>
+        </p:nvSpPr>
+        <p:spPr>
+          <a:xfrm>
+            <a:off x="197700" y="6523428"/>
+            <a:ext cx="4106287" cy="132693"/>
+          </a:xfrm>
+          <a:prstGeom prst="rect">
+            <a:avLst/>
+          </a:prstGeom>
+        </p:spPr>
+        <p:txBody>
+          <a:bodyPr/>
+          <a:lstStyle>
+            <a:defPPr>
+              <a:defRPr lang="en-US"/>
+            </a:defPPr>
+            <a:lvl1pPr marL="0" algn="l" defTabSz="1829379" rtl="0" eaLnBrk="1" latinLnBrk="0" hangingPunct="1">
+              <a:defRPr sz="3600" kern="1200">
+                <a:solidFill>
+                  <a:schemeClr val="tx1"/>
+                </a:solidFill>
+                <a:latin typeface="+mn-lt"/>
+                <a:ea typeface="+mn-ea"/>
+                <a:cs typeface="+mn-cs"/>
+              </a:defRPr>
+            </a:lvl1pPr>
+            <a:lvl2pPr marL="914688" algn="l" defTabSz="1829379" rtl="0" eaLnBrk="1" latinLnBrk="0" hangingPunct="1">
+              <a:defRPr sz="3600" kern="1200">
+                <a:solidFill>
+                  <a:schemeClr val="tx1"/>
+                </a:solidFill>
+                <a:latin typeface="+mn-lt"/>
+                <a:ea typeface="+mn-ea"/>
+                <a:cs typeface="+mn-cs"/>
+              </a:defRPr>
+            </a:lvl2pPr>
+            <a:lvl3pPr marL="1829379" algn="l" defTabSz="1829379" rtl="0" eaLnBrk="1" latinLnBrk="0" hangingPunct="1">
+              <a:defRPr sz="3600" kern="1200">
+                <a:solidFill>
+                  <a:schemeClr val="tx1"/>
+                </a:solidFill>
+                <a:latin typeface="+mn-lt"/>
+                <a:ea typeface="+mn-ea"/>
+                <a:cs typeface="+mn-cs"/>
+              </a:defRPr>
+            </a:lvl3pPr>
+            <a:lvl4pPr marL="2744068" algn="l" defTabSz="1829379" rtl="0" eaLnBrk="1" latinLnBrk="0" hangingPunct="1">
+              <a:defRPr sz="3600" kern="1200">
+                <a:solidFill>
+                  <a:schemeClr val="tx1"/>
+                </a:solidFill>
+                <a:latin typeface="+mn-lt"/>
+                <a:ea typeface="+mn-ea"/>
+                <a:cs typeface="+mn-cs"/>
+              </a:defRPr>
+            </a:lvl4pPr>
+            <a:lvl5pPr marL="3658759" algn="l" defTabSz="1829379" rtl="0" eaLnBrk="1" latinLnBrk="0" hangingPunct="1">
+              <a:defRPr sz="3600" kern="1200">
+                <a:solidFill>
+                  <a:schemeClr val="tx1"/>
+                </a:solidFill>
+                <a:latin typeface="+mn-lt"/>
+                <a:ea typeface="+mn-ea"/>
+                <a:cs typeface="+mn-cs"/>
+              </a:defRPr>
+            </a:lvl5pPr>
+            <a:lvl6pPr marL="4573447" algn="l" defTabSz="1829379" rtl="0" eaLnBrk="1" latinLnBrk="0" hangingPunct="1">
+              <a:defRPr sz="3600" kern="1200">
+                <a:solidFill>
+                  <a:schemeClr val="tx1"/>
+                </a:solidFill>
+                <a:latin typeface="+mn-lt"/>
+                <a:ea typeface="+mn-ea"/>
+                <a:cs typeface="+mn-cs"/>
+              </a:defRPr>
+            </a:lvl6pPr>
+            <a:lvl7pPr marL="5488138" algn="l" defTabSz="1829379" rtl="0" eaLnBrk="1" latinLnBrk="0" hangingPunct="1">
+              <a:defRPr sz="3600" kern="1200">
+                <a:solidFill>
+                  <a:schemeClr val="tx1"/>
+                </a:solidFill>
+                <a:latin typeface="+mn-lt"/>
+                <a:ea typeface="+mn-ea"/>
+                <a:cs typeface="+mn-cs"/>
+              </a:defRPr>
+            </a:lvl7pPr>
+            <a:lvl8pPr marL="6402827" algn="l" defTabSz="1829379" rtl="0" eaLnBrk="1" latinLnBrk="0" hangingPunct="1">
+              <a:defRPr sz="3600" kern="1200">
+                <a:solidFill>
+                  <a:schemeClr val="tx1"/>
+                </a:solidFill>
+                <a:latin typeface="+mn-lt"/>
+                <a:ea typeface="+mn-ea"/>
+                <a:cs typeface="+mn-cs"/>
+              </a:defRPr>
+            </a:lvl8pPr>
+            <a:lvl9pPr marL="7317518" algn="l" defTabSz="1829379" rtl="0" eaLnBrk="1" latinLnBrk="0" hangingPunct="1">
+              <a:defRPr sz="3600" kern="1200">
+                <a:solidFill>
+                  <a:schemeClr val="tx1"/>
+                </a:solidFill>
+                <a:latin typeface="+mn-lt"/>
+                <a:ea typeface="+mn-ea"/>
+                <a:cs typeface="+mn-cs"/>
+              </a:defRPr>
+            </a:lvl9pPr>
+          </a:lstStyle>
+          <a:p>
+            <a:r>
+              <a:rPr lang="en-US" sz="1200" dirty="0"/>
+              <a:t>IBM Quantum</a:t>
+            </a:r>
+          </a:p>
+        </p:txBody>
+      </p:sp>
+      <p:sp>
+        <p:nvSpPr>
+          <p:cNvPr id="3" name="TextBox 2">
+            <a:extLst>
+              <a:ext uri="{FF2B5EF4-FFF2-40B4-BE49-F238E27FC236}">
+                <a16:creationId xmlns:a16="http://schemas.microsoft.com/office/drawing/2014/main" id="{B5AC1AB9-B0E8-4162-C797-835CE8C128F8}"/>
+              </a:ext>
+            </a:extLst>
+          </p:cNvPr>
+          <p:cNvSpPr txBox="1"/>
+          <p:nvPr/>
+        </p:nvSpPr>
+        <p:spPr>
+          <a:xfrm>
+            <a:off x="482139" y="1753986"/>
+            <a:ext cx="10565476" cy="3416320"/>
+          </a:xfrm>
+          <a:prstGeom prst="rect">
+            <a:avLst/>
+          </a:prstGeom>
+          <a:noFill/>
+        </p:spPr>
+        <p:txBody>
+          <a:bodyPr wrap="square" rtlCol="0">
+            <a:spAutoFit/>
+          </a:bodyPr>
+          <a:lstStyle/>
+          <a:p>
+            <a:r>
+              <a:rPr lang="en-US" dirty="0"/>
+              <a:t>Most common components are:</a:t>
+            </a:r>
+          </a:p>
+          <a:p>
+            <a:endParaRPr lang="en-US" dirty="0"/>
+          </a:p>
+          <a:p>
+            <a:pPr marL="285750" indent="-285750">
+              <a:buFont typeface="Arial" panose="020B0604020202020204" pitchFamily="34" charset="0"/>
+              <a:buChar char="•"/>
+            </a:pPr>
+            <a:r>
+              <a:rPr lang="en-US" dirty="0"/>
+              <a:t>A </a:t>
+            </a:r>
+            <a:r>
+              <a:rPr lang="en-US" b="1" dirty="0"/>
+              <a:t>cost function </a:t>
+            </a:r>
+            <a:r>
+              <a:rPr lang="en-US" dirty="0"/>
+              <a:t>that describes a specific problem with a set of parameters,</a:t>
+            </a:r>
+          </a:p>
+          <a:p>
+            <a:pPr marL="285750" indent="-285750">
+              <a:buFont typeface="Arial" panose="020B0604020202020204" pitchFamily="34" charset="0"/>
+              <a:buChar char="•"/>
+            </a:pPr>
+            <a:endParaRPr lang="en-US" dirty="0"/>
+          </a:p>
+          <a:p>
+            <a:pPr marL="285750" indent="-285750">
+              <a:buFont typeface="Arial" panose="020B0604020202020204" pitchFamily="34" charset="0"/>
+              <a:buChar char="•"/>
+            </a:pPr>
+            <a:r>
+              <a:rPr lang="en-US" dirty="0"/>
+              <a:t>An </a:t>
+            </a:r>
+            <a:r>
+              <a:rPr lang="en-US" b="1" dirty="0"/>
+              <a:t>ansatz</a:t>
+            </a:r>
+            <a:r>
+              <a:rPr lang="en-US" dirty="0"/>
+              <a:t> to express the search space with these parameters,</a:t>
+            </a:r>
+          </a:p>
+          <a:p>
+            <a:pPr marL="285750" indent="-285750">
+              <a:buFont typeface="Arial" panose="020B0604020202020204" pitchFamily="34" charset="0"/>
+              <a:buChar char="•"/>
+            </a:pPr>
+            <a:endParaRPr lang="en-US" dirty="0"/>
+          </a:p>
+          <a:p>
+            <a:pPr marL="285750" indent="-285750">
+              <a:buFont typeface="Arial" panose="020B0604020202020204" pitchFamily="34" charset="0"/>
+              <a:buChar char="•"/>
+            </a:pPr>
+            <a:r>
+              <a:rPr lang="en-US" dirty="0"/>
+              <a:t>An </a:t>
+            </a:r>
+            <a:r>
+              <a:rPr lang="en-US" b="1" dirty="0"/>
+              <a:t>optimizer</a:t>
+            </a:r>
+            <a:r>
+              <a:rPr lang="en-US" dirty="0"/>
+              <a:t> to iteratively explore the search space.</a:t>
+            </a:r>
+          </a:p>
+          <a:p>
+            <a:pPr marL="285750" indent="-285750">
+              <a:buFont typeface="Arial" panose="020B0604020202020204" pitchFamily="34" charset="0"/>
+              <a:buChar char="•"/>
+            </a:pPr>
+            <a:endParaRPr lang="en-US" dirty="0"/>
+          </a:p>
+          <a:p>
+            <a:pPr marL="285750" indent="-285750">
+              <a:buFont typeface="Arial" panose="020B0604020202020204" pitchFamily="34" charset="0"/>
+              <a:buChar char="•"/>
+            </a:pPr>
+            <a:r>
+              <a:rPr lang="en-US" dirty="0"/>
+              <a:t>During each iteration, the optimizer evaluates the cost function with the current parameters and selects the next iteration's parameters until it converges on an optimal solution. The hybrid nature of this family of algorithms comes from the fact that the cost functions are evaluated using quantum resources and optimized through classical ones.</a:t>
+            </a:r>
+          </a:p>
+        </p:txBody>
+      </p:sp>
+    </p:spTree>
+    <p:extLst>
+      <p:ext uri="{BB962C8B-B14F-4D97-AF65-F5344CB8AC3E}">
+        <p14:creationId xmlns:p14="http://schemas.microsoft.com/office/powerpoint/2010/main" val="64744316"/>
+      </p:ext>
+    </p:extLst>
+  </p:cSld>
+  <p:clrMapOvr>
+    <a:masterClrMapping/>
+  </p:clrMapOvr>
+</p:sld>
+</file>
+
+<file path=ppt/slides/slide6.xml><?xml version="1.0" encoding="utf-8"?>
+<p:sld xmlns:a="http://schemas.openxmlformats.org/drawingml/2006/main" xmlns:r="http://schemas.openxmlformats.org/officeDocument/2006/relationships" xmlns:p="http://schemas.openxmlformats.org/presentationml/2006/main">
+  <p:cSld>
+    <p:spTree>
+      <p:nvGrpSpPr>
+        <p:cNvPr id="1" name=""/>
+        <p:cNvGrpSpPr/>
+        <p:nvPr/>
+      </p:nvGrpSpPr>
+      <p:grpSpPr>
+        <a:xfrm>
+          <a:off x="0" y="0"/>
+          <a:ext cx="0" cy="0"/>
+          <a:chOff x="0" y="0"/>
+          <a:chExt cx="0" cy="0"/>
+        </a:xfrm>
+      </p:grpSpPr>
+      <p:sp>
+        <p:nvSpPr>
+          <p:cNvPr id="12" name="Title 1">
+            <a:extLst>
+              <a:ext uri="{FF2B5EF4-FFF2-40B4-BE49-F238E27FC236}">
+                <a16:creationId xmlns:a16="http://schemas.microsoft.com/office/drawing/2014/main" id="{F600CC51-EA69-FE94-1C46-6350D057D1A4}"/>
+              </a:ext>
+            </a:extLst>
+          </p:cNvPr>
+          <p:cNvSpPr>
+            <a:spLocks noGrp="1"/>
+          </p:cNvSpPr>
+          <p:nvPr>
+            <p:ph type="title"/>
+          </p:nvPr>
+        </p:nvSpPr>
+        <p:spPr>
+          <a:xfrm>
+            <a:off x="280415" y="268225"/>
+            <a:ext cx="9310393" cy="950972"/>
+          </a:xfrm>
+        </p:spPr>
+        <p:txBody>
+          <a:bodyPr>
+            <a:normAutofit/>
+          </a:bodyPr>
+          <a:lstStyle/>
+          <a:p>
+            <a:r>
+              <a:rPr lang="en-US" sz="4400" dirty="0">
+                <a:solidFill>
+                  <a:srgbClr val="0070C0"/>
+                </a:solidFill>
+                <a:latin typeface="IBM Plex Sans Light" panose="020B0403050203000203" pitchFamily="34" charset="0"/>
+              </a:rPr>
+              <a:t>Variational quantum algorithms</a:t>
+            </a:r>
+          </a:p>
+        </p:txBody>
+      </p:sp>
+      <p:sp>
+        <p:nvSpPr>
+          <p:cNvPr id="4" name="Slide Number Placeholder 3">
+            <a:extLst>
+              <a:ext uri="{FF2B5EF4-FFF2-40B4-BE49-F238E27FC236}">
+                <a16:creationId xmlns:a16="http://schemas.microsoft.com/office/drawing/2014/main" id="{38D4585E-21EC-FF4F-B0F2-2FAAC44D6C9F}"/>
+              </a:ext>
+            </a:extLst>
+          </p:cNvPr>
+          <p:cNvSpPr>
+            <a:spLocks noGrp="1"/>
+          </p:cNvSpPr>
+          <p:nvPr>
+            <p:ph type="sldNum" sz="quarter" idx="11"/>
+          </p:nvPr>
+        </p:nvSpPr>
+        <p:spPr>
+          <a:xfrm>
+            <a:off x="11292886" y="6707099"/>
+            <a:ext cx="60914" cy="123111"/>
+          </a:xfrm>
+        </p:spPr>
+        <p:txBody>
+          <a:bodyPr/>
+          <a:lstStyle/>
+          <a:p>
+            <a:fld id="{59395FB3-9C97-154F-86B2-7E381B951268}" type="slidenum">
+              <a:rPr lang="en-US" smtClean="0">
+                <a:latin typeface="+mn-lt"/>
+              </a:rPr>
+              <a:pPr/>
+              <a:t>6</a:t>
             </a:fld>
             <a:endParaRPr lang="en-US" dirty="0">
               <a:latin typeface="+mn-lt"/>
@@ -10999,7 +12431,7 @@
 </p:sld>
 </file>
 
-<file path=ppt/slides/slide6.xml><?xml version="1.0" encoding="utf-8"?>
+<file path=ppt/slides/slide7.xml><?xml version="1.0" encoding="utf-8"?>
 <p:sld xmlns:a="http://schemas.openxmlformats.org/drawingml/2006/main" xmlns:r="http://schemas.openxmlformats.org/officeDocument/2006/relationships" xmlns:p="http://schemas.openxmlformats.org/presentationml/2006/main">
   <p:cSld>
     <p:spTree>
@@ -11087,7 +12519,7 @@
                 <a:latin typeface="+mn-lt"/>
               </a:rPr>
               <a:pPr/>
-              <a:t>6</a:t>
+              <a:t>7</a:t>
             </a:fld>
             <a:endParaRPr lang="en-US" dirty="0">
               <a:latin typeface="+mn-lt"/>
@@ -11776,7 +13208,7 @@
 </p:sld>
 </file>
 
-<file path=ppt/slides/slide7.xml><?xml version="1.0" encoding="utf-8"?>
+<file path=ppt/slides/slide8.xml><?xml version="1.0" encoding="utf-8"?>
 <p:sld xmlns:a="http://schemas.openxmlformats.org/drawingml/2006/main" xmlns:r="http://schemas.openxmlformats.org/officeDocument/2006/relationships" xmlns:p="http://schemas.openxmlformats.org/presentationml/2006/main">
   <p:cSld>
     <p:spTree>
@@ -11864,7 +13296,7 @@
                 <a:latin typeface="+mn-lt"/>
               </a:rPr>
               <a:pPr/>
-              <a:t>7</a:t>
+              <a:t>8</a:t>
             </a:fld>
             <a:endParaRPr lang="en-US" dirty="0">
               <a:latin typeface="+mn-lt"/>
@@ -12565,7 +13997,7 @@
 </p:sld>
 </file>
 
-<file path=ppt/slides/slide8.xml><?xml version="1.0" encoding="utf-8"?>
+<file path=ppt/slides/slide9.xml><?xml version="1.0" encoding="utf-8"?>
 <p:sld xmlns:a="http://schemas.openxmlformats.org/drawingml/2006/main" xmlns:r="http://schemas.openxmlformats.org/officeDocument/2006/relationships" xmlns:p="http://schemas.openxmlformats.org/presentationml/2006/main">
   <p:cSld>
     <p:spTree>
@@ -12653,7 +14085,7 @@
                 <a:latin typeface="+mn-lt"/>
               </a:rPr>
               <a:pPr/>
-              <a:t>8</a:t>
+              <a:t>9</a:t>
             </a:fld>
             <a:endParaRPr lang="en-US" dirty="0">
               <a:latin typeface="+mn-lt"/>
@@ -13327,509 +14759,6 @@
     <p:extLst>
       <p:ext uri="{BB962C8B-B14F-4D97-AF65-F5344CB8AC3E}">
         <p14:creationId xmlns:p14="http://schemas.microsoft.com/office/powerpoint/2010/main" val="3953995116"/>
-      </p:ext>
-    </p:extLst>
-  </p:cSld>
-  <p:clrMapOvr>
-    <a:masterClrMapping/>
-  </p:clrMapOvr>
-</p:sld>
-</file>
-
-<file path=ppt/slides/slide9.xml><?xml version="1.0" encoding="utf-8"?>
-<p:sld xmlns:a="http://schemas.openxmlformats.org/drawingml/2006/main" xmlns:r="http://schemas.openxmlformats.org/officeDocument/2006/relationships" xmlns:p="http://schemas.openxmlformats.org/presentationml/2006/main">
-  <p:cSld>
-    <p:spTree>
-      <p:nvGrpSpPr>
-        <p:cNvPr id="1" name=""/>
-        <p:cNvGrpSpPr/>
-        <p:nvPr/>
-      </p:nvGrpSpPr>
-      <p:grpSpPr>
-        <a:xfrm>
-          <a:off x="0" y="0"/>
-          <a:ext cx="0" cy="0"/>
-          <a:chOff x="0" y="0"/>
-          <a:chExt cx="0" cy="0"/>
-        </a:xfrm>
-      </p:grpSpPr>
-      <p:sp>
-        <p:nvSpPr>
-          <p:cNvPr id="12" name="Title 1">
-            <a:extLst>
-              <a:ext uri="{FF2B5EF4-FFF2-40B4-BE49-F238E27FC236}">
-                <a16:creationId xmlns:a16="http://schemas.microsoft.com/office/drawing/2014/main" id="{F600CC51-EA69-FE94-1C46-6350D057D1A4}"/>
-              </a:ext>
-            </a:extLst>
-          </p:cNvPr>
-          <p:cNvSpPr>
-            <a:spLocks noGrp="1"/>
-          </p:cNvSpPr>
-          <p:nvPr>
-            <p:ph type="title"/>
-          </p:nvPr>
-        </p:nvSpPr>
-        <p:spPr>
-          <a:xfrm>
-            <a:off x="280415" y="268225"/>
-            <a:ext cx="10039836" cy="950972"/>
-          </a:xfrm>
-        </p:spPr>
-        <p:txBody>
-          <a:bodyPr>
-            <a:normAutofit/>
-          </a:bodyPr>
-          <a:lstStyle/>
-          <a:p>
-            <a:r>
-              <a:rPr lang="en-US" dirty="0">
-                <a:solidFill>
-                  <a:srgbClr val="0070C0"/>
-                </a:solidFill>
-                <a:latin typeface="IBM Plex Sans Light" panose="020B0403050203000203" pitchFamily="34" charset="0"/>
-              </a:rPr>
-              <a:t>How to set up a variational algorithm</a:t>
-            </a:r>
-            <a:endParaRPr lang="en-US" sz="4400" dirty="0">
-              <a:solidFill>
-                <a:srgbClr val="0070C0"/>
-              </a:solidFill>
-              <a:latin typeface="IBM Plex Sans Light" panose="020B0403050203000203" pitchFamily="34" charset="0"/>
-            </a:endParaRPr>
-          </a:p>
-        </p:txBody>
-      </p:sp>
-      <p:sp>
-        <p:nvSpPr>
-          <p:cNvPr id="4" name="Slide Number Placeholder 3">
-            <a:extLst>
-              <a:ext uri="{FF2B5EF4-FFF2-40B4-BE49-F238E27FC236}">
-                <a16:creationId xmlns:a16="http://schemas.microsoft.com/office/drawing/2014/main" id="{38D4585E-21EC-FF4F-B0F2-2FAAC44D6C9F}"/>
-              </a:ext>
-            </a:extLst>
-          </p:cNvPr>
-          <p:cNvSpPr>
-            <a:spLocks noGrp="1"/>
-          </p:cNvSpPr>
-          <p:nvPr>
-            <p:ph type="sldNum" sz="quarter" idx="11"/>
-          </p:nvPr>
-        </p:nvSpPr>
-        <p:spPr>
-          <a:xfrm>
-            <a:off x="11292886" y="6707099"/>
-            <a:ext cx="60914" cy="123111"/>
-          </a:xfrm>
-        </p:spPr>
-        <p:txBody>
-          <a:bodyPr/>
-          <a:lstStyle/>
-          <a:p>
-            <a:fld id="{59395FB3-9C97-154F-86B2-7E381B951268}" type="slidenum">
-              <a:rPr lang="en-US" smtClean="0">
-                <a:latin typeface="+mn-lt"/>
-              </a:rPr>
-              <a:pPr/>
-              <a:t>9</a:t>
-            </a:fld>
-            <a:endParaRPr lang="en-US" dirty="0">
-              <a:latin typeface="+mn-lt"/>
-            </a:endParaRPr>
-          </a:p>
-        </p:txBody>
-      </p:sp>
-      <p:sp>
-        <p:nvSpPr>
-          <p:cNvPr id="2" name="Footer Placeholder 1">
-            <a:extLst>
-              <a:ext uri="{FF2B5EF4-FFF2-40B4-BE49-F238E27FC236}">
-                <a16:creationId xmlns:a16="http://schemas.microsoft.com/office/drawing/2014/main" id="{F2D21A02-2F24-ECF4-B652-66F62D3FD7F4}"/>
-              </a:ext>
-            </a:extLst>
-          </p:cNvPr>
-          <p:cNvSpPr txBox="1">
-            <a:spLocks/>
-          </p:cNvSpPr>
-          <p:nvPr/>
-        </p:nvSpPr>
-        <p:spPr>
-          <a:xfrm>
-            <a:off x="197700" y="6523428"/>
-            <a:ext cx="4106287" cy="132693"/>
-          </a:xfrm>
-          <a:prstGeom prst="rect">
-            <a:avLst/>
-          </a:prstGeom>
-        </p:spPr>
-        <p:txBody>
-          <a:bodyPr/>
-          <a:lstStyle>
-            <a:defPPr>
-              <a:defRPr lang="en-US"/>
-            </a:defPPr>
-            <a:lvl1pPr marL="0" algn="l" defTabSz="1829379" rtl="0" eaLnBrk="1" latinLnBrk="0" hangingPunct="1">
-              <a:defRPr sz="3600" kern="1200">
-                <a:solidFill>
-                  <a:schemeClr val="tx1"/>
-                </a:solidFill>
-                <a:latin typeface="+mn-lt"/>
-                <a:ea typeface="+mn-ea"/>
-                <a:cs typeface="+mn-cs"/>
-              </a:defRPr>
-            </a:lvl1pPr>
-            <a:lvl2pPr marL="914688" algn="l" defTabSz="1829379" rtl="0" eaLnBrk="1" latinLnBrk="0" hangingPunct="1">
-              <a:defRPr sz="3600" kern="1200">
-                <a:solidFill>
-                  <a:schemeClr val="tx1"/>
-                </a:solidFill>
-                <a:latin typeface="+mn-lt"/>
-                <a:ea typeface="+mn-ea"/>
-                <a:cs typeface="+mn-cs"/>
-              </a:defRPr>
-            </a:lvl2pPr>
-            <a:lvl3pPr marL="1829379" algn="l" defTabSz="1829379" rtl="0" eaLnBrk="1" latinLnBrk="0" hangingPunct="1">
-              <a:defRPr sz="3600" kern="1200">
-                <a:solidFill>
-                  <a:schemeClr val="tx1"/>
-                </a:solidFill>
-                <a:latin typeface="+mn-lt"/>
-                <a:ea typeface="+mn-ea"/>
-                <a:cs typeface="+mn-cs"/>
-              </a:defRPr>
-            </a:lvl3pPr>
-            <a:lvl4pPr marL="2744068" algn="l" defTabSz="1829379" rtl="0" eaLnBrk="1" latinLnBrk="0" hangingPunct="1">
-              <a:defRPr sz="3600" kern="1200">
-                <a:solidFill>
-                  <a:schemeClr val="tx1"/>
-                </a:solidFill>
-                <a:latin typeface="+mn-lt"/>
-                <a:ea typeface="+mn-ea"/>
-                <a:cs typeface="+mn-cs"/>
-              </a:defRPr>
-            </a:lvl4pPr>
-            <a:lvl5pPr marL="3658759" algn="l" defTabSz="1829379" rtl="0" eaLnBrk="1" latinLnBrk="0" hangingPunct="1">
-              <a:defRPr sz="3600" kern="1200">
-                <a:solidFill>
-                  <a:schemeClr val="tx1"/>
-                </a:solidFill>
-                <a:latin typeface="+mn-lt"/>
-                <a:ea typeface="+mn-ea"/>
-                <a:cs typeface="+mn-cs"/>
-              </a:defRPr>
-            </a:lvl5pPr>
-            <a:lvl6pPr marL="4573447" algn="l" defTabSz="1829379" rtl="0" eaLnBrk="1" latinLnBrk="0" hangingPunct="1">
-              <a:defRPr sz="3600" kern="1200">
-                <a:solidFill>
-                  <a:schemeClr val="tx1"/>
-                </a:solidFill>
-                <a:latin typeface="+mn-lt"/>
-                <a:ea typeface="+mn-ea"/>
-                <a:cs typeface="+mn-cs"/>
-              </a:defRPr>
-            </a:lvl6pPr>
-            <a:lvl7pPr marL="5488138" algn="l" defTabSz="1829379" rtl="0" eaLnBrk="1" latinLnBrk="0" hangingPunct="1">
-              <a:defRPr sz="3600" kern="1200">
-                <a:solidFill>
-                  <a:schemeClr val="tx1"/>
-                </a:solidFill>
-                <a:latin typeface="+mn-lt"/>
-                <a:ea typeface="+mn-ea"/>
-                <a:cs typeface="+mn-cs"/>
-              </a:defRPr>
-            </a:lvl7pPr>
-            <a:lvl8pPr marL="6402827" algn="l" defTabSz="1829379" rtl="0" eaLnBrk="1" latinLnBrk="0" hangingPunct="1">
-              <a:defRPr sz="3600" kern="1200">
-                <a:solidFill>
-                  <a:schemeClr val="tx1"/>
-                </a:solidFill>
-                <a:latin typeface="+mn-lt"/>
-                <a:ea typeface="+mn-ea"/>
-                <a:cs typeface="+mn-cs"/>
-              </a:defRPr>
-            </a:lvl8pPr>
-            <a:lvl9pPr marL="7317518" algn="l" defTabSz="1829379" rtl="0" eaLnBrk="1" latinLnBrk="0" hangingPunct="1">
-              <a:defRPr sz="3600" kern="1200">
-                <a:solidFill>
-                  <a:schemeClr val="tx1"/>
-                </a:solidFill>
-                <a:latin typeface="+mn-lt"/>
-                <a:ea typeface="+mn-ea"/>
-                <a:cs typeface="+mn-cs"/>
-              </a:defRPr>
-            </a:lvl9pPr>
-          </a:lstStyle>
-          <a:p>
-            <a:r>
-              <a:rPr lang="en-US" sz="1200" dirty="0"/>
-              <a:t>IBM Quantum</a:t>
-            </a:r>
-          </a:p>
-        </p:txBody>
-      </p:sp>
-      <p:pic>
-        <p:nvPicPr>
-          <p:cNvPr id="5" name="Picture 4">
-            <a:extLst>
-              <a:ext uri="{FF2B5EF4-FFF2-40B4-BE49-F238E27FC236}">
-                <a16:creationId xmlns:a16="http://schemas.microsoft.com/office/drawing/2014/main" id="{D9A9A28F-12E5-91E9-951B-69B2D1C3E8A9}"/>
-              </a:ext>
-            </a:extLst>
-          </p:cNvPr>
-          <p:cNvPicPr>
-            <a:picLocks noChangeAspect="1"/>
-          </p:cNvPicPr>
-          <p:nvPr/>
-        </p:nvPicPr>
-        <p:blipFill>
-          <a:blip r:embed="rId2"/>
-          <a:stretch>
-            <a:fillRect/>
-          </a:stretch>
-        </p:blipFill>
-        <p:spPr>
-          <a:xfrm>
-            <a:off x="280415" y="1833656"/>
-            <a:ext cx="5014380" cy="1383277"/>
-          </a:xfrm>
-          <a:prstGeom prst="rect">
-            <a:avLst/>
-          </a:prstGeom>
-        </p:spPr>
-      </p:pic>
-      <p:sp>
-        <p:nvSpPr>
-          <p:cNvPr id="6" name="TextBox 5">
-            <a:extLst>
-              <a:ext uri="{FF2B5EF4-FFF2-40B4-BE49-F238E27FC236}">
-                <a16:creationId xmlns:a16="http://schemas.microsoft.com/office/drawing/2014/main" id="{B7BC6E57-4B6E-B32A-314A-E57A663EEF71}"/>
-              </a:ext>
-            </a:extLst>
-          </p:cNvPr>
-          <p:cNvSpPr txBox="1"/>
-          <p:nvPr/>
-        </p:nvSpPr>
-        <p:spPr>
-          <a:xfrm>
-            <a:off x="2158537" y="1455814"/>
-            <a:ext cx="1699953" cy="369332"/>
-          </a:xfrm>
-          <a:prstGeom prst="rect">
-            <a:avLst/>
-          </a:prstGeom>
-          <a:noFill/>
-        </p:spPr>
-        <p:txBody>
-          <a:bodyPr wrap="square" rtlCol="0">
-            <a:spAutoFit/>
-          </a:bodyPr>
-          <a:lstStyle/>
-          <a:p>
-            <a:r>
-              <a:rPr lang="en-US" dirty="0"/>
-              <a:t>N-local ansatz</a:t>
-            </a:r>
-          </a:p>
-        </p:txBody>
-      </p:sp>
-      <p:pic>
-        <p:nvPicPr>
-          <p:cNvPr id="8" name="Picture 7">
-            <a:extLst>
-              <a:ext uri="{FF2B5EF4-FFF2-40B4-BE49-F238E27FC236}">
-                <a16:creationId xmlns:a16="http://schemas.microsoft.com/office/drawing/2014/main" id="{9B96E3D6-8C93-9873-FFB1-B500F3D717D6}"/>
-              </a:ext>
-            </a:extLst>
-          </p:cNvPr>
-          <p:cNvPicPr>
-            <a:picLocks noChangeAspect="1"/>
-          </p:cNvPicPr>
-          <p:nvPr/>
-        </p:nvPicPr>
-        <p:blipFill>
-          <a:blip r:embed="rId3"/>
-          <a:stretch>
-            <a:fillRect/>
-          </a:stretch>
-        </p:blipFill>
-        <p:spPr>
-          <a:xfrm>
-            <a:off x="697511" y="3877684"/>
-            <a:ext cx="4106287" cy="2117660"/>
-          </a:xfrm>
-          <a:prstGeom prst="rect">
-            <a:avLst/>
-          </a:prstGeom>
-        </p:spPr>
-      </p:pic>
-      <p:sp>
-        <p:nvSpPr>
-          <p:cNvPr id="9" name="TextBox 8">
-            <a:extLst>
-              <a:ext uri="{FF2B5EF4-FFF2-40B4-BE49-F238E27FC236}">
-                <a16:creationId xmlns:a16="http://schemas.microsoft.com/office/drawing/2014/main" id="{A8030E86-59F1-B36F-A2F4-C1D3979BD394}"/>
-              </a:ext>
-            </a:extLst>
-          </p:cNvPr>
-          <p:cNvSpPr txBox="1"/>
-          <p:nvPr/>
-        </p:nvSpPr>
-        <p:spPr>
-          <a:xfrm>
-            <a:off x="1602971" y="3641067"/>
-            <a:ext cx="2811087" cy="369332"/>
-          </a:xfrm>
-          <a:prstGeom prst="rect">
-            <a:avLst/>
-          </a:prstGeom>
-          <a:noFill/>
-        </p:spPr>
-        <p:txBody>
-          <a:bodyPr wrap="square" rtlCol="0">
-            <a:spAutoFit/>
-          </a:bodyPr>
-          <a:lstStyle/>
-          <a:p>
-            <a:r>
-              <a:rPr lang="en-US" dirty="0"/>
-              <a:t>Hardware efficient ansatz</a:t>
-            </a:r>
-          </a:p>
-        </p:txBody>
-      </p:sp>
-      <p:pic>
-        <p:nvPicPr>
-          <p:cNvPr id="11" name="Picture 10">
-            <a:extLst>
-              <a:ext uri="{FF2B5EF4-FFF2-40B4-BE49-F238E27FC236}">
-                <a16:creationId xmlns:a16="http://schemas.microsoft.com/office/drawing/2014/main" id="{811D1825-8CB3-A4D9-509D-3FC6D583E41B}"/>
-              </a:ext>
-            </a:extLst>
-          </p:cNvPr>
-          <p:cNvPicPr>
-            <a:picLocks noChangeAspect="1"/>
-          </p:cNvPicPr>
-          <p:nvPr/>
-        </p:nvPicPr>
-        <p:blipFill>
-          <a:blip r:embed="rId4"/>
-          <a:stretch>
-            <a:fillRect/>
-          </a:stretch>
-        </p:blipFill>
-        <p:spPr>
-          <a:xfrm>
-            <a:off x="5931806" y="1790637"/>
-            <a:ext cx="5466421" cy="2263214"/>
-          </a:xfrm>
-          <a:prstGeom prst="rect">
-            <a:avLst/>
-          </a:prstGeom>
-        </p:spPr>
-      </p:pic>
-      <p:sp>
-        <p:nvSpPr>
-          <p:cNvPr id="13" name="TextBox 12">
-            <a:extLst>
-              <a:ext uri="{FF2B5EF4-FFF2-40B4-BE49-F238E27FC236}">
-                <a16:creationId xmlns:a16="http://schemas.microsoft.com/office/drawing/2014/main" id="{990CE135-A485-A0B7-4152-AE3C078809AA}"/>
-              </a:ext>
-            </a:extLst>
-          </p:cNvPr>
-          <p:cNvSpPr txBox="1"/>
-          <p:nvPr/>
-        </p:nvSpPr>
-        <p:spPr>
-          <a:xfrm>
-            <a:off x="7060276" y="1455814"/>
-            <a:ext cx="4070466" cy="369332"/>
-          </a:xfrm>
-          <a:prstGeom prst="rect">
-            <a:avLst/>
-          </a:prstGeom>
-          <a:noFill/>
-        </p:spPr>
-        <p:txBody>
-          <a:bodyPr wrap="square" rtlCol="0">
-            <a:spAutoFit/>
-          </a:bodyPr>
-          <a:lstStyle/>
-          <a:p>
-            <a:r>
-              <a:rPr lang="en-US" dirty="0"/>
-              <a:t>Problem specific ansatz for optimization</a:t>
-            </a:r>
-          </a:p>
-        </p:txBody>
-      </p:sp>
-      <p:pic>
-        <p:nvPicPr>
-          <p:cNvPr id="15" name="Picture 14">
-            <a:extLst>
-              <a:ext uri="{FF2B5EF4-FFF2-40B4-BE49-F238E27FC236}">
-                <a16:creationId xmlns:a16="http://schemas.microsoft.com/office/drawing/2014/main" id="{F6DD7D61-A972-A71D-468B-C642C0614E3E}"/>
-              </a:ext>
-            </a:extLst>
-          </p:cNvPr>
-          <p:cNvPicPr>
-            <a:picLocks noChangeAspect="1"/>
-          </p:cNvPicPr>
-          <p:nvPr/>
-        </p:nvPicPr>
-        <p:blipFill>
-          <a:blip r:embed="rId5"/>
-          <a:stretch>
-            <a:fillRect/>
-          </a:stretch>
-        </p:blipFill>
-        <p:spPr>
-          <a:xfrm>
-            <a:off x="5474039" y="5054076"/>
-            <a:ext cx="6151312" cy="696220"/>
-          </a:xfrm>
-          <a:prstGeom prst="rect">
-            <a:avLst/>
-          </a:prstGeom>
-        </p:spPr>
-      </p:pic>
-      <p:sp>
-        <p:nvSpPr>
-          <p:cNvPr id="16" name="TextBox 15">
-            <a:extLst>
-              <a:ext uri="{FF2B5EF4-FFF2-40B4-BE49-F238E27FC236}">
-                <a16:creationId xmlns:a16="http://schemas.microsoft.com/office/drawing/2014/main" id="{9D5A1299-6DA6-2468-1257-F5508D32D53B}"/>
-              </a:ext>
-            </a:extLst>
-          </p:cNvPr>
-          <p:cNvSpPr txBox="1"/>
-          <p:nvPr/>
-        </p:nvSpPr>
-        <p:spPr>
-          <a:xfrm>
-            <a:off x="5986549" y="4684744"/>
-            <a:ext cx="5367251" cy="369332"/>
-          </a:xfrm>
-          <a:prstGeom prst="rect">
-            <a:avLst/>
-          </a:prstGeom>
-          <a:noFill/>
-        </p:spPr>
-        <p:txBody>
-          <a:bodyPr wrap="square" rtlCol="0">
-            <a:spAutoFit/>
-          </a:bodyPr>
-          <a:lstStyle/>
-          <a:p>
-            <a:r>
-              <a:rPr lang="en-US" dirty="0"/>
-              <a:t>Problem specific ansatz for quantum machine learning</a:t>
-            </a:r>
-          </a:p>
-        </p:txBody>
-      </p:sp>
-    </p:spTree>
-    <p:extLst>
-      <p:ext uri="{BB962C8B-B14F-4D97-AF65-F5344CB8AC3E}">
-        <p14:creationId xmlns:p14="http://schemas.microsoft.com/office/powerpoint/2010/main" val="3998580518"/>
       </p:ext>
     </p:extLst>
   </p:cSld>
